--- a/PF-DS-PT04.pptx
+++ b/PF-DS-PT04.pptx
@@ -5,7 +5,7 @@
     <p:sldMasterId id="2147483648" r:id="rId4"/>
   </p:sldMasterIdLst>
   <p:notesMasterIdLst>
-    <p:notesMasterId r:id="rId35"/>
+    <p:notesMasterId r:id="rId30"/>
   </p:notesMasterIdLst>
   <p:sldIdLst>
     <p:sldId id="258" r:id="rId5"/>
@@ -29,15 +29,10 @@
     <p:sldId id="297" r:id="rId23"/>
     <p:sldId id="266" r:id="rId24"/>
     <p:sldId id="302" r:id="rId25"/>
-    <p:sldId id="274" r:id="rId26"/>
-    <p:sldId id="303" r:id="rId27"/>
-    <p:sldId id="304" r:id="rId28"/>
-    <p:sldId id="305" r:id="rId29"/>
-    <p:sldId id="306" r:id="rId30"/>
-    <p:sldId id="272" r:id="rId31"/>
-    <p:sldId id="282" r:id="rId32"/>
-    <p:sldId id="285" r:id="rId33"/>
-    <p:sldId id="279" r:id="rId34"/>
+    <p:sldId id="272" r:id="rId26"/>
+    <p:sldId id="282" r:id="rId27"/>
+    <p:sldId id="285" r:id="rId28"/>
+    <p:sldId id="279" r:id="rId29"/>
   </p:sldIdLst>
   <p:sldSz cx="12192000" cy="6858000"/>
   <p:notesSz cx="6858000" cy="9144000"/>
@@ -2880,27 +2875,27 @@
     </dgm:pt>
   </dgm:ptLst>
   <dgm:cxnLst>
+    <dgm:cxn modelId="{BCED732E-1760-9944-B00F-317E89FFC48D}" type="presOf" srcId="{30A490C8-22B4-4D68-875C-0F0DE2FF864D}" destId="{4586F0D8-A120-274B-BE51-856FCB4AC43F}" srcOrd="0" destOrd="0" presId="urn:microsoft.com/office/officeart/2008/layout/LinedList"/>
+    <dgm:cxn modelId="{7632773D-8054-0145-9910-2656ABCE5CDA}" type="presOf" srcId="{0DD8915E-DC14-41D6-9BB5-F49E1C265163}" destId="{F776D97D-7E8A-BE47-8534-04C00FFCCC4D}" srcOrd="0" destOrd="0" presId="urn:microsoft.com/office/officeart/2008/layout/LinedList"/>
+    <dgm:cxn modelId="{711E093C-AD42-45A4-8D40-A2D39702062E}" srcId="{A2322D3A-7AC2-4C5C-9D7E-EAB2313D47D4}" destId="{8FE81FEC-2664-411F-AEB3-065F29F52751}" srcOrd="0" destOrd="0" parTransId="{BCBC007E-0269-421B-9C41-DE26D5C3A822}" sibTransId="{80230EB7-7230-4881-A631-309C07417378}"/>
+    <dgm:cxn modelId="{381FE1CC-8184-4745-8EB3-6DE11655998D}" srcId="{73D947E0-108F-4D20-A71E-3CF329F97212}" destId="{30A490C8-22B4-4D68-875C-0F0DE2FF864D}" srcOrd="0" destOrd="0" parTransId="{035C64B0-4F0C-4FD1-BD23-B1D4C9887CBE}" sibTransId="{45495DA8-8707-41E3-A12B-FA5766269C44}"/>
+    <dgm:cxn modelId="{772B227B-9842-7E4B-A946-48F9C08394D4}" type="presOf" srcId="{A2322D3A-7AC2-4C5C-9D7E-EAB2313D47D4}" destId="{7543777C-4617-0343-8040-A73DD2FC544E}" srcOrd="0" destOrd="0" presId="urn:microsoft.com/office/officeart/2008/layout/LinedList"/>
+    <dgm:cxn modelId="{B6DE9009-327C-7543-8775-3ACB7D495B43}" type="presOf" srcId="{E9682B4F-0217-4B50-923E-C104AA24290F}" destId="{3E5AB2BF-A462-A841-B59B-E575612010D9}" srcOrd="0" destOrd="0" presId="urn:microsoft.com/office/officeart/2008/layout/LinedList"/>
+    <dgm:cxn modelId="{A0077D09-C12C-46D0-8DF7-194B6911362A}" srcId="{0DD8915E-DC14-41D6-9BB5-F49E1C265163}" destId="{73D947E0-108F-4D20-A71E-3CF329F97212}" srcOrd="0" destOrd="0" parTransId="{9D249532-A24D-4D8F-848A-9F42F2E486C9}" sibTransId="{AE813459-65AB-4FA9-B717-330DDA6DFA4E}"/>
+    <dgm:cxn modelId="{179FAFCF-F878-464E-A8A6-1185EFA0E380}" srcId="{0DD8915E-DC14-41D6-9BB5-F49E1C265163}" destId="{A2322D3A-7AC2-4C5C-9D7E-EAB2313D47D4}" srcOrd="4" destOrd="0" parTransId="{4A8C15D4-B36F-4764-B4FF-F2AF790D3E17}" sibTransId="{84DE1C3A-3FC7-4DB3-88ED-33F65A71557A}"/>
+    <dgm:cxn modelId="{52858697-E36E-3C41-91FB-24B844EEE1F4}" type="presOf" srcId="{0EC0C300-11E4-45CF-8418-973585107209}" destId="{C5AD48B0-9931-9B4D-A60B-A844B7F448FC}" srcOrd="0" destOrd="0" presId="urn:microsoft.com/office/officeart/2008/layout/LinedList"/>
+    <dgm:cxn modelId="{9759C9F1-6967-624A-9FF9-1DD2452BA3AA}" type="presOf" srcId="{4F85505A-81B6-4FDA-A144-900B71DAD946}" destId="{C76500F5-9E3D-F842-99EC-C1DB4300D8B6}" srcOrd="0" destOrd="0" presId="urn:microsoft.com/office/officeart/2008/layout/LinedList"/>
+    <dgm:cxn modelId="{C4C745E7-4D99-7344-9422-E0A0ECE59A54}" type="presOf" srcId="{8FE81FEC-2664-411F-AEB3-065F29F52751}" destId="{FDF61795-EF4F-DD4D-9159-4AAF6F881146}" srcOrd="0" destOrd="0" presId="urn:microsoft.com/office/officeart/2008/layout/LinedList"/>
+    <dgm:cxn modelId="{2D633B56-E147-4EFC-B9EE-6C0413F329B0}" srcId="{0DD8915E-DC14-41D6-9BB5-F49E1C265163}" destId="{4F85505A-81B6-4FDA-A144-900B71DAD946}" srcOrd="3" destOrd="0" parTransId="{D9A96E25-7BBE-4DDD-8DDE-B4970D4340A8}" sibTransId="{68F74A88-49DC-44B1-BC0D-220A7B97601C}"/>
+    <dgm:cxn modelId="{99B75BD8-5AF8-7C4E-AEFD-430CD2C4CA57}" type="presOf" srcId="{73D947E0-108F-4D20-A71E-3CF329F97212}" destId="{27290E1D-A993-FE47-AD32-264686D4D5C9}" srcOrd="0" destOrd="0" presId="urn:microsoft.com/office/officeart/2008/layout/LinedList"/>
     <dgm:cxn modelId="{51563A4F-C0EB-47D6-B5BC-47A4E599AD4B}" srcId="{E9682B4F-0217-4B50-923E-C104AA24290F}" destId="{0EC0C300-11E4-45CF-8418-973585107209}" srcOrd="0" destOrd="0" parTransId="{1E4DD98E-100E-46B7-B24A-408BBF69E9FA}" sibTransId="{90FAB5D1-62B3-4FF6-A07D-EE607F529C32}"/>
-    <dgm:cxn modelId="{7632773D-8054-0145-9910-2656ABCE5CDA}" type="presOf" srcId="{0DD8915E-DC14-41D6-9BB5-F49E1C265163}" destId="{F776D97D-7E8A-BE47-8534-04C00FFCCC4D}" srcOrd="0" destOrd="0" presId="urn:microsoft.com/office/officeart/2008/layout/LinedList"/>
-    <dgm:cxn modelId="{6C23D0C9-74B2-4C8B-AB2F-A03B3B0EBE56}" srcId="{0DD8915E-DC14-41D6-9BB5-F49E1C265163}" destId="{E9682B4F-0217-4B50-923E-C104AA24290F}" srcOrd="2" destOrd="0" parTransId="{E0F6C4AF-9BBB-4698-91D7-F9AE3EACBD5D}" sibTransId="{B8632E42-D7EB-4C31-877E-6F1B2801851A}"/>
-    <dgm:cxn modelId="{A0077D09-C12C-46D0-8DF7-194B6911362A}" srcId="{0DD8915E-DC14-41D6-9BB5-F49E1C265163}" destId="{73D947E0-108F-4D20-A71E-3CF329F97212}" srcOrd="0" destOrd="0" parTransId="{9D249532-A24D-4D8F-848A-9F42F2E486C9}" sibTransId="{AE813459-65AB-4FA9-B717-330DDA6DFA4E}"/>
-    <dgm:cxn modelId="{99B75BD8-5AF8-7C4E-AEFD-430CD2C4CA57}" type="presOf" srcId="{73D947E0-108F-4D20-A71E-3CF329F97212}" destId="{27290E1D-A993-FE47-AD32-264686D4D5C9}" srcOrd="0" destOrd="0" presId="urn:microsoft.com/office/officeart/2008/layout/LinedList"/>
-    <dgm:cxn modelId="{52858697-E36E-3C41-91FB-24B844EEE1F4}" type="presOf" srcId="{0EC0C300-11E4-45CF-8418-973585107209}" destId="{C5AD48B0-9931-9B4D-A60B-A844B7F448FC}" srcOrd="0" destOrd="0" presId="urn:microsoft.com/office/officeart/2008/layout/LinedList"/>
-    <dgm:cxn modelId="{C573C975-9BCD-3D47-86C8-14A8B61FE168}" type="presOf" srcId="{FEB4A941-E9FA-4A86-A673-85FF34B35F20}" destId="{4249D1DC-A83D-314A-B537-01066820A2A2}" srcOrd="0" destOrd="0" presId="urn:microsoft.com/office/officeart/2008/layout/LinedList"/>
-    <dgm:cxn modelId="{4AE21DE4-3E74-934C-A2DD-7AA9CF220864}" type="presOf" srcId="{B1AFA1AF-0FF8-45B3-A6D0-0E255A2F637D}" destId="{47BBF4D0-3042-9C45-AD8E-AC9529290611}" srcOrd="0" destOrd="0" presId="urn:microsoft.com/office/officeart/2008/layout/LinedList"/>
-    <dgm:cxn modelId="{2D633B56-E147-4EFC-B9EE-6C0413F329B0}" srcId="{0DD8915E-DC14-41D6-9BB5-F49E1C265163}" destId="{4F85505A-81B6-4FDA-A144-900B71DAD946}" srcOrd="3" destOrd="0" parTransId="{D9A96E25-7BBE-4DDD-8DDE-B4970D4340A8}" sibTransId="{68F74A88-49DC-44B1-BC0D-220A7B97601C}"/>
-    <dgm:cxn modelId="{C4C745E7-4D99-7344-9422-E0A0ECE59A54}" type="presOf" srcId="{8FE81FEC-2664-411F-AEB3-065F29F52751}" destId="{FDF61795-EF4F-DD4D-9159-4AAF6F881146}" srcOrd="0" destOrd="0" presId="urn:microsoft.com/office/officeart/2008/layout/LinedList"/>
-    <dgm:cxn modelId="{B6DE9009-327C-7543-8775-3ACB7D495B43}" type="presOf" srcId="{E9682B4F-0217-4B50-923E-C104AA24290F}" destId="{3E5AB2BF-A462-A841-B59B-E575612010D9}" srcOrd="0" destOrd="0" presId="urn:microsoft.com/office/officeart/2008/layout/LinedList"/>
-    <dgm:cxn modelId="{772B227B-9842-7E4B-A946-48F9C08394D4}" type="presOf" srcId="{A2322D3A-7AC2-4C5C-9D7E-EAB2313D47D4}" destId="{7543777C-4617-0343-8040-A73DD2FC544E}" srcOrd="0" destOrd="0" presId="urn:microsoft.com/office/officeart/2008/layout/LinedList"/>
-    <dgm:cxn modelId="{179FAFCF-F878-464E-A8A6-1185EFA0E380}" srcId="{0DD8915E-DC14-41D6-9BB5-F49E1C265163}" destId="{A2322D3A-7AC2-4C5C-9D7E-EAB2313D47D4}" srcOrd="4" destOrd="0" parTransId="{4A8C15D4-B36F-4764-B4FF-F2AF790D3E17}" sibTransId="{84DE1C3A-3FC7-4DB3-88ED-33F65A71557A}"/>
     <dgm:cxn modelId="{F942F56C-9025-4AA1-9B36-C5AE0A93B0F5}" srcId="{4F85505A-81B6-4FDA-A144-900B71DAD946}" destId="{FEB4A941-E9FA-4A86-A673-85FF34B35F20}" srcOrd="0" destOrd="0" parTransId="{39522508-BC4E-4DD5-A744-AFEFFE36DB74}" sibTransId="{97624CC8-6315-4683-B26C-C30D552DA5A6}"/>
+    <dgm:cxn modelId="{D2CA01BF-F7E8-4A4F-9160-6406DCF31990}" type="presOf" srcId="{50418D2B-9486-42DE-AFDD-1D31420040FF}" destId="{40AD39FF-552E-3645-816F-DA192029EE94}" srcOrd="0" destOrd="0" presId="urn:microsoft.com/office/officeart/2008/layout/LinedList"/>
     <dgm:cxn modelId="{5A5BA622-5DEB-48B9-88D9-C1DE36C711E5}" srcId="{B1AFA1AF-0FF8-45B3-A6D0-0E255A2F637D}" destId="{50418D2B-9486-42DE-AFDD-1D31420040FF}" srcOrd="0" destOrd="0" parTransId="{D5A17F6B-93F5-442B-938A-0F38C281BE88}" sibTransId="{1D87A0A5-8024-4710-846B-D5BFAC785107}"/>
     <dgm:cxn modelId="{F28D7702-2FC3-49BD-BB13-C989E5EE622A}" srcId="{0DD8915E-DC14-41D6-9BB5-F49E1C265163}" destId="{B1AFA1AF-0FF8-45B3-A6D0-0E255A2F637D}" srcOrd="1" destOrd="0" parTransId="{10C68AF5-481C-45AA-A216-8BBBB04515B9}" sibTransId="{88649F7A-400B-4056-965D-C9AC0B3AD942}"/>
-    <dgm:cxn modelId="{D2CA01BF-F7E8-4A4F-9160-6406DCF31990}" type="presOf" srcId="{50418D2B-9486-42DE-AFDD-1D31420040FF}" destId="{40AD39FF-552E-3645-816F-DA192029EE94}" srcOrd="0" destOrd="0" presId="urn:microsoft.com/office/officeart/2008/layout/LinedList"/>
-    <dgm:cxn modelId="{711E093C-AD42-45A4-8D40-A2D39702062E}" srcId="{A2322D3A-7AC2-4C5C-9D7E-EAB2313D47D4}" destId="{8FE81FEC-2664-411F-AEB3-065F29F52751}" srcOrd="0" destOrd="0" parTransId="{BCBC007E-0269-421B-9C41-DE26D5C3A822}" sibTransId="{80230EB7-7230-4881-A631-309C07417378}"/>
-    <dgm:cxn modelId="{BCED732E-1760-9944-B00F-317E89FFC48D}" type="presOf" srcId="{30A490C8-22B4-4D68-875C-0F0DE2FF864D}" destId="{4586F0D8-A120-274B-BE51-856FCB4AC43F}" srcOrd="0" destOrd="0" presId="urn:microsoft.com/office/officeart/2008/layout/LinedList"/>
-    <dgm:cxn modelId="{381FE1CC-8184-4745-8EB3-6DE11655998D}" srcId="{73D947E0-108F-4D20-A71E-3CF329F97212}" destId="{30A490C8-22B4-4D68-875C-0F0DE2FF864D}" srcOrd="0" destOrd="0" parTransId="{035C64B0-4F0C-4FD1-BD23-B1D4C9887CBE}" sibTransId="{45495DA8-8707-41E3-A12B-FA5766269C44}"/>
-    <dgm:cxn modelId="{9759C9F1-6967-624A-9FF9-1DD2452BA3AA}" type="presOf" srcId="{4F85505A-81B6-4FDA-A144-900B71DAD946}" destId="{C76500F5-9E3D-F842-99EC-C1DB4300D8B6}" srcOrd="0" destOrd="0" presId="urn:microsoft.com/office/officeart/2008/layout/LinedList"/>
+    <dgm:cxn modelId="{4AE21DE4-3E74-934C-A2DD-7AA9CF220864}" type="presOf" srcId="{B1AFA1AF-0FF8-45B3-A6D0-0E255A2F637D}" destId="{47BBF4D0-3042-9C45-AD8E-AC9529290611}" srcOrd="0" destOrd="0" presId="urn:microsoft.com/office/officeart/2008/layout/LinedList"/>
+    <dgm:cxn modelId="{C573C975-9BCD-3D47-86C8-14A8B61FE168}" type="presOf" srcId="{FEB4A941-E9FA-4A86-A673-85FF34B35F20}" destId="{4249D1DC-A83D-314A-B537-01066820A2A2}" srcOrd="0" destOrd="0" presId="urn:microsoft.com/office/officeart/2008/layout/LinedList"/>
+    <dgm:cxn modelId="{6C23D0C9-74B2-4C8B-AB2F-A03B3B0EBE56}" srcId="{0DD8915E-DC14-41D6-9BB5-F49E1C265163}" destId="{E9682B4F-0217-4B50-923E-C104AA24290F}" srcOrd="2" destOrd="0" parTransId="{E0F6C4AF-9BBB-4698-91D7-F9AE3EACBD5D}" sibTransId="{B8632E42-D7EB-4C31-877E-6F1B2801851A}"/>
     <dgm:cxn modelId="{1AFBC1C2-4125-A746-815F-A6C0479AAB5E}" type="presParOf" srcId="{F776D97D-7E8A-BE47-8534-04C00FFCCC4D}" destId="{3C4E0FA1-D067-AD44-8E28-106F1EE1F117}" srcOrd="0" destOrd="0" presId="urn:microsoft.com/office/officeart/2008/layout/LinedList"/>
     <dgm:cxn modelId="{DEE48448-65C4-7D43-9C6C-1C322194C845}" type="presParOf" srcId="{F776D97D-7E8A-BE47-8534-04C00FFCCC4D}" destId="{4618D61B-DCED-8E48-9FBD-90A3161B1E67}" srcOrd="1" destOrd="0" presId="urn:microsoft.com/office/officeart/2008/layout/LinedList"/>
     <dgm:cxn modelId="{1C948CC6-566C-D945-A9AA-DD3067DB7EA5}" type="presParOf" srcId="{4618D61B-DCED-8E48-9FBD-90A3161B1E67}" destId="{27290E1D-A993-FE47-AD32-264686D4D5C9}" srcOrd="0" destOrd="0" presId="urn:microsoft.com/office/officeart/2008/layout/LinedList"/>
@@ -3822,27 +3817,27 @@
     </dgm:pt>
   </dgm:ptLst>
   <dgm:cxnLst>
+    <dgm:cxn modelId="{BCED732E-1760-9944-B00F-317E89FFC48D}" type="presOf" srcId="{30A490C8-22B4-4D68-875C-0F0DE2FF864D}" destId="{4586F0D8-A120-274B-BE51-856FCB4AC43F}" srcOrd="0" destOrd="0" presId="urn:microsoft.com/office/officeart/2008/layout/LinedList"/>
+    <dgm:cxn modelId="{7632773D-8054-0145-9910-2656ABCE5CDA}" type="presOf" srcId="{0DD8915E-DC14-41D6-9BB5-F49E1C265163}" destId="{F776D97D-7E8A-BE47-8534-04C00FFCCC4D}" srcOrd="0" destOrd="0" presId="urn:microsoft.com/office/officeart/2008/layout/LinedList"/>
+    <dgm:cxn modelId="{711E093C-AD42-45A4-8D40-A2D39702062E}" srcId="{A2322D3A-7AC2-4C5C-9D7E-EAB2313D47D4}" destId="{8FE81FEC-2664-411F-AEB3-065F29F52751}" srcOrd="0" destOrd="0" parTransId="{BCBC007E-0269-421B-9C41-DE26D5C3A822}" sibTransId="{80230EB7-7230-4881-A631-309C07417378}"/>
+    <dgm:cxn modelId="{381FE1CC-8184-4745-8EB3-6DE11655998D}" srcId="{73D947E0-108F-4D20-A71E-3CF329F97212}" destId="{30A490C8-22B4-4D68-875C-0F0DE2FF864D}" srcOrd="0" destOrd="0" parTransId="{035C64B0-4F0C-4FD1-BD23-B1D4C9887CBE}" sibTransId="{45495DA8-8707-41E3-A12B-FA5766269C44}"/>
+    <dgm:cxn modelId="{772B227B-9842-7E4B-A946-48F9C08394D4}" type="presOf" srcId="{A2322D3A-7AC2-4C5C-9D7E-EAB2313D47D4}" destId="{7543777C-4617-0343-8040-A73DD2FC544E}" srcOrd="0" destOrd="0" presId="urn:microsoft.com/office/officeart/2008/layout/LinedList"/>
+    <dgm:cxn modelId="{B6DE9009-327C-7543-8775-3ACB7D495B43}" type="presOf" srcId="{E9682B4F-0217-4B50-923E-C104AA24290F}" destId="{3E5AB2BF-A462-A841-B59B-E575612010D9}" srcOrd="0" destOrd="0" presId="urn:microsoft.com/office/officeart/2008/layout/LinedList"/>
+    <dgm:cxn modelId="{A0077D09-C12C-46D0-8DF7-194B6911362A}" srcId="{0DD8915E-DC14-41D6-9BB5-F49E1C265163}" destId="{73D947E0-108F-4D20-A71E-3CF329F97212}" srcOrd="0" destOrd="0" parTransId="{9D249532-A24D-4D8F-848A-9F42F2E486C9}" sibTransId="{AE813459-65AB-4FA9-B717-330DDA6DFA4E}"/>
+    <dgm:cxn modelId="{179FAFCF-F878-464E-A8A6-1185EFA0E380}" srcId="{0DD8915E-DC14-41D6-9BB5-F49E1C265163}" destId="{A2322D3A-7AC2-4C5C-9D7E-EAB2313D47D4}" srcOrd="4" destOrd="0" parTransId="{4A8C15D4-B36F-4764-B4FF-F2AF790D3E17}" sibTransId="{84DE1C3A-3FC7-4DB3-88ED-33F65A71557A}"/>
+    <dgm:cxn modelId="{52858697-E36E-3C41-91FB-24B844EEE1F4}" type="presOf" srcId="{0EC0C300-11E4-45CF-8418-973585107209}" destId="{C5AD48B0-9931-9B4D-A60B-A844B7F448FC}" srcOrd="0" destOrd="0" presId="urn:microsoft.com/office/officeart/2008/layout/LinedList"/>
+    <dgm:cxn modelId="{9759C9F1-6967-624A-9FF9-1DD2452BA3AA}" type="presOf" srcId="{4F85505A-81B6-4FDA-A144-900B71DAD946}" destId="{C76500F5-9E3D-F842-99EC-C1DB4300D8B6}" srcOrd="0" destOrd="0" presId="urn:microsoft.com/office/officeart/2008/layout/LinedList"/>
+    <dgm:cxn modelId="{C4C745E7-4D99-7344-9422-E0A0ECE59A54}" type="presOf" srcId="{8FE81FEC-2664-411F-AEB3-065F29F52751}" destId="{FDF61795-EF4F-DD4D-9159-4AAF6F881146}" srcOrd="0" destOrd="0" presId="urn:microsoft.com/office/officeart/2008/layout/LinedList"/>
+    <dgm:cxn modelId="{2D633B56-E147-4EFC-B9EE-6C0413F329B0}" srcId="{0DD8915E-DC14-41D6-9BB5-F49E1C265163}" destId="{4F85505A-81B6-4FDA-A144-900B71DAD946}" srcOrd="3" destOrd="0" parTransId="{D9A96E25-7BBE-4DDD-8DDE-B4970D4340A8}" sibTransId="{68F74A88-49DC-44B1-BC0D-220A7B97601C}"/>
+    <dgm:cxn modelId="{99B75BD8-5AF8-7C4E-AEFD-430CD2C4CA57}" type="presOf" srcId="{73D947E0-108F-4D20-A71E-3CF329F97212}" destId="{27290E1D-A993-FE47-AD32-264686D4D5C9}" srcOrd="0" destOrd="0" presId="urn:microsoft.com/office/officeart/2008/layout/LinedList"/>
     <dgm:cxn modelId="{51563A4F-C0EB-47D6-B5BC-47A4E599AD4B}" srcId="{E9682B4F-0217-4B50-923E-C104AA24290F}" destId="{0EC0C300-11E4-45CF-8418-973585107209}" srcOrd="0" destOrd="0" parTransId="{1E4DD98E-100E-46B7-B24A-408BBF69E9FA}" sibTransId="{90FAB5D1-62B3-4FF6-A07D-EE607F529C32}"/>
-    <dgm:cxn modelId="{7632773D-8054-0145-9910-2656ABCE5CDA}" type="presOf" srcId="{0DD8915E-DC14-41D6-9BB5-F49E1C265163}" destId="{F776D97D-7E8A-BE47-8534-04C00FFCCC4D}" srcOrd="0" destOrd="0" presId="urn:microsoft.com/office/officeart/2008/layout/LinedList"/>
-    <dgm:cxn modelId="{6C23D0C9-74B2-4C8B-AB2F-A03B3B0EBE56}" srcId="{0DD8915E-DC14-41D6-9BB5-F49E1C265163}" destId="{E9682B4F-0217-4B50-923E-C104AA24290F}" srcOrd="2" destOrd="0" parTransId="{E0F6C4AF-9BBB-4698-91D7-F9AE3EACBD5D}" sibTransId="{B8632E42-D7EB-4C31-877E-6F1B2801851A}"/>
-    <dgm:cxn modelId="{A0077D09-C12C-46D0-8DF7-194B6911362A}" srcId="{0DD8915E-DC14-41D6-9BB5-F49E1C265163}" destId="{73D947E0-108F-4D20-A71E-3CF329F97212}" srcOrd="0" destOrd="0" parTransId="{9D249532-A24D-4D8F-848A-9F42F2E486C9}" sibTransId="{AE813459-65AB-4FA9-B717-330DDA6DFA4E}"/>
-    <dgm:cxn modelId="{99B75BD8-5AF8-7C4E-AEFD-430CD2C4CA57}" type="presOf" srcId="{73D947E0-108F-4D20-A71E-3CF329F97212}" destId="{27290E1D-A993-FE47-AD32-264686D4D5C9}" srcOrd="0" destOrd="0" presId="urn:microsoft.com/office/officeart/2008/layout/LinedList"/>
-    <dgm:cxn modelId="{52858697-E36E-3C41-91FB-24B844EEE1F4}" type="presOf" srcId="{0EC0C300-11E4-45CF-8418-973585107209}" destId="{C5AD48B0-9931-9B4D-A60B-A844B7F448FC}" srcOrd="0" destOrd="0" presId="urn:microsoft.com/office/officeart/2008/layout/LinedList"/>
-    <dgm:cxn modelId="{C573C975-9BCD-3D47-86C8-14A8B61FE168}" type="presOf" srcId="{FEB4A941-E9FA-4A86-A673-85FF34B35F20}" destId="{4249D1DC-A83D-314A-B537-01066820A2A2}" srcOrd="0" destOrd="0" presId="urn:microsoft.com/office/officeart/2008/layout/LinedList"/>
-    <dgm:cxn modelId="{4AE21DE4-3E74-934C-A2DD-7AA9CF220864}" type="presOf" srcId="{B1AFA1AF-0FF8-45B3-A6D0-0E255A2F637D}" destId="{47BBF4D0-3042-9C45-AD8E-AC9529290611}" srcOrd="0" destOrd="0" presId="urn:microsoft.com/office/officeart/2008/layout/LinedList"/>
-    <dgm:cxn modelId="{2D633B56-E147-4EFC-B9EE-6C0413F329B0}" srcId="{0DD8915E-DC14-41D6-9BB5-F49E1C265163}" destId="{4F85505A-81B6-4FDA-A144-900B71DAD946}" srcOrd="3" destOrd="0" parTransId="{D9A96E25-7BBE-4DDD-8DDE-B4970D4340A8}" sibTransId="{68F74A88-49DC-44B1-BC0D-220A7B97601C}"/>
-    <dgm:cxn modelId="{C4C745E7-4D99-7344-9422-E0A0ECE59A54}" type="presOf" srcId="{8FE81FEC-2664-411F-AEB3-065F29F52751}" destId="{FDF61795-EF4F-DD4D-9159-4AAF6F881146}" srcOrd="0" destOrd="0" presId="urn:microsoft.com/office/officeart/2008/layout/LinedList"/>
-    <dgm:cxn modelId="{B6DE9009-327C-7543-8775-3ACB7D495B43}" type="presOf" srcId="{E9682B4F-0217-4B50-923E-C104AA24290F}" destId="{3E5AB2BF-A462-A841-B59B-E575612010D9}" srcOrd="0" destOrd="0" presId="urn:microsoft.com/office/officeart/2008/layout/LinedList"/>
-    <dgm:cxn modelId="{772B227B-9842-7E4B-A946-48F9C08394D4}" type="presOf" srcId="{A2322D3A-7AC2-4C5C-9D7E-EAB2313D47D4}" destId="{7543777C-4617-0343-8040-A73DD2FC544E}" srcOrd="0" destOrd="0" presId="urn:microsoft.com/office/officeart/2008/layout/LinedList"/>
-    <dgm:cxn modelId="{179FAFCF-F878-464E-A8A6-1185EFA0E380}" srcId="{0DD8915E-DC14-41D6-9BB5-F49E1C265163}" destId="{A2322D3A-7AC2-4C5C-9D7E-EAB2313D47D4}" srcOrd="4" destOrd="0" parTransId="{4A8C15D4-B36F-4764-B4FF-F2AF790D3E17}" sibTransId="{84DE1C3A-3FC7-4DB3-88ED-33F65A71557A}"/>
     <dgm:cxn modelId="{F942F56C-9025-4AA1-9B36-C5AE0A93B0F5}" srcId="{4F85505A-81B6-4FDA-A144-900B71DAD946}" destId="{FEB4A941-E9FA-4A86-A673-85FF34B35F20}" srcOrd="0" destOrd="0" parTransId="{39522508-BC4E-4DD5-A744-AFEFFE36DB74}" sibTransId="{97624CC8-6315-4683-B26C-C30D552DA5A6}"/>
+    <dgm:cxn modelId="{D2CA01BF-F7E8-4A4F-9160-6406DCF31990}" type="presOf" srcId="{50418D2B-9486-42DE-AFDD-1D31420040FF}" destId="{40AD39FF-552E-3645-816F-DA192029EE94}" srcOrd="0" destOrd="0" presId="urn:microsoft.com/office/officeart/2008/layout/LinedList"/>
     <dgm:cxn modelId="{5A5BA622-5DEB-48B9-88D9-C1DE36C711E5}" srcId="{B1AFA1AF-0FF8-45B3-A6D0-0E255A2F637D}" destId="{50418D2B-9486-42DE-AFDD-1D31420040FF}" srcOrd="0" destOrd="0" parTransId="{D5A17F6B-93F5-442B-938A-0F38C281BE88}" sibTransId="{1D87A0A5-8024-4710-846B-D5BFAC785107}"/>
     <dgm:cxn modelId="{F28D7702-2FC3-49BD-BB13-C989E5EE622A}" srcId="{0DD8915E-DC14-41D6-9BB5-F49E1C265163}" destId="{B1AFA1AF-0FF8-45B3-A6D0-0E255A2F637D}" srcOrd="1" destOrd="0" parTransId="{10C68AF5-481C-45AA-A216-8BBBB04515B9}" sibTransId="{88649F7A-400B-4056-965D-C9AC0B3AD942}"/>
-    <dgm:cxn modelId="{D2CA01BF-F7E8-4A4F-9160-6406DCF31990}" type="presOf" srcId="{50418D2B-9486-42DE-AFDD-1D31420040FF}" destId="{40AD39FF-552E-3645-816F-DA192029EE94}" srcOrd="0" destOrd="0" presId="urn:microsoft.com/office/officeart/2008/layout/LinedList"/>
-    <dgm:cxn modelId="{711E093C-AD42-45A4-8D40-A2D39702062E}" srcId="{A2322D3A-7AC2-4C5C-9D7E-EAB2313D47D4}" destId="{8FE81FEC-2664-411F-AEB3-065F29F52751}" srcOrd="0" destOrd="0" parTransId="{BCBC007E-0269-421B-9C41-DE26D5C3A822}" sibTransId="{80230EB7-7230-4881-A631-309C07417378}"/>
-    <dgm:cxn modelId="{BCED732E-1760-9944-B00F-317E89FFC48D}" type="presOf" srcId="{30A490C8-22B4-4D68-875C-0F0DE2FF864D}" destId="{4586F0D8-A120-274B-BE51-856FCB4AC43F}" srcOrd="0" destOrd="0" presId="urn:microsoft.com/office/officeart/2008/layout/LinedList"/>
-    <dgm:cxn modelId="{381FE1CC-8184-4745-8EB3-6DE11655998D}" srcId="{73D947E0-108F-4D20-A71E-3CF329F97212}" destId="{30A490C8-22B4-4D68-875C-0F0DE2FF864D}" srcOrd="0" destOrd="0" parTransId="{035C64B0-4F0C-4FD1-BD23-B1D4C9887CBE}" sibTransId="{45495DA8-8707-41E3-A12B-FA5766269C44}"/>
-    <dgm:cxn modelId="{9759C9F1-6967-624A-9FF9-1DD2452BA3AA}" type="presOf" srcId="{4F85505A-81B6-4FDA-A144-900B71DAD946}" destId="{C76500F5-9E3D-F842-99EC-C1DB4300D8B6}" srcOrd="0" destOrd="0" presId="urn:microsoft.com/office/officeart/2008/layout/LinedList"/>
+    <dgm:cxn modelId="{4AE21DE4-3E74-934C-A2DD-7AA9CF220864}" type="presOf" srcId="{B1AFA1AF-0FF8-45B3-A6D0-0E255A2F637D}" destId="{47BBF4D0-3042-9C45-AD8E-AC9529290611}" srcOrd="0" destOrd="0" presId="urn:microsoft.com/office/officeart/2008/layout/LinedList"/>
+    <dgm:cxn modelId="{C573C975-9BCD-3D47-86C8-14A8B61FE168}" type="presOf" srcId="{FEB4A941-E9FA-4A86-A673-85FF34B35F20}" destId="{4249D1DC-A83D-314A-B537-01066820A2A2}" srcOrd="0" destOrd="0" presId="urn:microsoft.com/office/officeart/2008/layout/LinedList"/>
+    <dgm:cxn modelId="{6C23D0C9-74B2-4C8B-AB2F-A03B3B0EBE56}" srcId="{0DD8915E-DC14-41D6-9BB5-F49E1C265163}" destId="{E9682B4F-0217-4B50-923E-C104AA24290F}" srcOrd="2" destOrd="0" parTransId="{E0F6C4AF-9BBB-4698-91D7-F9AE3EACBD5D}" sibTransId="{B8632E42-D7EB-4C31-877E-6F1B2801851A}"/>
     <dgm:cxn modelId="{1AFBC1C2-4125-A746-815F-A6C0479AAB5E}" type="presParOf" srcId="{F776D97D-7E8A-BE47-8534-04C00FFCCC4D}" destId="{3C4E0FA1-D067-AD44-8E28-106F1EE1F117}" srcOrd="0" destOrd="0" presId="urn:microsoft.com/office/officeart/2008/layout/LinedList"/>
     <dgm:cxn modelId="{DEE48448-65C4-7D43-9C6C-1C322194C845}" type="presParOf" srcId="{F776D97D-7E8A-BE47-8534-04C00FFCCC4D}" destId="{4618D61B-DCED-8E48-9FBD-90A3161B1E67}" srcOrd="1" destOrd="0" presId="urn:microsoft.com/office/officeart/2008/layout/LinedList"/>
     <dgm:cxn modelId="{1C948CC6-566C-D945-A9AA-DD3067DB7EA5}" type="presParOf" srcId="{4618D61B-DCED-8E48-9FBD-90A3161B1E67}" destId="{27290E1D-A993-FE47-AD32-264686D4D5C9}" srcOrd="0" destOrd="0" presId="urn:microsoft.com/office/officeart/2008/layout/LinedList"/>
@@ -9274,7 +9269,7 @@
           <a:p>
             <a:fld id="{A9A067D9-116D-3843-ABDF-D6546C1962D4}" type="datetimeFigureOut">
               <a:rPr lang="en-US" smtClean="0"/>
-              <a:t>12/14/2023</a:t>
+              <a:t>12/15/2023</a:t>
             </a:fld>
             <a:endParaRPr lang="en-US" dirty="0"/>
           </a:p>
@@ -10299,7 +10294,7 @@
     </p:spTree>
     <p:extLst>
       <p:ext uri="{BB962C8B-B14F-4D97-AF65-F5344CB8AC3E}">
-        <p14:creationId xmlns:p14="http://schemas.microsoft.com/office/powerpoint/2010/main" val="1198687316"/>
+        <p14:creationId xmlns:p14="http://schemas.microsoft.com/office/powerpoint/2010/main" val="1039123450"/>
       </p:ext>
     </p:extLst>
   </p:cSld>
@@ -10374,7 +10369,7 @@
           <a:p>
             <a:fld id="{339D21CC-DD94-204E-93C8-E1AAF3084C8D}" type="slidenum">
               <a:rPr lang="en-US" smtClean="0"/>
-              <a:t>23</a:t>
+              <a:t>25</a:t>
             </a:fld>
             <a:endParaRPr lang="en-US" dirty="0"/>
           </a:p>
@@ -10383,175 +10378,7 @@
     </p:spTree>
     <p:extLst>
       <p:ext uri="{BB962C8B-B14F-4D97-AF65-F5344CB8AC3E}">
-        <p14:creationId xmlns:p14="http://schemas.microsoft.com/office/powerpoint/2010/main" val="9702869"/>
-      </p:ext>
-    </p:extLst>
-  </p:cSld>
-  <p:clrMapOvr>
-    <a:masterClrMapping/>
-  </p:clrMapOvr>
-</p:notes>
-</file>
-
-<file path=ppt/notesSlides/notesSlide18.xml><?xml version="1.0" encoding="utf-8"?>
-<p:notes xmlns:a="http://schemas.openxmlformats.org/drawingml/2006/main" xmlns:r="http://schemas.openxmlformats.org/officeDocument/2006/relationships" xmlns:p="http://schemas.openxmlformats.org/presentationml/2006/main">
-  <p:cSld>
-    <p:spTree>
-      <p:nvGrpSpPr>
-        <p:cNvPr id="1" name=""/>
-        <p:cNvGrpSpPr/>
-        <p:nvPr/>
-      </p:nvGrpSpPr>
-      <p:grpSpPr>
-        <a:xfrm>
-          <a:off x="0" y="0"/>
-          <a:ext cx="0" cy="0"/>
-          <a:chOff x="0" y="0"/>
-          <a:chExt cx="0" cy="0"/>
-        </a:xfrm>
-      </p:grpSpPr>
-      <p:sp>
-        <p:nvSpPr>
-          <p:cNvPr id="2" name="Slide Image Placeholder 1"/>
-          <p:cNvSpPr>
-            <a:spLocks noGrp="1" noRot="1" noChangeAspect="1"/>
-          </p:cNvSpPr>
-          <p:nvPr>
-            <p:ph type="sldImg"/>
-          </p:nvPr>
-        </p:nvSpPr>
-        <p:spPr/>
-      </p:sp>
-      <p:sp>
-        <p:nvSpPr>
-          <p:cNvPr id="3" name="Notes Placeholder 2"/>
-          <p:cNvSpPr>
-            <a:spLocks noGrp="1"/>
-          </p:cNvSpPr>
-          <p:nvPr>
-            <p:ph type="body" idx="1"/>
-          </p:nvPr>
-        </p:nvSpPr>
-        <p:spPr/>
-        <p:txBody>
-          <a:bodyPr/>
-          <a:lstStyle/>
-          <a:p>
-            <a:endParaRPr lang="en-US" dirty="0"/>
-          </a:p>
-        </p:txBody>
-      </p:sp>
-      <p:sp>
-        <p:nvSpPr>
-          <p:cNvPr id="4" name="Slide Number Placeholder 3"/>
-          <p:cNvSpPr>
-            <a:spLocks noGrp="1"/>
-          </p:cNvSpPr>
-          <p:nvPr>
-            <p:ph type="sldNum" sz="quarter" idx="5"/>
-          </p:nvPr>
-        </p:nvSpPr>
-        <p:spPr/>
-        <p:txBody>
-          <a:bodyPr/>
-          <a:lstStyle/>
-          <a:p>
-            <a:fld id="{339D21CC-DD94-204E-93C8-E1AAF3084C8D}" type="slidenum">
-              <a:rPr lang="en-US" smtClean="0"/>
-              <a:t>24</a:t>
-            </a:fld>
-            <a:endParaRPr lang="en-US" dirty="0"/>
-          </a:p>
-        </p:txBody>
-      </p:sp>
-    </p:spTree>
-    <p:extLst>
-      <p:ext uri="{BB962C8B-B14F-4D97-AF65-F5344CB8AC3E}">
-        <p14:creationId xmlns:p14="http://schemas.microsoft.com/office/powerpoint/2010/main" val="3265833888"/>
-      </p:ext>
-    </p:extLst>
-  </p:cSld>
-  <p:clrMapOvr>
-    <a:masterClrMapping/>
-  </p:clrMapOvr>
-</p:notes>
-</file>
-
-<file path=ppt/notesSlides/notesSlide19.xml><?xml version="1.0" encoding="utf-8"?>
-<p:notes xmlns:a="http://schemas.openxmlformats.org/drawingml/2006/main" xmlns:r="http://schemas.openxmlformats.org/officeDocument/2006/relationships" xmlns:p="http://schemas.openxmlformats.org/presentationml/2006/main">
-  <p:cSld>
-    <p:spTree>
-      <p:nvGrpSpPr>
-        <p:cNvPr id="1" name=""/>
-        <p:cNvGrpSpPr/>
-        <p:nvPr/>
-      </p:nvGrpSpPr>
-      <p:grpSpPr>
-        <a:xfrm>
-          <a:off x="0" y="0"/>
-          <a:ext cx="0" cy="0"/>
-          <a:chOff x="0" y="0"/>
-          <a:chExt cx="0" cy="0"/>
-        </a:xfrm>
-      </p:grpSpPr>
-      <p:sp>
-        <p:nvSpPr>
-          <p:cNvPr id="2" name="Slide Image Placeholder 1"/>
-          <p:cNvSpPr>
-            <a:spLocks noGrp="1" noRot="1" noChangeAspect="1"/>
-          </p:cNvSpPr>
-          <p:nvPr>
-            <p:ph type="sldImg"/>
-          </p:nvPr>
-        </p:nvSpPr>
-        <p:spPr/>
-      </p:sp>
-      <p:sp>
-        <p:nvSpPr>
-          <p:cNvPr id="3" name="Notes Placeholder 2"/>
-          <p:cNvSpPr>
-            <a:spLocks noGrp="1"/>
-          </p:cNvSpPr>
-          <p:nvPr>
-            <p:ph type="body" idx="1"/>
-          </p:nvPr>
-        </p:nvSpPr>
-        <p:spPr/>
-        <p:txBody>
-          <a:bodyPr/>
-          <a:lstStyle/>
-          <a:p>
-            <a:endParaRPr lang="en-US" dirty="0"/>
-          </a:p>
-        </p:txBody>
-      </p:sp>
-      <p:sp>
-        <p:nvSpPr>
-          <p:cNvPr id="4" name="Slide Number Placeholder 3"/>
-          <p:cNvSpPr>
-            <a:spLocks noGrp="1"/>
-          </p:cNvSpPr>
-          <p:nvPr>
-            <p:ph type="sldNum" sz="quarter" idx="5"/>
-          </p:nvPr>
-        </p:nvSpPr>
-        <p:spPr/>
-        <p:txBody>
-          <a:bodyPr/>
-          <a:lstStyle/>
-          <a:p>
-            <a:fld id="{339D21CC-DD94-204E-93C8-E1AAF3084C8D}" type="slidenum">
-              <a:rPr lang="en-US" smtClean="0"/>
-              <a:t>25</a:t>
-            </a:fld>
-            <a:endParaRPr lang="en-US" dirty="0"/>
-          </a:p>
-        </p:txBody>
-      </p:sp>
-    </p:spTree>
-    <p:extLst>
-      <p:ext uri="{BB962C8B-B14F-4D97-AF65-F5344CB8AC3E}">
-        <p14:creationId xmlns:p14="http://schemas.microsoft.com/office/powerpoint/2010/main" val="2782532966"/>
+        <p14:creationId xmlns:p14="http://schemas.microsoft.com/office/powerpoint/2010/main" val="1568690504"/>
       </p:ext>
     </p:extLst>
   </p:cSld>
@@ -10636,258 +10463,6 @@
     <p:extLst>
       <p:ext uri="{BB962C8B-B14F-4D97-AF65-F5344CB8AC3E}">
         <p14:creationId xmlns:p14="http://schemas.microsoft.com/office/powerpoint/2010/main" val="137684010"/>
-      </p:ext>
-    </p:extLst>
-  </p:cSld>
-  <p:clrMapOvr>
-    <a:masterClrMapping/>
-  </p:clrMapOvr>
-</p:notes>
-</file>
-
-<file path=ppt/notesSlides/notesSlide20.xml><?xml version="1.0" encoding="utf-8"?>
-<p:notes xmlns:a="http://schemas.openxmlformats.org/drawingml/2006/main" xmlns:r="http://schemas.openxmlformats.org/officeDocument/2006/relationships" xmlns:p="http://schemas.openxmlformats.org/presentationml/2006/main">
-  <p:cSld>
-    <p:spTree>
-      <p:nvGrpSpPr>
-        <p:cNvPr id="1" name=""/>
-        <p:cNvGrpSpPr/>
-        <p:nvPr/>
-      </p:nvGrpSpPr>
-      <p:grpSpPr>
-        <a:xfrm>
-          <a:off x="0" y="0"/>
-          <a:ext cx="0" cy="0"/>
-          <a:chOff x="0" y="0"/>
-          <a:chExt cx="0" cy="0"/>
-        </a:xfrm>
-      </p:grpSpPr>
-      <p:sp>
-        <p:nvSpPr>
-          <p:cNvPr id="2" name="Slide Image Placeholder 1"/>
-          <p:cNvSpPr>
-            <a:spLocks noGrp="1" noRot="1" noChangeAspect="1"/>
-          </p:cNvSpPr>
-          <p:nvPr>
-            <p:ph type="sldImg"/>
-          </p:nvPr>
-        </p:nvSpPr>
-        <p:spPr/>
-      </p:sp>
-      <p:sp>
-        <p:nvSpPr>
-          <p:cNvPr id="3" name="Notes Placeholder 2"/>
-          <p:cNvSpPr>
-            <a:spLocks noGrp="1"/>
-          </p:cNvSpPr>
-          <p:nvPr>
-            <p:ph type="body" idx="1"/>
-          </p:nvPr>
-        </p:nvSpPr>
-        <p:spPr/>
-        <p:txBody>
-          <a:bodyPr/>
-          <a:lstStyle/>
-          <a:p>
-            <a:endParaRPr lang="en-US" dirty="0"/>
-          </a:p>
-        </p:txBody>
-      </p:sp>
-      <p:sp>
-        <p:nvSpPr>
-          <p:cNvPr id="4" name="Slide Number Placeholder 3"/>
-          <p:cNvSpPr>
-            <a:spLocks noGrp="1"/>
-          </p:cNvSpPr>
-          <p:nvPr>
-            <p:ph type="sldNum" sz="quarter" idx="5"/>
-          </p:nvPr>
-        </p:nvSpPr>
-        <p:spPr/>
-        <p:txBody>
-          <a:bodyPr/>
-          <a:lstStyle/>
-          <a:p>
-            <a:fld id="{339D21CC-DD94-204E-93C8-E1AAF3084C8D}" type="slidenum">
-              <a:rPr lang="en-US" smtClean="0"/>
-              <a:t>26</a:t>
-            </a:fld>
-            <a:endParaRPr lang="en-US" dirty="0"/>
-          </a:p>
-        </p:txBody>
-      </p:sp>
-    </p:spTree>
-    <p:extLst>
-      <p:ext uri="{BB962C8B-B14F-4D97-AF65-F5344CB8AC3E}">
-        <p14:creationId xmlns:p14="http://schemas.microsoft.com/office/powerpoint/2010/main" val="3866527817"/>
-      </p:ext>
-    </p:extLst>
-  </p:cSld>
-  <p:clrMapOvr>
-    <a:masterClrMapping/>
-  </p:clrMapOvr>
-</p:notes>
-</file>
-
-<file path=ppt/notesSlides/notesSlide21.xml><?xml version="1.0" encoding="utf-8"?>
-<p:notes xmlns:a="http://schemas.openxmlformats.org/drawingml/2006/main" xmlns:r="http://schemas.openxmlformats.org/officeDocument/2006/relationships" xmlns:p="http://schemas.openxmlformats.org/presentationml/2006/main">
-  <p:cSld>
-    <p:spTree>
-      <p:nvGrpSpPr>
-        <p:cNvPr id="1" name=""/>
-        <p:cNvGrpSpPr/>
-        <p:nvPr/>
-      </p:nvGrpSpPr>
-      <p:grpSpPr>
-        <a:xfrm>
-          <a:off x="0" y="0"/>
-          <a:ext cx="0" cy="0"/>
-          <a:chOff x="0" y="0"/>
-          <a:chExt cx="0" cy="0"/>
-        </a:xfrm>
-      </p:grpSpPr>
-      <p:sp>
-        <p:nvSpPr>
-          <p:cNvPr id="2" name="Slide Image Placeholder 1"/>
-          <p:cNvSpPr>
-            <a:spLocks noGrp="1" noRot="1" noChangeAspect="1"/>
-          </p:cNvSpPr>
-          <p:nvPr>
-            <p:ph type="sldImg"/>
-          </p:nvPr>
-        </p:nvSpPr>
-        <p:spPr/>
-      </p:sp>
-      <p:sp>
-        <p:nvSpPr>
-          <p:cNvPr id="3" name="Notes Placeholder 2"/>
-          <p:cNvSpPr>
-            <a:spLocks noGrp="1"/>
-          </p:cNvSpPr>
-          <p:nvPr>
-            <p:ph type="body" idx="1"/>
-          </p:nvPr>
-        </p:nvSpPr>
-        <p:spPr/>
-        <p:txBody>
-          <a:bodyPr/>
-          <a:lstStyle/>
-          <a:p>
-            <a:endParaRPr lang="en-US" dirty="0"/>
-          </a:p>
-        </p:txBody>
-      </p:sp>
-      <p:sp>
-        <p:nvSpPr>
-          <p:cNvPr id="4" name="Slide Number Placeholder 3"/>
-          <p:cNvSpPr>
-            <a:spLocks noGrp="1"/>
-          </p:cNvSpPr>
-          <p:nvPr>
-            <p:ph type="sldNum" sz="quarter" idx="5"/>
-          </p:nvPr>
-        </p:nvSpPr>
-        <p:spPr/>
-        <p:txBody>
-          <a:bodyPr/>
-          <a:lstStyle/>
-          <a:p>
-            <a:fld id="{339D21CC-DD94-204E-93C8-E1AAF3084C8D}" type="slidenum">
-              <a:rPr lang="en-US" smtClean="0"/>
-              <a:t>27</a:t>
-            </a:fld>
-            <a:endParaRPr lang="en-US" dirty="0"/>
-          </a:p>
-        </p:txBody>
-      </p:sp>
-    </p:spTree>
-    <p:extLst>
-      <p:ext uri="{BB962C8B-B14F-4D97-AF65-F5344CB8AC3E}">
-        <p14:creationId xmlns:p14="http://schemas.microsoft.com/office/powerpoint/2010/main" val="1039123450"/>
-      </p:ext>
-    </p:extLst>
-  </p:cSld>
-  <p:clrMapOvr>
-    <a:masterClrMapping/>
-  </p:clrMapOvr>
-</p:notes>
-</file>
-
-<file path=ppt/notesSlides/notesSlide22.xml><?xml version="1.0" encoding="utf-8"?>
-<p:notes xmlns:a="http://schemas.openxmlformats.org/drawingml/2006/main" xmlns:r="http://schemas.openxmlformats.org/officeDocument/2006/relationships" xmlns:p="http://schemas.openxmlformats.org/presentationml/2006/main">
-  <p:cSld>
-    <p:spTree>
-      <p:nvGrpSpPr>
-        <p:cNvPr id="1" name=""/>
-        <p:cNvGrpSpPr/>
-        <p:nvPr/>
-      </p:nvGrpSpPr>
-      <p:grpSpPr>
-        <a:xfrm>
-          <a:off x="0" y="0"/>
-          <a:ext cx="0" cy="0"/>
-          <a:chOff x="0" y="0"/>
-          <a:chExt cx="0" cy="0"/>
-        </a:xfrm>
-      </p:grpSpPr>
-      <p:sp>
-        <p:nvSpPr>
-          <p:cNvPr id="2" name="Slide Image Placeholder 1"/>
-          <p:cNvSpPr>
-            <a:spLocks noGrp="1" noRot="1" noChangeAspect="1"/>
-          </p:cNvSpPr>
-          <p:nvPr>
-            <p:ph type="sldImg"/>
-          </p:nvPr>
-        </p:nvSpPr>
-        <p:spPr/>
-      </p:sp>
-      <p:sp>
-        <p:nvSpPr>
-          <p:cNvPr id="3" name="Notes Placeholder 2"/>
-          <p:cNvSpPr>
-            <a:spLocks noGrp="1"/>
-          </p:cNvSpPr>
-          <p:nvPr>
-            <p:ph type="body" idx="1"/>
-          </p:nvPr>
-        </p:nvSpPr>
-        <p:spPr/>
-        <p:txBody>
-          <a:bodyPr/>
-          <a:lstStyle/>
-          <a:p>
-            <a:endParaRPr lang="en-US" dirty="0"/>
-          </a:p>
-        </p:txBody>
-      </p:sp>
-      <p:sp>
-        <p:nvSpPr>
-          <p:cNvPr id="4" name="Slide Number Placeholder 3"/>
-          <p:cNvSpPr>
-            <a:spLocks noGrp="1"/>
-          </p:cNvSpPr>
-          <p:nvPr>
-            <p:ph type="sldNum" sz="quarter" idx="5"/>
-          </p:nvPr>
-        </p:nvSpPr>
-        <p:spPr/>
-        <p:txBody>
-          <a:bodyPr/>
-          <a:lstStyle/>
-          <a:p>
-            <a:fld id="{339D21CC-DD94-204E-93C8-E1AAF3084C8D}" type="slidenum">
-              <a:rPr lang="en-US" smtClean="0"/>
-              <a:t>30</a:t>
-            </a:fld>
-            <a:endParaRPr lang="en-US" dirty="0"/>
-          </a:p>
-        </p:txBody>
-      </p:sp>
-    </p:spTree>
-    <p:extLst>
-      <p:ext uri="{BB962C8B-B14F-4D97-AF65-F5344CB8AC3E}">
-        <p14:creationId xmlns:p14="http://schemas.microsoft.com/office/powerpoint/2010/main" val="1568690504"/>
       </p:ext>
     </p:extLst>
   </p:cSld>
@@ -32726,2667 +32301,6 @@
           </a:p>
         </p:txBody>
       </p:sp>
-      <p:graphicFrame>
-        <p:nvGraphicFramePr>
-          <p:cNvPr id="2" name="Marcador de contenido 1">
-            <a:extLst>
-              <a:ext uri="{FF2B5EF4-FFF2-40B4-BE49-F238E27FC236}">
-                <a16:creationId xmlns:a16="http://schemas.microsoft.com/office/drawing/2014/main" id="{15023B1D-69FB-8AB5-EDE4-245EB7690127}"/>
-              </a:ext>
-            </a:extLst>
-          </p:cNvPr>
-          <p:cNvGraphicFramePr>
-            <a:graphicFrameLocks noGrp="1"/>
-          </p:cNvGraphicFramePr>
-          <p:nvPr>
-            <p:ph idx="1"/>
-            <p:extLst>
-              <p:ext uri="{D42A27DB-BD31-4B8C-83A1-F6EECF244321}">
-                <p14:modId xmlns:p14="http://schemas.microsoft.com/office/powerpoint/2010/main" val="3327088223"/>
-              </p:ext>
-            </p:extLst>
-          </p:nvPr>
-        </p:nvGraphicFramePr>
-        <p:xfrm>
-          <a:off x="723378" y="1515475"/>
-          <a:ext cx="7528460" cy="4450080"/>
-        </p:xfrm>
-        <a:graphic>
-          <a:graphicData uri="http://schemas.openxmlformats.org/drawingml/2006/table">
-            <a:tbl>
-              <a:tblPr firstRow="1" bandRow="1">
-                <a:tableStyleId>{5C22544A-7EE6-4342-B048-85BDC9FD1C3A}</a:tableStyleId>
-              </a:tblPr>
-              <a:tblGrid>
-                <a:gridCol w="376423">
-                  <a:extLst>
-                    <a:ext uri="{9D8B030D-6E8A-4147-A177-3AD203B41FA5}">
-                      <a16:colId xmlns:a16="http://schemas.microsoft.com/office/drawing/2014/main" val="1715251899"/>
-                    </a:ext>
-                  </a:extLst>
-                </a:gridCol>
-                <a:gridCol w="376423">
-                  <a:extLst>
-                    <a:ext uri="{9D8B030D-6E8A-4147-A177-3AD203B41FA5}">
-                      <a16:colId xmlns:a16="http://schemas.microsoft.com/office/drawing/2014/main" val="1017570715"/>
-                    </a:ext>
-                  </a:extLst>
-                </a:gridCol>
-                <a:gridCol w="376423">
-                  <a:extLst>
-                    <a:ext uri="{9D8B030D-6E8A-4147-A177-3AD203B41FA5}">
-                      <a16:colId xmlns:a16="http://schemas.microsoft.com/office/drawing/2014/main" val="3115458010"/>
-                    </a:ext>
-                  </a:extLst>
-                </a:gridCol>
-                <a:gridCol w="376423">
-                  <a:extLst>
-                    <a:ext uri="{9D8B030D-6E8A-4147-A177-3AD203B41FA5}">
-                      <a16:colId xmlns:a16="http://schemas.microsoft.com/office/drawing/2014/main" val="874508335"/>
-                    </a:ext>
-                  </a:extLst>
-                </a:gridCol>
-                <a:gridCol w="376423">
-                  <a:extLst>
-                    <a:ext uri="{9D8B030D-6E8A-4147-A177-3AD203B41FA5}">
-                      <a16:colId xmlns:a16="http://schemas.microsoft.com/office/drawing/2014/main" val="489155451"/>
-                    </a:ext>
-                  </a:extLst>
-                </a:gridCol>
-                <a:gridCol w="376423">
-                  <a:extLst>
-                    <a:ext uri="{9D8B030D-6E8A-4147-A177-3AD203B41FA5}">
-                      <a16:colId xmlns:a16="http://schemas.microsoft.com/office/drawing/2014/main" val="741397483"/>
-                    </a:ext>
-                  </a:extLst>
-                </a:gridCol>
-                <a:gridCol w="376423">
-                  <a:extLst>
-                    <a:ext uri="{9D8B030D-6E8A-4147-A177-3AD203B41FA5}">
-                      <a16:colId xmlns:a16="http://schemas.microsoft.com/office/drawing/2014/main" val="2687771675"/>
-                    </a:ext>
-                  </a:extLst>
-                </a:gridCol>
-                <a:gridCol w="376423">
-                  <a:extLst>
-                    <a:ext uri="{9D8B030D-6E8A-4147-A177-3AD203B41FA5}">
-                      <a16:colId xmlns:a16="http://schemas.microsoft.com/office/drawing/2014/main" val="2508538272"/>
-                    </a:ext>
-                  </a:extLst>
-                </a:gridCol>
-                <a:gridCol w="376423">
-                  <a:extLst>
-                    <a:ext uri="{9D8B030D-6E8A-4147-A177-3AD203B41FA5}">
-                      <a16:colId xmlns:a16="http://schemas.microsoft.com/office/drawing/2014/main" val="1791919214"/>
-                    </a:ext>
-                  </a:extLst>
-                </a:gridCol>
-                <a:gridCol w="376423">
-                  <a:extLst>
-                    <a:ext uri="{9D8B030D-6E8A-4147-A177-3AD203B41FA5}">
-                      <a16:colId xmlns:a16="http://schemas.microsoft.com/office/drawing/2014/main" val="1566871161"/>
-                    </a:ext>
-                  </a:extLst>
-                </a:gridCol>
-                <a:gridCol w="376423">
-                  <a:extLst>
-                    <a:ext uri="{9D8B030D-6E8A-4147-A177-3AD203B41FA5}">
-                      <a16:colId xmlns:a16="http://schemas.microsoft.com/office/drawing/2014/main" val="3560100073"/>
-                    </a:ext>
-                  </a:extLst>
-                </a:gridCol>
-                <a:gridCol w="376423">
-                  <a:extLst>
-                    <a:ext uri="{9D8B030D-6E8A-4147-A177-3AD203B41FA5}">
-                      <a16:colId xmlns:a16="http://schemas.microsoft.com/office/drawing/2014/main" val="210265042"/>
-                    </a:ext>
-                  </a:extLst>
-                </a:gridCol>
-                <a:gridCol w="376423">
-                  <a:extLst>
-                    <a:ext uri="{9D8B030D-6E8A-4147-A177-3AD203B41FA5}">
-                      <a16:colId xmlns:a16="http://schemas.microsoft.com/office/drawing/2014/main" val="3626683268"/>
-                    </a:ext>
-                  </a:extLst>
-                </a:gridCol>
-                <a:gridCol w="376423">
-                  <a:extLst>
-                    <a:ext uri="{9D8B030D-6E8A-4147-A177-3AD203B41FA5}">
-                      <a16:colId xmlns:a16="http://schemas.microsoft.com/office/drawing/2014/main" val="252744433"/>
-                    </a:ext>
-                  </a:extLst>
-                </a:gridCol>
-                <a:gridCol w="376423">
-                  <a:extLst>
-                    <a:ext uri="{9D8B030D-6E8A-4147-A177-3AD203B41FA5}">
-                      <a16:colId xmlns:a16="http://schemas.microsoft.com/office/drawing/2014/main" val="2864987984"/>
-                    </a:ext>
-                  </a:extLst>
-                </a:gridCol>
-                <a:gridCol w="376423">
-                  <a:extLst>
-                    <a:ext uri="{9D8B030D-6E8A-4147-A177-3AD203B41FA5}">
-                      <a16:colId xmlns:a16="http://schemas.microsoft.com/office/drawing/2014/main" val="4239810544"/>
-                    </a:ext>
-                  </a:extLst>
-                </a:gridCol>
-                <a:gridCol w="376423">
-                  <a:extLst>
-                    <a:ext uri="{9D8B030D-6E8A-4147-A177-3AD203B41FA5}">
-                      <a16:colId xmlns:a16="http://schemas.microsoft.com/office/drawing/2014/main" val="175549541"/>
-                    </a:ext>
-                  </a:extLst>
-                </a:gridCol>
-                <a:gridCol w="376423">
-                  <a:extLst>
-                    <a:ext uri="{9D8B030D-6E8A-4147-A177-3AD203B41FA5}">
-                      <a16:colId xmlns:a16="http://schemas.microsoft.com/office/drawing/2014/main" val="2193176172"/>
-                    </a:ext>
-                  </a:extLst>
-                </a:gridCol>
-                <a:gridCol w="376423">
-                  <a:extLst>
-                    <a:ext uri="{9D8B030D-6E8A-4147-A177-3AD203B41FA5}">
-                      <a16:colId xmlns:a16="http://schemas.microsoft.com/office/drawing/2014/main" val="3808934861"/>
-                    </a:ext>
-                  </a:extLst>
-                </a:gridCol>
-                <a:gridCol w="376423">
-                  <a:extLst>
-                    <a:ext uri="{9D8B030D-6E8A-4147-A177-3AD203B41FA5}">
-                      <a16:colId xmlns:a16="http://schemas.microsoft.com/office/drawing/2014/main" val="201536694"/>
-                    </a:ext>
-                  </a:extLst>
-                </a:gridCol>
-              </a:tblGrid>
-              <a:tr h="370840">
-                <a:tc>
-                  <a:txBody>
-                    <a:bodyPr/>
-                    <a:lstStyle/>
-                    <a:p>
-                      <a:endParaRPr lang="es-ES"/>
-                    </a:p>
-                  </a:txBody>
-                  <a:tcPr/>
-                </a:tc>
-                <a:tc>
-                  <a:txBody>
-                    <a:bodyPr/>
-                    <a:lstStyle/>
-                    <a:p>
-                      <a:endParaRPr lang="es-ES"/>
-                    </a:p>
-                  </a:txBody>
-                  <a:tcPr/>
-                </a:tc>
-                <a:tc>
-                  <a:txBody>
-                    <a:bodyPr/>
-                    <a:lstStyle/>
-                    <a:p>
-                      <a:endParaRPr lang="es-ES"/>
-                    </a:p>
-                  </a:txBody>
-                  <a:tcPr/>
-                </a:tc>
-                <a:tc>
-                  <a:txBody>
-                    <a:bodyPr/>
-                    <a:lstStyle/>
-                    <a:p>
-                      <a:endParaRPr lang="es-ES"/>
-                    </a:p>
-                  </a:txBody>
-                  <a:tcPr/>
-                </a:tc>
-                <a:tc>
-                  <a:txBody>
-                    <a:bodyPr/>
-                    <a:lstStyle/>
-                    <a:p>
-                      <a:endParaRPr lang="es-ES"/>
-                    </a:p>
-                  </a:txBody>
-                  <a:tcPr/>
-                </a:tc>
-                <a:tc>
-                  <a:txBody>
-                    <a:bodyPr/>
-                    <a:lstStyle/>
-                    <a:p>
-                      <a:endParaRPr lang="es-ES"/>
-                    </a:p>
-                  </a:txBody>
-                  <a:tcPr/>
-                </a:tc>
-                <a:tc>
-                  <a:txBody>
-                    <a:bodyPr/>
-                    <a:lstStyle/>
-                    <a:p>
-                      <a:endParaRPr lang="es-ES"/>
-                    </a:p>
-                  </a:txBody>
-                  <a:tcPr/>
-                </a:tc>
-                <a:tc>
-                  <a:txBody>
-                    <a:bodyPr/>
-                    <a:lstStyle/>
-                    <a:p>
-                      <a:endParaRPr lang="es-ES"/>
-                    </a:p>
-                  </a:txBody>
-                  <a:tcPr/>
-                </a:tc>
-                <a:tc>
-                  <a:txBody>
-                    <a:bodyPr/>
-                    <a:lstStyle/>
-                    <a:p>
-                      <a:endParaRPr lang="es-ES"/>
-                    </a:p>
-                  </a:txBody>
-                  <a:tcPr/>
-                </a:tc>
-                <a:tc>
-                  <a:txBody>
-                    <a:bodyPr/>
-                    <a:lstStyle/>
-                    <a:p>
-                      <a:endParaRPr lang="es-ES"/>
-                    </a:p>
-                  </a:txBody>
-                  <a:tcPr/>
-                </a:tc>
-                <a:tc>
-                  <a:txBody>
-                    <a:bodyPr/>
-                    <a:lstStyle/>
-                    <a:p>
-                      <a:endParaRPr lang="es-ES"/>
-                    </a:p>
-                  </a:txBody>
-                  <a:tcPr/>
-                </a:tc>
-                <a:tc>
-                  <a:txBody>
-                    <a:bodyPr/>
-                    <a:lstStyle/>
-                    <a:p>
-                      <a:endParaRPr lang="es-ES"/>
-                    </a:p>
-                  </a:txBody>
-                  <a:tcPr/>
-                </a:tc>
-                <a:tc>
-                  <a:txBody>
-                    <a:bodyPr/>
-                    <a:lstStyle/>
-                    <a:p>
-                      <a:endParaRPr lang="es-ES"/>
-                    </a:p>
-                  </a:txBody>
-                  <a:tcPr/>
-                </a:tc>
-                <a:tc>
-                  <a:txBody>
-                    <a:bodyPr/>
-                    <a:lstStyle/>
-                    <a:p>
-                      <a:endParaRPr lang="es-ES"/>
-                    </a:p>
-                  </a:txBody>
-                  <a:tcPr/>
-                </a:tc>
-                <a:tc>
-                  <a:txBody>
-                    <a:bodyPr/>
-                    <a:lstStyle/>
-                    <a:p>
-                      <a:endParaRPr lang="es-ES"/>
-                    </a:p>
-                  </a:txBody>
-                  <a:tcPr/>
-                </a:tc>
-                <a:tc>
-                  <a:txBody>
-                    <a:bodyPr/>
-                    <a:lstStyle/>
-                    <a:p>
-                      <a:endParaRPr lang="es-ES"/>
-                    </a:p>
-                  </a:txBody>
-                  <a:tcPr/>
-                </a:tc>
-                <a:tc>
-                  <a:txBody>
-                    <a:bodyPr/>
-                    <a:lstStyle/>
-                    <a:p>
-                      <a:endParaRPr lang="es-ES"/>
-                    </a:p>
-                  </a:txBody>
-                  <a:tcPr/>
-                </a:tc>
-                <a:tc>
-                  <a:txBody>
-                    <a:bodyPr/>
-                    <a:lstStyle/>
-                    <a:p>
-                      <a:endParaRPr lang="es-ES"/>
-                    </a:p>
-                  </a:txBody>
-                  <a:tcPr/>
-                </a:tc>
-                <a:tc>
-                  <a:txBody>
-                    <a:bodyPr/>
-                    <a:lstStyle/>
-                    <a:p>
-                      <a:endParaRPr lang="es-ES"/>
-                    </a:p>
-                  </a:txBody>
-                  <a:tcPr/>
-                </a:tc>
-                <a:tc>
-                  <a:txBody>
-                    <a:bodyPr/>
-                    <a:lstStyle/>
-                    <a:p>
-                      <a:endParaRPr lang="es-ES"/>
-                    </a:p>
-                  </a:txBody>
-                  <a:tcPr/>
-                </a:tc>
-                <a:extLst>
-                  <a:ext uri="{0D108BD9-81ED-4DB2-BD59-A6C34878D82A}">
-                    <a16:rowId xmlns:a16="http://schemas.microsoft.com/office/drawing/2014/main" val="3823690578"/>
-                  </a:ext>
-                </a:extLst>
-              </a:tr>
-              <a:tr h="370840">
-                <a:tc>
-                  <a:txBody>
-                    <a:bodyPr/>
-                    <a:lstStyle/>
-                    <a:p>
-                      <a:endParaRPr lang="es-ES"/>
-                    </a:p>
-                  </a:txBody>
-                  <a:tcPr/>
-                </a:tc>
-                <a:tc>
-                  <a:txBody>
-                    <a:bodyPr/>
-                    <a:lstStyle/>
-                    <a:p>
-                      <a:endParaRPr lang="es-ES"/>
-                    </a:p>
-                  </a:txBody>
-                  <a:tcPr/>
-                </a:tc>
-                <a:tc>
-                  <a:txBody>
-                    <a:bodyPr/>
-                    <a:lstStyle/>
-                    <a:p>
-                      <a:endParaRPr lang="es-ES"/>
-                    </a:p>
-                  </a:txBody>
-                  <a:tcPr/>
-                </a:tc>
-                <a:tc>
-                  <a:txBody>
-                    <a:bodyPr/>
-                    <a:lstStyle/>
-                    <a:p>
-                      <a:endParaRPr lang="es-ES"/>
-                    </a:p>
-                  </a:txBody>
-                  <a:tcPr/>
-                </a:tc>
-                <a:tc>
-                  <a:txBody>
-                    <a:bodyPr/>
-                    <a:lstStyle/>
-                    <a:p>
-                      <a:endParaRPr lang="es-ES"/>
-                    </a:p>
-                  </a:txBody>
-                  <a:tcPr/>
-                </a:tc>
-                <a:tc>
-                  <a:txBody>
-                    <a:bodyPr/>
-                    <a:lstStyle/>
-                    <a:p>
-                      <a:endParaRPr lang="es-ES"/>
-                    </a:p>
-                  </a:txBody>
-                  <a:tcPr/>
-                </a:tc>
-                <a:tc>
-                  <a:txBody>
-                    <a:bodyPr/>
-                    <a:lstStyle/>
-                    <a:p>
-                      <a:endParaRPr lang="es-ES"/>
-                    </a:p>
-                  </a:txBody>
-                  <a:tcPr/>
-                </a:tc>
-                <a:tc>
-                  <a:txBody>
-                    <a:bodyPr/>
-                    <a:lstStyle/>
-                    <a:p>
-                      <a:endParaRPr lang="es-ES"/>
-                    </a:p>
-                  </a:txBody>
-                  <a:tcPr/>
-                </a:tc>
-                <a:tc>
-                  <a:txBody>
-                    <a:bodyPr/>
-                    <a:lstStyle/>
-                    <a:p>
-                      <a:endParaRPr lang="es-ES"/>
-                    </a:p>
-                  </a:txBody>
-                  <a:tcPr/>
-                </a:tc>
-                <a:tc>
-                  <a:txBody>
-                    <a:bodyPr/>
-                    <a:lstStyle/>
-                    <a:p>
-                      <a:endParaRPr lang="es-ES"/>
-                    </a:p>
-                  </a:txBody>
-                  <a:tcPr/>
-                </a:tc>
-                <a:tc>
-                  <a:txBody>
-                    <a:bodyPr/>
-                    <a:lstStyle/>
-                    <a:p>
-                      <a:endParaRPr lang="es-ES"/>
-                    </a:p>
-                  </a:txBody>
-                  <a:tcPr/>
-                </a:tc>
-                <a:tc>
-                  <a:txBody>
-                    <a:bodyPr/>
-                    <a:lstStyle/>
-                    <a:p>
-                      <a:endParaRPr lang="es-ES"/>
-                    </a:p>
-                  </a:txBody>
-                  <a:tcPr/>
-                </a:tc>
-                <a:tc>
-                  <a:txBody>
-                    <a:bodyPr/>
-                    <a:lstStyle/>
-                    <a:p>
-                      <a:endParaRPr lang="es-ES"/>
-                    </a:p>
-                  </a:txBody>
-                  <a:tcPr/>
-                </a:tc>
-                <a:tc>
-                  <a:txBody>
-                    <a:bodyPr/>
-                    <a:lstStyle/>
-                    <a:p>
-                      <a:endParaRPr lang="es-ES"/>
-                    </a:p>
-                  </a:txBody>
-                  <a:tcPr/>
-                </a:tc>
-                <a:tc>
-                  <a:txBody>
-                    <a:bodyPr/>
-                    <a:lstStyle/>
-                    <a:p>
-                      <a:endParaRPr lang="es-ES"/>
-                    </a:p>
-                  </a:txBody>
-                  <a:tcPr/>
-                </a:tc>
-                <a:tc>
-                  <a:txBody>
-                    <a:bodyPr/>
-                    <a:lstStyle/>
-                    <a:p>
-                      <a:endParaRPr lang="es-ES"/>
-                    </a:p>
-                  </a:txBody>
-                  <a:tcPr/>
-                </a:tc>
-                <a:tc>
-                  <a:txBody>
-                    <a:bodyPr/>
-                    <a:lstStyle/>
-                    <a:p>
-                      <a:endParaRPr lang="es-ES"/>
-                    </a:p>
-                  </a:txBody>
-                  <a:tcPr/>
-                </a:tc>
-                <a:tc>
-                  <a:txBody>
-                    <a:bodyPr/>
-                    <a:lstStyle/>
-                    <a:p>
-                      <a:endParaRPr lang="es-ES"/>
-                    </a:p>
-                  </a:txBody>
-                  <a:tcPr/>
-                </a:tc>
-                <a:tc>
-                  <a:txBody>
-                    <a:bodyPr/>
-                    <a:lstStyle/>
-                    <a:p>
-                      <a:endParaRPr lang="es-ES"/>
-                    </a:p>
-                  </a:txBody>
-                  <a:tcPr/>
-                </a:tc>
-                <a:tc>
-                  <a:txBody>
-                    <a:bodyPr/>
-                    <a:lstStyle/>
-                    <a:p>
-                      <a:endParaRPr lang="es-ES"/>
-                    </a:p>
-                  </a:txBody>
-                  <a:tcPr/>
-                </a:tc>
-                <a:extLst>
-                  <a:ext uri="{0D108BD9-81ED-4DB2-BD59-A6C34878D82A}">
-                    <a16:rowId xmlns:a16="http://schemas.microsoft.com/office/drawing/2014/main" val="2203936258"/>
-                  </a:ext>
-                </a:extLst>
-              </a:tr>
-              <a:tr h="370840">
-                <a:tc>
-                  <a:txBody>
-                    <a:bodyPr/>
-                    <a:lstStyle/>
-                    <a:p>
-                      <a:endParaRPr lang="es-ES"/>
-                    </a:p>
-                  </a:txBody>
-                  <a:tcPr/>
-                </a:tc>
-                <a:tc>
-                  <a:txBody>
-                    <a:bodyPr/>
-                    <a:lstStyle/>
-                    <a:p>
-                      <a:endParaRPr lang="es-ES"/>
-                    </a:p>
-                  </a:txBody>
-                  <a:tcPr/>
-                </a:tc>
-                <a:tc>
-                  <a:txBody>
-                    <a:bodyPr/>
-                    <a:lstStyle/>
-                    <a:p>
-                      <a:endParaRPr lang="es-ES"/>
-                    </a:p>
-                  </a:txBody>
-                  <a:tcPr/>
-                </a:tc>
-                <a:tc>
-                  <a:txBody>
-                    <a:bodyPr/>
-                    <a:lstStyle/>
-                    <a:p>
-                      <a:endParaRPr lang="es-ES"/>
-                    </a:p>
-                  </a:txBody>
-                  <a:tcPr/>
-                </a:tc>
-                <a:tc>
-                  <a:txBody>
-                    <a:bodyPr/>
-                    <a:lstStyle/>
-                    <a:p>
-                      <a:endParaRPr lang="es-ES"/>
-                    </a:p>
-                  </a:txBody>
-                  <a:tcPr/>
-                </a:tc>
-                <a:tc>
-                  <a:txBody>
-                    <a:bodyPr/>
-                    <a:lstStyle/>
-                    <a:p>
-                      <a:endParaRPr lang="es-ES"/>
-                    </a:p>
-                  </a:txBody>
-                  <a:tcPr/>
-                </a:tc>
-                <a:tc>
-                  <a:txBody>
-                    <a:bodyPr/>
-                    <a:lstStyle/>
-                    <a:p>
-                      <a:endParaRPr lang="es-ES"/>
-                    </a:p>
-                  </a:txBody>
-                  <a:tcPr/>
-                </a:tc>
-                <a:tc>
-                  <a:txBody>
-                    <a:bodyPr/>
-                    <a:lstStyle/>
-                    <a:p>
-                      <a:endParaRPr lang="es-ES"/>
-                    </a:p>
-                  </a:txBody>
-                  <a:tcPr/>
-                </a:tc>
-                <a:tc>
-                  <a:txBody>
-                    <a:bodyPr/>
-                    <a:lstStyle/>
-                    <a:p>
-                      <a:endParaRPr lang="es-ES"/>
-                    </a:p>
-                  </a:txBody>
-                  <a:tcPr/>
-                </a:tc>
-                <a:tc>
-                  <a:txBody>
-                    <a:bodyPr/>
-                    <a:lstStyle/>
-                    <a:p>
-                      <a:endParaRPr lang="es-ES"/>
-                    </a:p>
-                  </a:txBody>
-                  <a:tcPr/>
-                </a:tc>
-                <a:tc>
-                  <a:txBody>
-                    <a:bodyPr/>
-                    <a:lstStyle/>
-                    <a:p>
-                      <a:endParaRPr lang="es-ES"/>
-                    </a:p>
-                  </a:txBody>
-                  <a:tcPr/>
-                </a:tc>
-                <a:tc>
-                  <a:txBody>
-                    <a:bodyPr/>
-                    <a:lstStyle/>
-                    <a:p>
-                      <a:endParaRPr lang="es-ES"/>
-                    </a:p>
-                  </a:txBody>
-                  <a:tcPr/>
-                </a:tc>
-                <a:tc>
-                  <a:txBody>
-                    <a:bodyPr/>
-                    <a:lstStyle/>
-                    <a:p>
-                      <a:endParaRPr lang="es-ES"/>
-                    </a:p>
-                  </a:txBody>
-                  <a:tcPr/>
-                </a:tc>
-                <a:tc>
-                  <a:txBody>
-                    <a:bodyPr/>
-                    <a:lstStyle/>
-                    <a:p>
-                      <a:endParaRPr lang="es-ES"/>
-                    </a:p>
-                  </a:txBody>
-                  <a:tcPr/>
-                </a:tc>
-                <a:tc>
-                  <a:txBody>
-                    <a:bodyPr/>
-                    <a:lstStyle/>
-                    <a:p>
-                      <a:endParaRPr lang="es-ES"/>
-                    </a:p>
-                  </a:txBody>
-                  <a:tcPr/>
-                </a:tc>
-                <a:tc>
-                  <a:txBody>
-                    <a:bodyPr/>
-                    <a:lstStyle/>
-                    <a:p>
-                      <a:endParaRPr lang="es-ES"/>
-                    </a:p>
-                  </a:txBody>
-                  <a:tcPr/>
-                </a:tc>
-                <a:tc>
-                  <a:txBody>
-                    <a:bodyPr/>
-                    <a:lstStyle/>
-                    <a:p>
-                      <a:endParaRPr lang="es-ES"/>
-                    </a:p>
-                  </a:txBody>
-                  <a:tcPr/>
-                </a:tc>
-                <a:tc>
-                  <a:txBody>
-                    <a:bodyPr/>
-                    <a:lstStyle/>
-                    <a:p>
-                      <a:endParaRPr lang="es-ES"/>
-                    </a:p>
-                  </a:txBody>
-                  <a:tcPr/>
-                </a:tc>
-                <a:tc>
-                  <a:txBody>
-                    <a:bodyPr/>
-                    <a:lstStyle/>
-                    <a:p>
-                      <a:endParaRPr lang="es-ES"/>
-                    </a:p>
-                  </a:txBody>
-                  <a:tcPr/>
-                </a:tc>
-                <a:tc>
-                  <a:txBody>
-                    <a:bodyPr/>
-                    <a:lstStyle/>
-                    <a:p>
-                      <a:endParaRPr lang="es-ES"/>
-                    </a:p>
-                  </a:txBody>
-                  <a:tcPr/>
-                </a:tc>
-                <a:extLst>
-                  <a:ext uri="{0D108BD9-81ED-4DB2-BD59-A6C34878D82A}">
-                    <a16:rowId xmlns:a16="http://schemas.microsoft.com/office/drawing/2014/main" val="1965505909"/>
-                  </a:ext>
-                </a:extLst>
-              </a:tr>
-              <a:tr h="370840">
-                <a:tc>
-                  <a:txBody>
-                    <a:bodyPr/>
-                    <a:lstStyle/>
-                    <a:p>
-                      <a:endParaRPr lang="es-ES"/>
-                    </a:p>
-                  </a:txBody>
-                  <a:tcPr/>
-                </a:tc>
-                <a:tc>
-                  <a:txBody>
-                    <a:bodyPr/>
-                    <a:lstStyle/>
-                    <a:p>
-                      <a:endParaRPr lang="es-ES"/>
-                    </a:p>
-                  </a:txBody>
-                  <a:tcPr/>
-                </a:tc>
-                <a:tc>
-                  <a:txBody>
-                    <a:bodyPr/>
-                    <a:lstStyle/>
-                    <a:p>
-                      <a:endParaRPr lang="es-ES"/>
-                    </a:p>
-                  </a:txBody>
-                  <a:tcPr/>
-                </a:tc>
-                <a:tc>
-                  <a:txBody>
-                    <a:bodyPr/>
-                    <a:lstStyle/>
-                    <a:p>
-                      <a:endParaRPr lang="es-ES"/>
-                    </a:p>
-                  </a:txBody>
-                  <a:tcPr/>
-                </a:tc>
-                <a:tc>
-                  <a:txBody>
-                    <a:bodyPr/>
-                    <a:lstStyle/>
-                    <a:p>
-                      <a:endParaRPr lang="es-ES"/>
-                    </a:p>
-                  </a:txBody>
-                  <a:tcPr/>
-                </a:tc>
-                <a:tc>
-                  <a:txBody>
-                    <a:bodyPr/>
-                    <a:lstStyle/>
-                    <a:p>
-                      <a:endParaRPr lang="es-ES"/>
-                    </a:p>
-                  </a:txBody>
-                  <a:tcPr/>
-                </a:tc>
-                <a:tc>
-                  <a:txBody>
-                    <a:bodyPr/>
-                    <a:lstStyle/>
-                    <a:p>
-                      <a:endParaRPr lang="es-ES"/>
-                    </a:p>
-                  </a:txBody>
-                  <a:tcPr/>
-                </a:tc>
-                <a:tc>
-                  <a:txBody>
-                    <a:bodyPr/>
-                    <a:lstStyle/>
-                    <a:p>
-                      <a:endParaRPr lang="es-ES"/>
-                    </a:p>
-                  </a:txBody>
-                  <a:tcPr/>
-                </a:tc>
-                <a:tc>
-                  <a:txBody>
-                    <a:bodyPr/>
-                    <a:lstStyle/>
-                    <a:p>
-                      <a:endParaRPr lang="es-ES"/>
-                    </a:p>
-                  </a:txBody>
-                  <a:tcPr/>
-                </a:tc>
-                <a:tc>
-                  <a:txBody>
-                    <a:bodyPr/>
-                    <a:lstStyle/>
-                    <a:p>
-                      <a:endParaRPr lang="es-ES"/>
-                    </a:p>
-                  </a:txBody>
-                  <a:tcPr/>
-                </a:tc>
-                <a:tc>
-                  <a:txBody>
-                    <a:bodyPr/>
-                    <a:lstStyle/>
-                    <a:p>
-                      <a:endParaRPr lang="es-ES"/>
-                    </a:p>
-                  </a:txBody>
-                  <a:tcPr/>
-                </a:tc>
-                <a:tc>
-                  <a:txBody>
-                    <a:bodyPr/>
-                    <a:lstStyle/>
-                    <a:p>
-                      <a:endParaRPr lang="es-ES"/>
-                    </a:p>
-                  </a:txBody>
-                  <a:tcPr/>
-                </a:tc>
-                <a:tc>
-                  <a:txBody>
-                    <a:bodyPr/>
-                    <a:lstStyle/>
-                    <a:p>
-                      <a:endParaRPr lang="es-ES"/>
-                    </a:p>
-                  </a:txBody>
-                  <a:tcPr/>
-                </a:tc>
-                <a:tc>
-                  <a:txBody>
-                    <a:bodyPr/>
-                    <a:lstStyle/>
-                    <a:p>
-                      <a:endParaRPr lang="es-ES"/>
-                    </a:p>
-                  </a:txBody>
-                  <a:tcPr/>
-                </a:tc>
-                <a:tc>
-                  <a:txBody>
-                    <a:bodyPr/>
-                    <a:lstStyle/>
-                    <a:p>
-                      <a:endParaRPr lang="es-ES"/>
-                    </a:p>
-                  </a:txBody>
-                  <a:tcPr/>
-                </a:tc>
-                <a:tc>
-                  <a:txBody>
-                    <a:bodyPr/>
-                    <a:lstStyle/>
-                    <a:p>
-                      <a:endParaRPr lang="es-ES"/>
-                    </a:p>
-                  </a:txBody>
-                  <a:tcPr/>
-                </a:tc>
-                <a:tc>
-                  <a:txBody>
-                    <a:bodyPr/>
-                    <a:lstStyle/>
-                    <a:p>
-                      <a:endParaRPr lang="es-ES"/>
-                    </a:p>
-                  </a:txBody>
-                  <a:tcPr/>
-                </a:tc>
-                <a:tc>
-                  <a:txBody>
-                    <a:bodyPr/>
-                    <a:lstStyle/>
-                    <a:p>
-                      <a:endParaRPr lang="es-ES"/>
-                    </a:p>
-                  </a:txBody>
-                  <a:tcPr/>
-                </a:tc>
-                <a:tc>
-                  <a:txBody>
-                    <a:bodyPr/>
-                    <a:lstStyle/>
-                    <a:p>
-                      <a:endParaRPr lang="es-ES"/>
-                    </a:p>
-                  </a:txBody>
-                  <a:tcPr/>
-                </a:tc>
-                <a:tc>
-                  <a:txBody>
-                    <a:bodyPr/>
-                    <a:lstStyle/>
-                    <a:p>
-                      <a:endParaRPr lang="es-ES"/>
-                    </a:p>
-                  </a:txBody>
-                  <a:tcPr/>
-                </a:tc>
-                <a:extLst>
-                  <a:ext uri="{0D108BD9-81ED-4DB2-BD59-A6C34878D82A}">
-                    <a16:rowId xmlns:a16="http://schemas.microsoft.com/office/drawing/2014/main" val="3816224762"/>
-                  </a:ext>
-                </a:extLst>
-              </a:tr>
-              <a:tr h="370840">
-                <a:tc>
-                  <a:txBody>
-                    <a:bodyPr/>
-                    <a:lstStyle/>
-                    <a:p>
-                      <a:endParaRPr lang="es-ES"/>
-                    </a:p>
-                  </a:txBody>
-                  <a:tcPr/>
-                </a:tc>
-                <a:tc>
-                  <a:txBody>
-                    <a:bodyPr/>
-                    <a:lstStyle/>
-                    <a:p>
-                      <a:endParaRPr lang="es-ES"/>
-                    </a:p>
-                  </a:txBody>
-                  <a:tcPr/>
-                </a:tc>
-                <a:tc>
-                  <a:txBody>
-                    <a:bodyPr/>
-                    <a:lstStyle/>
-                    <a:p>
-                      <a:endParaRPr lang="es-ES"/>
-                    </a:p>
-                  </a:txBody>
-                  <a:tcPr/>
-                </a:tc>
-                <a:tc>
-                  <a:txBody>
-                    <a:bodyPr/>
-                    <a:lstStyle/>
-                    <a:p>
-                      <a:endParaRPr lang="es-ES"/>
-                    </a:p>
-                  </a:txBody>
-                  <a:tcPr/>
-                </a:tc>
-                <a:tc>
-                  <a:txBody>
-                    <a:bodyPr/>
-                    <a:lstStyle/>
-                    <a:p>
-                      <a:endParaRPr lang="es-ES"/>
-                    </a:p>
-                  </a:txBody>
-                  <a:tcPr/>
-                </a:tc>
-                <a:tc>
-                  <a:txBody>
-                    <a:bodyPr/>
-                    <a:lstStyle/>
-                    <a:p>
-                      <a:endParaRPr lang="es-ES"/>
-                    </a:p>
-                  </a:txBody>
-                  <a:tcPr/>
-                </a:tc>
-                <a:tc>
-                  <a:txBody>
-                    <a:bodyPr/>
-                    <a:lstStyle/>
-                    <a:p>
-                      <a:endParaRPr lang="es-ES"/>
-                    </a:p>
-                  </a:txBody>
-                  <a:tcPr/>
-                </a:tc>
-                <a:tc>
-                  <a:txBody>
-                    <a:bodyPr/>
-                    <a:lstStyle/>
-                    <a:p>
-                      <a:endParaRPr lang="es-ES" dirty="0"/>
-                    </a:p>
-                  </a:txBody>
-                  <a:tcPr/>
-                </a:tc>
-                <a:tc>
-                  <a:txBody>
-                    <a:bodyPr/>
-                    <a:lstStyle/>
-                    <a:p>
-                      <a:endParaRPr lang="es-ES"/>
-                    </a:p>
-                  </a:txBody>
-                  <a:tcPr/>
-                </a:tc>
-                <a:tc>
-                  <a:txBody>
-                    <a:bodyPr/>
-                    <a:lstStyle/>
-                    <a:p>
-                      <a:endParaRPr lang="es-ES"/>
-                    </a:p>
-                  </a:txBody>
-                  <a:tcPr/>
-                </a:tc>
-                <a:tc>
-                  <a:txBody>
-                    <a:bodyPr/>
-                    <a:lstStyle/>
-                    <a:p>
-                      <a:endParaRPr lang="es-ES"/>
-                    </a:p>
-                  </a:txBody>
-                  <a:tcPr/>
-                </a:tc>
-                <a:tc>
-                  <a:txBody>
-                    <a:bodyPr/>
-                    <a:lstStyle/>
-                    <a:p>
-                      <a:endParaRPr lang="es-ES"/>
-                    </a:p>
-                  </a:txBody>
-                  <a:tcPr/>
-                </a:tc>
-                <a:tc>
-                  <a:txBody>
-                    <a:bodyPr/>
-                    <a:lstStyle/>
-                    <a:p>
-                      <a:endParaRPr lang="es-ES"/>
-                    </a:p>
-                  </a:txBody>
-                  <a:tcPr/>
-                </a:tc>
-                <a:tc>
-                  <a:txBody>
-                    <a:bodyPr/>
-                    <a:lstStyle/>
-                    <a:p>
-                      <a:endParaRPr lang="es-ES"/>
-                    </a:p>
-                  </a:txBody>
-                  <a:tcPr/>
-                </a:tc>
-                <a:tc>
-                  <a:txBody>
-                    <a:bodyPr/>
-                    <a:lstStyle/>
-                    <a:p>
-                      <a:endParaRPr lang="es-ES"/>
-                    </a:p>
-                  </a:txBody>
-                  <a:tcPr/>
-                </a:tc>
-                <a:tc>
-                  <a:txBody>
-                    <a:bodyPr/>
-                    <a:lstStyle/>
-                    <a:p>
-                      <a:endParaRPr lang="es-ES"/>
-                    </a:p>
-                  </a:txBody>
-                  <a:tcPr/>
-                </a:tc>
-                <a:tc>
-                  <a:txBody>
-                    <a:bodyPr/>
-                    <a:lstStyle/>
-                    <a:p>
-                      <a:endParaRPr lang="es-ES"/>
-                    </a:p>
-                  </a:txBody>
-                  <a:tcPr/>
-                </a:tc>
-                <a:tc>
-                  <a:txBody>
-                    <a:bodyPr/>
-                    <a:lstStyle/>
-                    <a:p>
-                      <a:endParaRPr lang="es-ES"/>
-                    </a:p>
-                  </a:txBody>
-                  <a:tcPr/>
-                </a:tc>
-                <a:tc>
-                  <a:txBody>
-                    <a:bodyPr/>
-                    <a:lstStyle/>
-                    <a:p>
-                      <a:endParaRPr lang="es-ES"/>
-                    </a:p>
-                  </a:txBody>
-                  <a:tcPr/>
-                </a:tc>
-                <a:tc>
-                  <a:txBody>
-                    <a:bodyPr/>
-                    <a:lstStyle/>
-                    <a:p>
-                      <a:endParaRPr lang="es-ES"/>
-                    </a:p>
-                  </a:txBody>
-                  <a:tcPr/>
-                </a:tc>
-                <a:extLst>
-                  <a:ext uri="{0D108BD9-81ED-4DB2-BD59-A6C34878D82A}">
-                    <a16:rowId xmlns:a16="http://schemas.microsoft.com/office/drawing/2014/main" val="663667386"/>
-                  </a:ext>
-                </a:extLst>
-              </a:tr>
-              <a:tr h="370840">
-                <a:tc>
-                  <a:txBody>
-                    <a:bodyPr/>
-                    <a:lstStyle/>
-                    <a:p>
-                      <a:endParaRPr lang="es-ES"/>
-                    </a:p>
-                  </a:txBody>
-                  <a:tcPr/>
-                </a:tc>
-                <a:tc>
-                  <a:txBody>
-                    <a:bodyPr/>
-                    <a:lstStyle/>
-                    <a:p>
-                      <a:endParaRPr lang="es-ES"/>
-                    </a:p>
-                  </a:txBody>
-                  <a:tcPr/>
-                </a:tc>
-                <a:tc>
-                  <a:txBody>
-                    <a:bodyPr/>
-                    <a:lstStyle/>
-                    <a:p>
-                      <a:endParaRPr lang="es-ES"/>
-                    </a:p>
-                  </a:txBody>
-                  <a:tcPr/>
-                </a:tc>
-                <a:tc>
-                  <a:txBody>
-                    <a:bodyPr/>
-                    <a:lstStyle/>
-                    <a:p>
-                      <a:endParaRPr lang="es-ES"/>
-                    </a:p>
-                  </a:txBody>
-                  <a:tcPr/>
-                </a:tc>
-                <a:tc>
-                  <a:txBody>
-                    <a:bodyPr/>
-                    <a:lstStyle/>
-                    <a:p>
-                      <a:endParaRPr lang="es-ES"/>
-                    </a:p>
-                  </a:txBody>
-                  <a:tcPr/>
-                </a:tc>
-                <a:tc>
-                  <a:txBody>
-                    <a:bodyPr/>
-                    <a:lstStyle/>
-                    <a:p>
-                      <a:endParaRPr lang="es-ES"/>
-                    </a:p>
-                  </a:txBody>
-                  <a:tcPr/>
-                </a:tc>
-                <a:tc>
-                  <a:txBody>
-                    <a:bodyPr/>
-                    <a:lstStyle/>
-                    <a:p>
-                      <a:endParaRPr lang="es-ES"/>
-                    </a:p>
-                  </a:txBody>
-                  <a:tcPr/>
-                </a:tc>
-                <a:tc>
-                  <a:txBody>
-                    <a:bodyPr/>
-                    <a:lstStyle/>
-                    <a:p>
-                      <a:endParaRPr lang="es-ES"/>
-                    </a:p>
-                  </a:txBody>
-                  <a:tcPr/>
-                </a:tc>
-                <a:tc>
-                  <a:txBody>
-                    <a:bodyPr/>
-                    <a:lstStyle/>
-                    <a:p>
-                      <a:endParaRPr lang="es-ES"/>
-                    </a:p>
-                  </a:txBody>
-                  <a:tcPr/>
-                </a:tc>
-                <a:tc>
-                  <a:txBody>
-                    <a:bodyPr/>
-                    <a:lstStyle/>
-                    <a:p>
-                      <a:endParaRPr lang="es-ES"/>
-                    </a:p>
-                  </a:txBody>
-                  <a:tcPr/>
-                </a:tc>
-                <a:tc>
-                  <a:txBody>
-                    <a:bodyPr/>
-                    <a:lstStyle/>
-                    <a:p>
-                      <a:endParaRPr lang="es-ES"/>
-                    </a:p>
-                  </a:txBody>
-                  <a:tcPr/>
-                </a:tc>
-                <a:tc>
-                  <a:txBody>
-                    <a:bodyPr/>
-                    <a:lstStyle/>
-                    <a:p>
-                      <a:endParaRPr lang="es-ES"/>
-                    </a:p>
-                  </a:txBody>
-                  <a:tcPr/>
-                </a:tc>
-                <a:tc>
-                  <a:txBody>
-                    <a:bodyPr/>
-                    <a:lstStyle/>
-                    <a:p>
-                      <a:endParaRPr lang="es-ES"/>
-                    </a:p>
-                  </a:txBody>
-                  <a:tcPr/>
-                </a:tc>
-                <a:tc>
-                  <a:txBody>
-                    <a:bodyPr/>
-                    <a:lstStyle/>
-                    <a:p>
-                      <a:endParaRPr lang="es-ES"/>
-                    </a:p>
-                  </a:txBody>
-                  <a:tcPr/>
-                </a:tc>
-                <a:tc>
-                  <a:txBody>
-                    <a:bodyPr/>
-                    <a:lstStyle/>
-                    <a:p>
-                      <a:endParaRPr lang="es-ES"/>
-                    </a:p>
-                  </a:txBody>
-                  <a:tcPr/>
-                </a:tc>
-                <a:tc>
-                  <a:txBody>
-                    <a:bodyPr/>
-                    <a:lstStyle/>
-                    <a:p>
-                      <a:endParaRPr lang="es-ES"/>
-                    </a:p>
-                  </a:txBody>
-                  <a:tcPr/>
-                </a:tc>
-                <a:tc>
-                  <a:txBody>
-                    <a:bodyPr/>
-                    <a:lstStyle/>
-                    <a:p>
-                      <a:endParaRPr lang="es-ES"/>
-                    </a:p>
-                  </a:txBody>
-                  <a:tcPr/>
-                </a:tc>
-                <a:tc>
-                  <a:txBody>
-                    <a:bodyPr/>
-                    <a:lstStyle/>
-                    <a:p>
-                      <a:endParaRPr lang="es-ES"/>
-                    </a:p>
-                  </a:txBody>
-                  <a:tcPr/>
-                </a:tc>
-                <a:tc>
-                  <a:txBody>
-                    <a:bodyPr/>
-                    <a:lstStyle/>
-                    <a:p>
-                      <a:endParaRPr lang="es-ES"/>
-                    </a:p>
-                  </a:txBody>
-                  <a:tcPr/>
-                </a:tc>
-                <a:tc>
-                  <a:txBody>
-                    <a:bodyPr/>
-                    <a:lstStyle/>
-                    <a:p>
-                      <a:endParaRPr lang="es-ES"/>
-                    </a:p>
-                  </a:txBody>
-                  <a:tcPr/>
-                </a:tc>
-                <a:extLst>
-                  <a:ext uri="{0D108BD9-81ED-4DB2-BD59-A6C34878D82A}">
-                    <a16:rowId xmlns:a16="http://schemas.microsoft.com/office/drawing/2014/main" val="437473910"/>
-                  </a:ext>
-                </a:extLst>
-              </a:tr>
-              <a:tr h="370840">
-                <a:tc>
-                  <a:txBody>
-                    <a:bodyPr/>
-                    <a:lstStyle/>
-                    <a:p>
-                      <a:endParaRPr lang="es-ES"/>
-                    </a:p>
-                  </a:txBody>
-                  <a:tcPr/>
-                </a:tc>
-                <a:tc>
-                  <a:txBody>
-                    <a:bodyPr/>
-                    <a:lstStyle/>
-                    <a:p>
-                      <a:endParaRPr lang="es-ES"/>
-                    </a:p>
-                  </a:txBody>
-                  <a:tcPr/>
-                </a:tc>
-                <a:tc>
-                  <a:txBody>
-                    <a:bodyPr/>
-                    <a:lstStyle/>
-                    <a:p>
-                      <a:endParaRPr lang="es-ES"/>
-                    </a:p>
-                  </a:txBody>
-                  <a:tcPr/>
-                </a:tc>
-                <a:tc>
-                  <a:txBody>
-                    <a:bodyPr/>
-                    <a:lstStyle/>
-                    <a:p>
-                      <a:endParaRPr lang="es-ES"/>
-                    </a:p>
-                  </a:txBody>
-                  <a:tcPr/>
-                </a:tc>
-                <a:tc>
-                  <a:txBody>
-                    <a:bodyPr/>
-                    <a:lstStyle/>
-                    <a:p>
-                      <a:endParaRPr lang="es-ES"/>
-                    </a:p>
-                  </a:txBody>
-                  <a:tcPr/>
-                </a:tc>
-                <a:tc>
-                  <a:txBody>
-                    <a:bodyPr/>
-                    <a:lstStyle/>
-                    <a:p>
-                      <a:endParaRPr lang="es-ES"/>
-                    </a:p>
-                  </a:txBody>
-                  <a:tcPr/>
-                </a:tc>
-                <a:tc>
-                  <a:txBody>
-                    <a:bodyPr/>
-                    <a:lstStyle/>
-                    <a:p>
-                      <a:endParaRPr lang="es-ES"/>
-                    </a:p>
-                  </a:txBody>
-                  <a:tcPr/>
-                </a:tc>
-                <a:tc>
-                  <a:txBody>
-                    <a:bodyPr/>
-                    <a:lstStyle/>
-                    <a:p>
-                      <a:endParaRPr lang="es-ES"/>
-                    </a:p>
-                  </a:txBody>
-                  <a:tcPr/>
-                </a:tc>
-                <a:tc>
-                  <a:txBody>
-                    <a:bodyPr/>
-                    <a:lstStyle/>
-                    <a:p>
-                      <a:endParaRPr lang="es-ES"/>
-                    </a:p>
-                  </a:txBody>
-                  <a:tcPr/>
-                </a:tc>
-                <a:tc>
-                  <a:txBody>
-                    <a:bodyPr/>
-                    <a:lstStyle/>
-                    <a:p>
-                      <a:endParaRPr lang="es-ES"/>
-                    </a:p>
-                  </a:txBody>
-                  <a:tcPr/>
-                </a:tc>
-                <a:tc>
-                  <a:txBody>
-                    <a:bodyPr/>
-                    <a:lstStyle/>
-                    <a:p>
-                      <a:endParaRPr lang="es-ES"/>
-                    </a:p>
-                  </a:txBody>
-                  <a:tcPr/>
-                </a:tc>
-                <a:tc>
-                  <a:txBody>
-                    <a:bodyPr/>
-                    <a:lstStyle/>
-                    <a:p>
-                      <a:endParaRPr lang="es-ES"/>
-                    </a:p>
-                  </a:txBody>
-                  <a:tcPr/>
-                </a:tc>
-                <a:tc>
-                  <a:txBody>
-                    <a:bodyPr/>
-                    <a:lstStyle/>
-                    <a:p>
-                      <a:endParaRPr lang="es-ES"/>
-                    </a:p>
-                  </a:txBody>
-                  <a:tcPr/>
-                </a:tc>
-                <a:tc>
-                  <a:txBody>
-                    <a:bodyPr/>
-                    <a:lstStyle/>
-                    <a:p>
-                      <a:endParaRPr lang="es-ES"/>
-                    </a:p>
-                  </a:txBody>
-                  <a:tcPr/>
-                </a:tc>
-                <a:tc>
-                  <a:txBody>
-                    <a:bodyPr/>
-                    <a:lstStyle/>
-                    <a:p>
-                      <a:endParaRPr lang="es-ES"/>
-                    </a:p>
-                  </a:txBody>
-                  <a:tcPr/>
-                </a:tc>
-                <a:tc>
-                  <a:txBody>
-                    <a:bodyPr/>
-                    <a:lstStyle/>
-                    <a:p>
-                      <a:endParaRPr lang="es-ES"/>
-                    </a:p>
-                  </a:txBody>
-                  <a:tcPr/>
-                </a:tc>
-                <a:tc>
-                  <a:txBody>
-                    <a:bodyPr/>
-                    <a:lstStyle/>
-                    <a:p>
-                      <a:endParaRPr lang="es-ES"/>
-                    </a:p>
-                  </a:txBody>
-                  <a:tcPr/>
-                </a:tc>
-                <a:tc>
-                  <a:txBody>
-                    <a:bodyPr/>
-                    <a:lstStyle/>
-                    <a:p>
-                      <a:endParaRPr lang="es-ES"/>
-                    </a:p>
-                  </a:txBody>
-                  <a:tcPr/>
-                </a:tc>
-                <a:tc>
-                  <a:txBody>
-                    <a:bodyPr/>
-                    <a:lstStyle/>
-                    <a:p>
-                      <a:endParaRPr lang="es-ES"/>
-                    </a:p>
-                  </a:txBody>
-                  <a:tcPr/>
-                </a:tc>
-                <a:tc>
-                  <a:txBody>
-                    <a:bodyPr/>
-                    <a:lstStyle/>
-                    <a:p>
-                      <a:endParaRPr lang="es-ES"/>
-                    </a:p>
-                  </a:txBody>
-                  <a:tcPr/>
-                </a:tc>
-                <a:extLst>
-                  <a:ext uri="{0D108BD9-81ED-4DB2-BD59-A6C34878D82A}">
-                    <a16:rowId xmlns:a16="http://schemas.microsoft.com/office/drawing/2014/main" val="1663439170"/>
-                  </a:ext>
-                </a:extLst>
-              </a:tr>
-              <a:tr h="370840">
-                <a:tc>
-                  <a:txBody>
-                    <a:bodyPr/>
-                    <a:lstStyle/>
-                    <a:p>
-                      <a:endParaRPr lang="es-ES"/>
-                    </a:p>
-                  </a:txBody>
-                  <a:tcPr/>
-                </a:tc>
-                <a:tc>
-                  <a:txBody>
-                    <a:bodyPr/>
-                    <a:lstStyle/>
-                    <a:p>
-                      <a:endParaRPr lang="es-ES"/>
-                    </a:p>
-                  </a:txBody>
-                  <a:tcPr/>
-                </a:tc>
-                <a:tc>
-                  <a:txBody>
-                    <a:bodyPr/>
-                    <a:lstStyle/>
-                    <a:p>
-                      <a:endParaRPr lang="es-ES"/>
-                    </a:p>
-                  </a:txBody>
-                  <a:tcPr/>
-                </a:tc>
-                <a:tc>
-                  <a:txBody>
-                    <a:bodyPr/>
-                    <a:lstStyle/>
-                    <a:p>
-                      <a:endParaRPr lang="es-ES"/>
-                    </a:p>
-                  </a:txBody>
-                  <a:tcPr/>
-                </a:tc>
-                <a:tc>
-                  <a:txBody>
-                    <a:bodyPr/>
-                    <a:lstStyle/>
-                    <a:p>
-                      <a:endParaRPr lang="es-ES"/>
-                    </a:p>
-                  </a:txBody>
-                  <a:tcPr/>
-                </a:tc>
-                <a:tc>
-                  <a:txBody>
-                    <a:bodyPr/>
-                    <a:lstStyle/>
-                    <a:p>
-                      <a:endParaRPr lang="es-ES"/>
-                    </a:p>
-                  </a:txBody>
-                  <a:tcPr/>
-                </a:tc>
-                <a:tc>
-                  <a:txBody>
-                    <a:bodyPr/>
-                    <a:lstStyle/>
-                    <a:p>
-                      <a:endParaRPr lang="es-ES"/>
-                    </a:p>
-                  </a:txBody>
-                  <a:tcPr/>
-                </a:tc>
-                <a:tc>
-                  <a:txBody>
-                    <a:bodyPr/>
-                    <a:lstStyle/>
-                    <a:p>
-                      <a:endParaRPr lang="es-ES"/>
-                    </a:p>
-                  </a:txBody>
-                  <a:tcPr/>
-                </a:tc>
-                <a:tc>
-                  <a:txBody>
-                    <a:bodyPr/>
-                    <a:lstStyle/>
-                    <a:p>
-                      <a:endParaRPr lang="es-ES"/>
-                    </a:p>
-                  </a:txBody>
-                  <a:tcPr/>
-                </a:tc>
-                <a:tc>
-                  <a:txBody>
-                    <a:bodyPr/>
-                    <a:lstStyle/>
-                    <a:p>
-                      <a:endParaRPr lang="es-ES"/>
-                    </a:p>
-                  </a:txBody>
-                  <a:tcPr/>
-                </a:tc>
-                <a:tc>
-                  <a:txBody>
-                    <a:bodyPr/>
-                    <a:lstStyle/>
-                    <a:p>
-                      <a:endParaRPr lang="es-ES"/>
-                    </a:p>
-                  </a:txBody>
-                  <a:tcPr/>
-                </a:tc>
-                <a:tc>
-                  <a:txBody>
-                    <a:bodyPr/>
-                    <a:lstStyle/>
-                    <a:p>
-                      <a:endParaRPr lang="es-ES"/>
-                    </a:p>
-                  </a:txBody>
-                  <a:tcPr/>
-                </a:tc>
-                <a:tc>
-                  <a:txBody>
-                    <a:bodyPr/>
-                    <a:lstStyle/>
-                    <a:p>
-                      <a:endParaRPr lang="es-ES"/>
-                    </a:p>
-                  </a:txBody>
-                  <a:tcPr/>
-                </a:tc>
-                <a:tc>
-                  <a:txBody>
-                    <a:bodyPr/>
-                    <a:lstStyle/>
-                    <a:p>
-                      <a:endParaRPr lang="es-ES"/>
-                    </a:p>
-                  </a:txBody>
-                  <a:tcPr/>
-                </a:tc>
-                <a:tc>
-                  <a:txBody>
-                    <a:bodyPr/>
-                    <a:lstStyle/>
-                    <a:p>
-                      <a:endParaRPr lang="es-ES"/>
-                    </a:p>
-                  </a:txBody>
-                  <a:tcPr/>
-                </a:tc>
-                <a:tc>
-                  <a:txBody>
-                    <a:bodyPr/>
-                    <a:lstStyle/>
-                    <a:p>
-                      <a:endParaRPr lang="es-ES"/>
-                    </a:p>
-                  </a:txBody>
-                  <a:tcPr/>
-                </a:tc>
-                <a:tc>
-                  <a:txBody>
-                    <a:bodyPr/>
-                    <a:lstStyle/>
-                    <a:p>
-                      <a:endParaRPr lang="es-ES"/>
-                    </a:p>
-                  </a:txBody>
-                  <a:tcPr/>
-                </a:tc>
-                <a:tc>
-                  <a:txBody>
-                    <a:bodyPr/>
-                    <a:lstStyle/>
-                    <a:p>
-                      <a:endParaRPr lang="es-ES"/>
-                    </a:p>
-                  </a:txBody>
-                  <a:tcPr/>
-                </a:tc>
-                <a:tc>
-                  <a:txBody>
-                    <a:bodyPr/>
-                    <a:lstStyle/>
-                    <a:p>
-                      <a:endParaRPr lang="es-ES"/>
-                    </a:p>
-                  </a:txBody>
-                  <a:tcPr/>
-                </a:tc>
-                <a:tc>
-                  <a:txBody>
-                    <a:bodyPr/>
-                    <a:lstStyle/>
-                    <a:p>
-                      <a:endParaRPr lang="es-ES"/>
-                    </a:p>
-                  </a:txBody>
-                  <a:tcPr/>
-                </a:tc>
-                <a:extLst>
-                  <a:ext uri="{0D108BD9-81ED-4DB2-BD59-A6C34878D82A}">
-                    <a16:rowId xmlns:a16="http://schemas.microsoft.com/office/drawing/2014/main" val="2498842610"/>
-                  </a:ext>
-                </a:extLst>
-              </a:tr>
-              <a:tr h="370840">
-                <a:tc>
-                  <a:txBody>
-                    <a:bodyPr/>
-                    <a:lstStyle/>
-                    <a:p>
-                      <a:endParaRPr lang="es-ES"/>
-                    </a:p>
-                  </a:txBody>
-                  <a:tcPr/>
-                </a:tc>
-                <a:tc>
-                  <a:txBody>
-                    <a:bodyPr/>
-                    <a:lstStyle/>
-                    <a:p>
-                      <a:endParaRPr lang="es-ES"/>
-                    </a:p>
-                  </a:txBody>
-                  <a:tcPr/>
-                </a:tc>
-                <a:tc>
-                  <a:txBody>
-                    <a:bodyPr/>
-                    <a:lstStyle/>
-                    <a:p>
-                      <a:endParaRPr lang="es-ES"/>
-                    </a:p>
-                  </a:txBody>
-                  <a:tcPr/>
-                </a:tc>
-                <a:tc>
-                  <a:txBody>
-                    <a:bodyPr/>
-                    <a:lstStyle/>
-                    <a:p>
-                      <a:endParaRPr lang="es-ES"/>
-                    </a:p>
-                  </a:txBody>
-                  <a:tcPr/>
-                </a:tc>
-                <a:tc>
-                  <a:txBody>
-                    <a:bodyPr/>
-                    <a:lstStyle/>
-                    <a:p>
-                      <a:endParaRPr lang="es-ES"/>
-                    </a:p>
-                  </a:txBody>
-                  <a:tcPr/>
-                </a:tc>
-                <a:tc>
-                  <a:txBody>
-                    <a:bodyPr/>
-                    <a:lstStyle/>
-                    <a:p>
-                      <a:endParaRPr lang="es-ES"/>
-                    </a:p>
-                  </a:txBody>
-                  <a:tcPr/>
-                </a:tc>
-                <a:tc>
-                  <a:txBody>
-                    <a:bodyPr/>
-                    <a:lstStyle/>
-                    <a:p>
-                      <a:endParaRPr lang="es-ES"/>
-                    </a:p>
-                  </a:txBody>
-                  <a:tcPr/>
-                </a:tc>
-                <a:tc>
-                  <a:txBody>
-                    <a:bodyPr/>
-                    <a:lstStyle/>
-                    <a:p>
-                      <a:endParaRPr lang="es-ES"/>
-                    </a:p>
-                  </a:txBody>
-                  <a:tcPr/>
-                </a:tc>
-                <a:tc>
-                  <a:txBody>
-                    <a:bodyPr/>
-                    <a:lstStyle/>
-                    <a:p>
-                      <a:endParaRPr lang="es-ES"/>
-                    </a:p>
-                  </a:txBody>
-                  <a:tcPr/>
-                </a:tc>
-                <a:tc>
-                  <a:txBody>
-                    <a:bodyPr/>
-                    <a:lstStyle/>
-                    <a:p>
-                      <a:endParaRPr lang="es-ES"/>
-                    </a:p>
-                  </a:txBody>
-                  <a:tcPr/>
-                </a:tc>
-                <a:tc>
-                  <a:txBody>
-                    <a:bodyPr/>
-                    <a:lstStyle/>
-                    <a:p>
-                      <a:endParaRPr lang="es-ES"/>
-                    </a:p>
-                  </a:txBody>
-                  <a:tcPr/>
-                </a:tc>
-                <a:tc>
-                  <a:txBody>
-                    <a:bodyPr/>
-                    <a:lstStyle/>
-                    <a:p>
-                      <a:endParaRPr lang="es-ES"/>
-                    </a:p>
-                  </a:txBody>
-                  <a:tcPr/>
-                </a:tc>
-                <a:tc>
-                  <a:txBody>
-                    <a:bodyPr/>
-                    <a:lstStyle/>
-                    <a:p>
-                      <a:endParaRPr lang="es-ES"/>
-                    </a:p>
-                  </a:txBody>
-                  <a:tcPr/>
-                </a:tc>
-                <a:tc>
-                  <a:txBody>
-                    <a:bodyPr/>
-                    <a:lstStyle/>
-                    <a:p>
-                      <a:endParaRPr lang="es-ES"/>
-                    </a:p>
-                  </a:txBody>
-                  <a:tcPr/>
-                </a:tc>
-                <a:tc>
-                  <a:txBody>
-                    <a:bodyPr/>
-                    <a:lstStyle/>
-                    <a:p>
-                      <a:endParaRPr lang="es-ES"/>
-                    </a:p>
-                  </a:txBody>
-                  <a:tcPr/>
-                </a:tc>
-                <a:tc>
-                  <a:txBody>
-                    <a:bodyPr/>
-                    <a:lstStyle/>
-                    <a:p>
-                      <a:endParaRPr lang="es-ES"/>
-                    </a:p>
-                  </a:txBody>
-                  <a:tcPr/>
-                </a:tc>
-                <a:tc>
-                  <a:txBody>
-                    <a:bodyPr/>
-                    <a:lstStyle/>
-                    <a:p>
-                      <a:endParaRPr lang="es-ES"/>
-                    </a:p>
-                  </a:txBody>
-                  <a:tcPr/>
-                </a:tc>
-                <a:tc>
-                  <a:txBody>
-                    <a:bodyPr/>
-                    <a:lstStyle/>
-                    <a:p>
-                      <a:endParaRPr lang="es-ES"/>
-                    </a:p>
-                  </a:txBody>
-                  <a:tcPr/>
-                </a:tc>
-                <a:tc>
-                  <a:txBody>
-                    <a:bodyPr/>
-                    <a:lstStyle/>
-                    <a:p>
-                      <a:endParaRPr lang="es-ES"/>
-                    </a:p>
-                  </a:txBody>
-                  <a:tcPr/>
-                </a:tc>
-                <a:tc>
-                  <a:txBody>
-                    <a:bodyPr/>
-                    <a:lstStyle/>
-                    <a:p>
-                      <a:endParaRPr lang="es-ES"/>
-                    </a:p>
-                  </a:txBody>
-                  <a:tcPr/>
-                </a:tc>
-                <a:extLst>
-                  <a:ext uri="{0D108BD9-81ED-4DB2-BD59-A6C34878D82A}">
-                    <a16:rowId xmlns:a16="http://schemas.microsoft.com/office/drawing/2014/main" val="1468001372"/>
-                  </a:ext>
-                </a:extLst>
-              </a:tr>
-              <a:tr h="370840">
-                <a:tc>
-                  <a:txBody>
-                    <a:bodyPr/>
-                    <a:lstStyle/>
-                    <a:p>
-                      <a:endParaRPr lang="es-ES"/>
-                    </a:p>
-                  </a:txBody>
-                  <a:tcPr/>
-                </a:tc>
-                <a:tc>
-                  <a:txBody>
-                    <a:bodyPr/>
-                    <a:lstStyle/>
-                    <a:p>
-                      <a:endParaRPr lang="es-ES"/>
-                    </a:p>
-                  </a:txBody>
-                  <a:tcPr/>
-                </a:tc>
-                <a:tc>
-                  <a:txBody>
-                    <a:bodyPr/>
-                    <a:lstStyle/>
-                    <a:p>
-                      <a:endParaRPr lang="es-ES"/>
-                    </a:p>
-                  </a:txBody>
-                  <a:tcPr/>
-                </a:tc>
-                <a:tc>
-                  <a:txBody>
-                    <a:bodyPr/>
-                    <a:lstStyle/>
-                    <a:p>
-                      <a:endParaRPr lang="es-ES"/>
-                    </a:p>
-                  </a:txBody>
-                  <a:tcPr/>
-                </a:tc>
-                <a:tc>
-                  <a:txBody>
-                    <a:bodyPr/>
-                    <a:lstStyle/>
-                    <a:p>
-                      <a:endParaRPr lang="es-ES"/>
-                    </a:p>
-                  </a:txBody>
-                  <a:tcPr/>
-                </a:tc>
-                <a:tc>
-                  <a:txBody>
-                    <a:bodyPr/>
-                    <a:lstStyle/>
-                    <a:p>
-                      <a:endParaRPr lang="es-ES"/>
-                    </a:p>
-                  </a:txBody>
-                  <a:tcPr/>
-                </a:tc>
-                <a:tc>
-                  <a:txBody>
-                    <a:bodyPr/>
-                    <a:lstStyle/>
-                    <a:p>
-                      <a:endParaRPr lang="es-ES"/>
-                    </a:p>
-                  </a:txBody>
-                  <a:tcPr/>
-                </a:tc>
-                <a:tc>
-                  <a:txBody>
-                    <a:bodyPr/>
-                    <a:lstStyle/>
-                    <a:p>
-                      <a:endParaRPr lang="es-ES"/>
-                    </a:p>
-                  </a:txBody>
-                  <a:tcPr/>
-                </a:tc>
-                <a:tc>
-                  <a:txBody>
-                    <a:bodyPr/>
-                    <a:lstStyle/>
-                    <a:p>
-                      <a:endParaRPr lang="es-ES"/>
-                    </a:p>
-                  </a:txBody>
-                  <a:tcPr/>
-                </a:tc>
-                <a:tc>
-                  <a:txBody>
-                    <a:bodyPr/>
-                    <a:lstStyle/>
-                    <a:p>
-                      <a:endParaRPr lang="es-ES"/>
-                    </a:p>
-                  </a:txBody>
-                  <a:tcPr/>
-                </a:tc>
-                <a:tc>
-                  <a:txBody>
-                    <a:bodyPr/>
-                    <a:lstStyle/>
-                    <a:p>
-                      <a:endParaRPr lang="es-ES"/>
-                    </a:p>
-                  </a:txBody>
-                  <a:tcPr/>
-                </a:tc>
-                <a:tc>
-                  <a:txBody>
-                    <a:bodyPr/>
-                    <a:lstStyle/>
-                    <a:p>
-                      <a:endParaRPr lang="es-ES"/>
-                    </a:p>
-                  </a:txBody>
-                  <a:tcPr/>
-                </a:tc>
-                <a:tc>
-                  <a:txBody>
-                    <a:bodyPr/>
-                    <a:lstStyle/>
-                    <a:p>
-                      <a:endParaRPr lang="es-ES"/>
-                    </a:p>
-                  </a:txBody>
-                  <a:tcPr/>
-                </a:tc>
-                <a:tc>
-                  <a:txBody>
-                    <a:bodyPr/>
-                    <a:lstStyle/>
-                    <a:p>
-                      <a:endParaRPr lang="es-ES"/>
-                    </a:p>
-                  </a:txBody>
-                  <a:tcPr/>
-                </a:tc>
-                <a:tc>
-                  <a:txBody>
-                    <a:bodyPr/>
-                    <a:lstStyle/>
-                    <a:p>
-                      <a:endParaRPr lang="es-ES"/>
-                    </a:p>
-                  </a:txBody>
-                  <a:tcPr/>
-                </a:tc>
-                <a:tc>
-                  <a:txBody>
-                    <a:bodyPr/>
-                    <a:lstStyle/>
-                    <a:p>
-                      <a:endParaRPr lang="es-ES"/>
-                    </a:p>
-                  </a:txBody>
-                  <a:tcPr/>
-                </a:tc>
-                <a:tc>
-                  <a:txBody>
-                    <a:bodyPr/>
-                    <a:lstStyle/>
-                    <a:p>
-                      <a:endParaRPr lang="es-ES"/>
-                    </a:p>
-                  </a:txBody>
-                  <a:tcPr/>
-                </a:tc>
-                <a:tc>
-                  <a:txBody>
-                    <a:bodyPr/>
-                    <a:lstStyle/>
-                    <a:p>
-                      <a:endParaRPr lang="es-ES"/>
-                    </a:p>
-                  </a:txBody>
-                  <a:tcPr/>
-                </a:tc>
-                <a:tc>
-                  <a:txBody>
-                    <a:bodyPr/>
-                    <a:lstStyle/>
-                    <a:p>
-                      <a:endParaRPr lang="es-ES"/>
-                    </a:p>
-                  </a:txBody>
-                  <a:tcPr/>
-                </a:tc>
-                <a:tc>
-                  <a:txBody>
-                    <a:bodyPr/>
-                    <a:lstStyle/>
-                    <a:p>
-                      <a:endParaRPr lang="es-ES"/>
-                    </a:p>
-                  </a:txBody>
-                  <a:tcPr/>
-                </a:tc>
-                <a:extLst>
-                  <a:ext uri="{0D108BD9-81ED-4DB2-BD59-A6C34878D82A}">
-                    <a16:rowId xmlns:a16="http://schemas.microsoft.com/office/drawing/2014/main" val="2161475722"/>
-                  </a:ext>
-                </a:extLst>
-              </a:tr>
-              <a:tr h="370840">
-                <a:tc>
-                  <a:txBody>
-                    <a:bodyPr/>
-                    <a:lstStyle/>
-                    <a:p>
-                      <a:endParaRPr lang="es-ES"/>
-                    </a:p>
-                  </a:txBody>
-                  <a:tcPr/>
-                </a:tc>
-                <a:tc>
-                  <a:txBody>
-                    <a:bodyPr/>
-                    <a:lstStyle/>
-                    <a:p>
-                      <a:endParaRPr lang="es-ES"/>
-                    </a:p>
-                  </a:txBody>
-                  <a:tcPr/>
-                </a:tc>
-                <a:tc>
-                  <a:txBody>
-                    <a:bodyPr/>
-                    <a:lstStyle/>
-                    <a:p>
-                      <a:endParaRPr lang="es-ES"/>
-                    </a:p>
-                  </a:txBody>
-                  <a:tcPr/>
-                </a:tc>
-                <a:tc>
-                  <a:txBody>
-                    <a:bodyPr/>
-                    <a:lstStyle/>
-                    <a:p>
-                      <a:endParaRPr lang="es-ES"/>
-                    </a:p>
-                  </a:txBody>
-                  <a:tcPr/>
-                </a:tc>
-                <a:tc>
-                  <a:txBody>
-                    <a:bodyPr/>
-                    <a:lstStyle/>
-                    <a:p>
-                      <a:endParaRPr lang="es-ES"/>
-                    </a:p>
-                  </a:txBody>
-                  <a:tcPr/>
-                </a:tc>
-                <a:tc>
-                  <a:txBody>
-                    <a:bodyPr/>
-                    <a:lstStyle/>
-                    <a:p>
-                      <a:endParaRPr lang="es-ES"/>
-                    </a:p>
-                  </a:txBody>
-                  <a:tcPr/>
-                </a:tc>
-                <a:tc>
-                  <a:txBody>
-                    <a:bodyPr/>
-                    <a:lstStyle/>
-                    <a:p>
-                      <a:endParaRPr lang="es-ES"/>
-                    </a:p>
-                  </a:txBody>
-                  <a:tcPr/>
-                </a:tc>
-                <a:tc>
-                  <a:txBody>
-                    <a:bodyPr/>
-                    <a:lstStyle/>
-                    <a:p>
-                      <a:endParaRPr lang="es-ES"/>
-                    </a:p>
-                  </a:txBody>
-                  <a:tcPr/>
-                </a:tc>
-                <a:tc>
-                  <a:txBody>
-                    <a:bodyPr/>
-                    <a:lstStyle/>
-                    <a:p>
-                      <a:endParaRPr lang="es-ES"/>
-                    </a:p>
-                  </a:txBody>
-                  <a:tcPr/>
-                </a:tc>
-                <a:tc>
-                  <a:txBody>
-                    <a:bodyPr/>
-                    <a:lstStyle/>
-                    <a:p>
-                      <a:endParaRPr lang="es-ES"/>
-                    </a:p>
-                  </a:txBody>
-                  <a:tcPr/>
-                </a:tc>
-                <a:tc>
-                  <a:txBody>
-                    <a:bodyPr/>
-                    <a:lstStyle/>
-                    <a:p>
-                      <a:endParaRPr lang="es-ES"/>
-                    </a:p>
-                  </a:txBody>
-                  <a:tcPr/>
-                </a:tc>
-                <a:tc>
-                  <a:txBody>
-                    <a:bodyPr/>
-                    <a:lstStyle/>
-                    <a:p>
-                      <a:endParaRPr lang="es-ES"/>
-                    </a:p>
-                  </a:txBody>
-                  <a:tcPr/>
-                </a:tc>
-                <a:tc>
-                  <a:txBody>
-                    <a:bodyPr/>
-                    <a:lstStyle/>
-                    <a:p>
-                      <a:endParaRPr lang="es-ES"/>
-                    </a:p>
-                  </a:txBody>
-                  <a:tcPr/>
-                </a:tc>
-                <a:tc>
-                  <a:txBody>
-                    <a:bodyPr/>
-                    <a:lstStyle/>
-                    <a:p>
-                      <a:endParaRPr lang="es-ES"/>
-                    </a:p>
-                  </a:txBody>
-                  <a:tcPr/>
-                </a:tc>
-                <a:tc>
-                  <a:txBody>
-                    <a:bodyPr/>
-                    <a:lstStyle/>
-                    <a:p>
-                      <a:endParaRPr lang="es-ES"/>
-                    </a:p>
-                  </a:txBody>
-                  <a:tcPr/>
-                </a:tc>
-                <a:tc>
-                  <a:txBody>
-                    <a:bodyPr/>
-                    <a:lstStyle/>
-                    <a:p>
-                      <a:endParaRPr lang="es-ES"/>
-                    </a:p>
-                  </a:txBody>
-                  <a:tcPr/>
-                </a:tc>
-                <a:tc>
-                  <a:txBody>
-                    <a:bodyPr/>
-                    <a:lstStyle/>
-                    <a:p>
-                      <a:endParaRPr lang="es-ES"/>
-                    </a:p>
-                  </a:txBody>
-                  <a:tcPr/>
-                </a:tc>
-                <a:tc>
-                  <a:txBody>
-                    <a:bodyPr/>
-                    <a:lstStyle/>
-                    <a:p>
-                      <a:endParaRPr lang="es-ES"/>
-                    </a:p>
-                  </a:txBody>
-                  <a:tcPr/>
-                </a:tc>
-                <a:tc>
-                  <a:txBody>
-                    <a:bodyPr/>
-                    <a:lstStyle/>
-                    <a:p>
-                      <a:endParaRPr lang="es-ES"/>
-                    </a:p>
-                  </a:txBody>
-                  <a:tcPr/>
-                </a:tc>
-                <a:tc>
-                  <a:txBody>
-                    <a:bodyPr/>
-                    <a:lstStyle/>
-                    <a:p>
-                      <a:endParaRPr lang="es-ES"/>
-                    </a:p>
-                  </a:txBody>
-                  <a:tcPr/>
-                </a:tc>
-                <a:extLst>
-                  <a:ext uri="{0D108BD9-81ED-4DB2-BD59-A6C34878D82A}">
-                    <a16:rowId xmlns:a16="http://schemas.microsoft.com/office/drawing/2014/main" val="1988256531"/>
-                  </a:ext>
-                </a:extLst>
-              </a:tr>
-              <a:tr h="370840">
-                <a:tc>
-                  <a:txBody>
-                    <a:bodyPr/>
-                    <a:lstStyle/>
-                    <a:p>
-                      <a:endParaRPr lang="es-ES"/>
-                    </a:p>
-                  </a:txBody>
-                  <a:tcPr/>
-                </a:tc>
-                <a:tc>
-                  <a:txBody>
-                    <a:bodyPr/>
-                    <a:lstStyle/>
-                    <a:p>
-                      <a:endParaRPr lang="es-ES"/>
-                    </a:p>
-                  </a:txBody>
-                  <a:tcPr/>
-                </a:tc>
-                <a:tc>
-                  <a:txBody>
-                    <a:bodyPr/>
-                    <a:lstStyle/>
-                    <a:p>
-                      <a:endParaRPr lang="es-ES"/>
-                    </a:p>
-                  </a:txBody>
-                  <a:tcPr/>
-                </a:tc>
-                <a:tc>
-                  <a:txBody>
-                    <a:bodyPr/>
-                    <a:lstStyle/>
-                    <a:p>
-                      <a:endParaRPr lang="es-ES"/>
-                    </a:p>
-                  </a:txBody>
-                  <a:tcPr/>
-                </a:tc>
-                <a:tc>
-                  <a:txBody>
-                    <a:bodyPr/>
-                    <a:lstStyle/>
-                    <a:p>
-                      <a:endParaRPr lang="es-ES"/>
-                    </a:p>
-                  </a:txBody>
-                  <a:tcPr/>
-                </a:tc>
-                <a:tc>
-                  <a:txBody>
-                    <a:bodyPr/>
-                    <a:lstStyle/>
-                    <a:p>
-                      <a:endParaRPr lang="es-ES"/>
-                    </a:p>
-                  </a:txBody>
-                  <a:tcPr/>
-                </a:tc>
-                <a:tc>
-                  <a:txBody>
-                    <a:bodyPr/>
-                    <a:lstStyle/>
-                    <a:p>
-                      <a:endParaRPr lang="es-ES"/>
-                    </a:p>
-                  </a:txBody>
-                  <a:tcPr/>
-                </a:tc>
-                <a:tc>
-                  <a:txBody>
-                    <a:bodyPr/>
-                    <a:lstStyle/>
-                    <a:p>
-                      <a:endParaRPr lang="es-ES"/>
-                    </a:p>
-                  </a:txBody>
-                  <a:tcPr/>
-                </a:tc>
-                <a:tc>
-                  <a:txBody>
-                    <a:bodyPr/>
-                    <a:lstStyle/>
-                    <a:p>
-                      <a:endParaRPr lang="es-ES"/>
-                    </a:p>
-                  </a:txBody>
-                  <a:tcPr/>
-                </a:tc>
-                <a:tc>
-                  <a:txBody>
-                    <a:bodyPr/>
-                    <a:lstStyle/>
-                    <a:p>
-                      <a:endParaRPr lang="es-ES"/>
-                    </a:p>
-                  </a:txBody>
-                  <a:tcPr/>
-                </a:tc>
-                <a:tc>
-                  <a:txBody>
-                    <a:bodyPr/>
-                    <a:lstStyle/>
-                    <a:p>
-                      <a:endParaRPr lang="es-ES"/>
-                    </a:p>
-                  </a:txBody>
-                  <a:tcPr/>
-                </a:tc>
-                <a:tc>
-                  <a:txBody>
-                    <a:bodyPr/>
-                    <a:lstStyle/>
-                    <a:p>
-                      <a:endParaRPr lang="es-ES"/>
-                    </a:p>
-                  </a:txBody>
-                  <a:tcPr/>
-                </a:tc>
-                <a:tc>
-                  <a:txBody>
-                    <a:bodyPr/>
-                    <a:lstStyle/>
-                    <a:p>
-                      <a:endParaRPr lang="es-ES"/>
-                    </a:p>
-                  </a:txBody>
-                  <a:tcPr/>
-                </a:tc>
-                <a:tc>
-                  <a:txBody>
-                    <a:bodyPr/>
-                    <a:lstStyle/>
-                    <a:p>
-                      <a:endParaRPr lang="es-ES"/>
-                    </a:p>
-                  </a:txBody>
-                  <a:tcPr/>
-                </a:tc>
-                <a:tc>
-                  <a:txBody>
-                    <a:bodyPr/>
-                    <a:lstStyle/>
-                    <a:p>
-                      <a:endParaRPr lang="es-ES"/>
-                    </a:p>
-                  </a:txBody>
-                  <a:tcPr/>
-                </a:tc>
-                <a:tc>
-                  <a:txBody>
-                    <a:bodyPr/>
-                    <a:lstStyle/>
-                    <a:p>
-                      <a:endParaRPr lang="es-ES"/>
-                    </a:p>
-                  </a:txBody>
-                  <a:tcPr/>
-                </a:tc>
-                <a:tc>
-                  <a:txBody>
-                    <a:bodyPr/>
-                    <a:lstStyle/>
-                    <a:p>
-                      <a:endParaRPr lang="es-ES"/>
-                    </a:p>
-                  </a:txBody>
-                  <a:tcPr/>
-                </a:tc>
-                <a:tc>
-                  <a:txBody>
-                    <a:bodyPr/>
-                    <a:lstStyle/>
-                    <a:p>
-                      <a:endParaRPr lang="es-ES"/>
-                    </a:p>
-                  </a:txBody>
-                  <a:tcPr/>
-                </a:tc>
-                <a:tc>
-                  <a:txBody>
-                    <a:bodyPr/>
-                    <a:lstStyle/>
-                    <a:p>
-                      <a:endParaRPr lang="es-ES"/>
-                    </a:p>
-                  </a:txBody>
-                  <a:tcPr/>
-                </a:tc>
-                <a:tc>
-                  <a:txBody>
-                    <a:bodyPr/>
-                    <a:lstStyle/>
-                    <a:p>
-                      <a:endParaRPr lang="es-ES" dirty="0"/>
-                    </a:p>
-                  </a:txBody>
-                  <a:tcPr/>
-                </a:tc>
-                <a:extLst>
-                  <a:ext uri="{0D108BD9-81ED-4DB2-BD59-A6C34878D82A}">
-                    <a16:rowId xmlns:a16="http://schemas.microsoft.com/office/drawing/2014/main" val="447526597"/>
-                  </a:ext>
-                </a:extLst>
-              </a:tr>
-            </a:tbl>
-          </a:graphicData>
-        </a:graphic>
-      </p:graphicFrame>
       <p:sp>
         <p:nvSpPr>
           <p:cNvPr id="19" name="Text Placeholder 18">
@@ -35437,6 +32351,150 @@
               <a:rPr lang="en-US" sz="2000" dirty="0"/>
               <a:t>4.5</a:t>
             </a:r>
+          </a:p>
+        </p:txBody>
+      </p:sp>
+      <p:sp>
+        <p:nvSpPr>
+          <p:cNvPr id="5" name="Rectángulo 4"/>
+          <p:cNvSpPr/>
+          <p:nvPr/>
+        </p:nvSpPr>
+        <p:spPr>
+          <a:xfrm>
+            <a:off x="-1" y="1704975"/>
+            <a:ext cx="12263719" cy="5153025"/>
+          </a:xfrm>
+          <a:prstGeom prst="rect">
+            <a:avLst/>
+          </a:prstGeom>
+          <a:solidFill>
+            <a:srgbClr val="FDF9E2"/>
+          </a:solidFill>
+          <a:ln>
+            <a:noFill/>
+          </a:ln>
+        </p:spPr>
+        <p:style>
+          <a:lnRef idx="2">
+            <a:schemeClr val="accent1">
+              <a:shade val="50000"/>
+            </a:schemeClr>
+          </a:lnRef>
+          <a:fillRef idx="1">
+            <a:schemeClr val="accent1"/>
+          </a:fillRef>
+          <a:effectRef idx="0">
+            <a:schemeClr val="accent1"/>
+          </a:effectRef>
+          <a:fontRef idx="minor">
+            <a:schemeClr val="lt1"/>
+          </a:fontRef>
+        </p:style>
+        <p:txBody>
+          <a:bodyPr rtlCol="0" anchor="ctr"/>
+          <a:lstStyle/>
+          <a:p>
+            <a:pPr algn="ctr"/>
+            <a:endParaRPr lang="es-AR" dirty="0"/>
+          </a:p>
+        </p:txBody>
+      </p:sp>
+      <p:pic>
+        <p:nvPicPr>
+          <p:cNvPr id="7" name="Imagen 6"/>
+          <p:cNvPicPr>
+            <a:picLocks noChangeAspect="1"/>
+          </p:cNvPicPr>
+          <p:nvPr/>
+        </p:nvPicPr>
+        <p:blipFill rotWithShape="1">
+          <a:blip r:embed="rId3"/>
+          <a:srcRect t="23212"/>
+          <a:stretch/>
+        </p:blipFill>
+        <p:spPr>
+          <a:xfrm>
+            <a:off x="696254" y="1689702"/>
+            <a:ext cx="10799491" cy="4236687"/>
+          </a:xfrm>
+          <a:prstGeom prst="rect">
+            <a:avLst/>
+          </a:prstGeom>
+        </p:spPr>
+      </p:pic>
+      <p:pic>
+        <p:nvPicPr>
+          <p:cNvPr id="3" name="Imagen 2">
+            <a:hlinkClick r:id="rId4"/>
+          </p:cNvPr>
+          <p:cNvPicPr>
+            <a:picLocks noChangeAspect="1"/>
+          </p:cNvPicPr>
+          <p:nvPr/>
+        </p:nvPicPr>
+        <p:blipFill>
+          <a:blip r:embed="rId5">
+            <a:extLst>
+              <a:ext uri="{28A0092B-C50C-407E-A947-70E740481C1C}">
+                <a14:useLocalDpi xmlns:a14="http://schemas.microsoft.com/office/drawing/2010/main" val="0"/>
+              </a:ext>
+            </a:extLst>
+          </a:blip>
+          <a:stretch>
+            <a:fillRect/>
+          </a:stretch>
+        </p:blipFill>
+        <p:spPr>
+          <a:xfrm>
+            <a:off x="435934" y="5663433"/>
+            <a:ext cx="1043244" cy="1043244"/>
+          </a:xfrm>
+          <a:prstGeom prst="rect">
+            <a:avLst/>
+          </a:prstGeom>
+        </p:spPr>
+      </p:pic>
+      <p:sp>
+        <p:nvSpPr>
+          <p:cNvPr id="4" name="CuadroTexto 3"/>
+          <p:cNvSpPr txBox="1"/>
+          <p:nvPr/>
+        </p:nvSpPr>
+        <p:spPr>
+          <a:xfrm>
+            <a:off x="1479178" y="6107331"/>
+            <a:ext cx="2805951" cy="369332"/>
+          </a:xfrm>
+          <a:prstGeom prst="rect">
+            <a:avLst/>
+          </a:prstGeom>
+          <a:noFill/>
+        </p:spPr>
+        <p:txBody>
+          <a:bodyPr wrap="square" rtlCol="0">
+            <a:spAutoFit/>
+          </a:bodyPr>
+          <a:lstStyle/>
+          <a:p>
+            <a:r>
+              <a:rPr lang="es-ES" dirty="0" smtClean="0"/>
+              <a:t>Enlace a </a:t>
+            </a:r>
+            <a:r>
+              <a:rPr lang="es-ES" dirty="0" smtClean="0">
+                <a:solidFill>
+                  <a:schemeClr val="accent6"/>
+                </a:solidFill>
+                <a:hlinkClick r:id="rId4"/>
+              </a:rPr>
+              <a:t>documento</a:t>
+            </a:r>
+            <a:endParaRPr lang="es-AR" dirty="0">
+              <a:solidFill>
+                <a:schemeClr val="accent6"/>
+              </a:solidFill>
+            </a:endParaRPr>
           </a:p>
         </p:txBody>
       </p:sp>
@@ -35570,40 +32628,17 @@
             <p:ph type="body" sz="quarter" idx="23"/>
           </p:nvPr>
         </p:nvSpPr>
-        <p:spPr/>
+        <p:spPr>
+          <a:xfrm>
+            <a:off x="1655064" y="2926080"/>
+            <a:ext cx="4261642" cy="502920"/>
+          </a:xfrm>
+        </p:spPr>
         <p:txBody>
           <a:bodyPr/>
           <a:lstStyle/>
           <a:p>
-            <a:endParaRPr lang="en-US"/>
-          </a:p>
-        </p:txBody>
-      </p:sp>
-      <p:sp>
-        <p:nvSpPr>
-          <p:cNvPr id="47" name="Text Placeholder 46">
-            <a:extLst>
-              <a:ext uri="{FF2B5EF4-FFF2-40B4-BE49-F238E27FC236}">
-                <a16:creationId xmlns:a16="http://schemas.microsoft.com/office/drawing/2014/main" id="{3F91A9F2-2D44-0F31-0AD2-6603CE85725B}"/>
-              </a:ext>
-              <a:ext uri="{C183D7F6-B498-43B3-948B-1728B52AA6E4}">
-                <adec:decorative xmlns:adec="http://schemas.microsoft.com/office/drawing/2017/decorative" xmlns="" val="1"/>
-              </a:ext>
-            </a:extLst>
-          </p:cNvPr>
-          <p:cNvSpPr>
-            <a:spLocks noGrp="1"/>
-          </p:cNvSpPr>
-          <p:nvPr>
-            <p:ph type="body" sz="quarter" idx="24"/>
-          </p:nvPr>
-        </p:nvSpPr>
-        <p:spPr/>
-        <p:txBody>
-          <a:bodyPr/>
-          <a:lstStyle/>
-          <a:p>
-            <a:endParaRPr lang="en-US"/>
+            <a:endParaRPr lang="en-US" dirty="0"/>
           </a:p>
         </p:txBody>
       </p:sp>
@@ -35626,40 +32661,17 @@
             <p:ph type="body" sz="quarter" idx="25"/>
           </p:nvPr>
         </p:nvSpPr>
-        <p:spPr/>
+        <p:spPr>
+          <a:xfrm>
+            <a:off x="6345936" y="2926080"/>
+            <a:ext cx="4366888" cy="502920"/>
+          </a:xfrm>
+        </p:spPr>
         <p:txBody>
           <a:bodyPr/>
           <a:lstStyle/>
           <a:p>
-            <a:endParaRPr lang="en-US"/>
-          </a:p>
-        </p:txBody>
-      </p:sp>
-      <p:sp>
-        <p:nvSpPr>
-          <p:cNvPr id="49" name="Text Placeholder 48">
-            <a:extLst>
-              <a:ext uri="{FF2B5EF4-FFF2-40B4-BE49-F238E27FC236}">
-                <a16:creationId xmlns:a16="http://schemas.microsoft.com/office/drawing/2014/main" id="{8CA99796-00AA-C484-557A-B978DA4DDDCC}"/>
-              </a:ext>
-              <a:ext uri="{C183D7F6-B498-43B3-948B-1728B52AA6E4}">
-                <adec:decorative xmlns:adec="http://schemas.microsoft.com/office/drawing/2017/decorative" xmlns="" val="1"/>
-              </a:ext>
-            </a:extLst>
-          </p:cNvPr>
-          <p:cNvSpPr>
-            <a:spLocks noGrp="1"/>
-          </p:cNvSpPr>
-          <p:nvPr>
-            <p:ph type="body" sz="quarter" idx="26"/>
-          </p:nvPr>
-        </p:nvSpPr>
-        <p:spPr/>
-        <p:txBody>
-          <a:bodyPr/>
-          <a:lstStyle/>
-          <a:p>
-            <a:endParaRPr lang="en-US"/>
+            <a:endParaRPr lang="en-US" dirty="0"/>
           </a:p>
         </p:txBody>
       </p:sp>
@@ -35710,106 +32722,61 @@
         <p:spPr>
           <a:xfrm>
             <a:off x="192525" y="4041648"/>
-            <a:ext cx="2302867" cy="1372519"/>
+            <a:ext cx="2302867" cy="1871472"/>
           </a:xfrm>
         </p:spPr>
         <p:txBody>
           <a:bodyPr/>
           <a:lstStyle/>
           <a:p>
-            <a:pPr marL="285750" indent="-285750">
-              <a:buChar char="•"/>
-            </a:pPr>
-            <a:r>
-              <a:rPr lang="en-US" dirty="0" err="1"/>
+            <a:r>
+              <a:rPr lang="en-US" sz="1100" dirty="0" err="1"/>
               <a:t>Definición</a:t>
             </a:r>
             <a:r>
-              <a:rPr lang="en-US" dirty="0"/>
+              <a:rPr lang="en-US" sz="1100" dirty="0"/>
               <a:t> de roles</a:t>
             </a:r>
           </a:p>
           <a:p>
-            <a:pPr marL="285750" indent="-285750">
-              <a:buChar char="•"/>
-            </a:pPr>
-            <a:r>
-              <a:rPr lang="en-US" dirty="0"/>
+            <a:r>
+              <a:rPr lang="en-US" sz="1100" dirty="0"/>
               <a:t>Implementacion  del stack </a:t>
             </a:r>
             <a:r>
-              <a:rPr lang="en-US" dirty="0" err="1"/>
-              <a:t>tecnoló</a:t>
-            </a:r>
-            <a:r>
-              <a:rPr lang="en-US" dirty="0"/>
-              <a:t> </a:t>
-            </a:r>
-            <a:r>
-              <a:rPr lang="en-US" dirty="0" err="1"/>
-              <a:t>gico</a:t>
-            </a:r>
-            <a:endParaRPr lang="en-US" dirty="0"/>
-          </a:p>
-          <a:p>
-            <a:pPr marL="285750" indent="-285750">
-              <a:buChar char="•"/>
-            </a:pPr>
-            <a:r>
-              <a:rPr lang="en-US" dirty="0" err="1"/>
+              <a:rPr lang="en-US" sz="1100" dirty="0" err="1" smtClean="0"/>
+              <a:t>tecnológico</a:t>
+            </a:r>
+            <a:endParaRPr lang="en-US" sz="1100" dirty="0"/>
+          </a:p>
+          <a:p>
+            <a:r>
+              <a:rPr lang="en-US" sz="1100" dirty="0" err="1"/>
               <a:t>Exploración</a:t>
             </a:r>
             <a:r>
-              <a:rPr lang="en-US" dirty="0"/>
+              <a:rPr lang="en-US" sz="1100" dirty="0"/>
               <a:t> </a:t>
             </a:r>
             <a:r>
-              <a:rPr lang="en-US" dirty="0" err="1"/>
+              <a:rPr lang="en-US" sz="1100" dirty="0" err="1"/>
               <a:t>preliminar</a:t>
             </a:r>
             <a:r>
-              <a:rPr lang="en-US" dirty="0"/>
+              <a:rPr lang="en-US" sz="1100" dirty="0"/>
               <a:t> de </a:t>
             </a:r>
             <a:r>
-              <a:rPr lang="en-US" dirty="0" err="1"/>
+              <a:rPr lang="en-US" sz="1100" dirty="0" err="1"/>
               <a:t>datos</a:t>
             </a:r>
             <a:r>
-              <a:rPr lang="en-US" dirty="0"/>
+              <a:rPr lang="en-US" sz="1100" dirty="0"/>
               <a:t>.</a:t>
             </a:r>
           </a:p>
           <a:p>
-            <a:endParaRPr lang="en-US" dirty="0"/>
-          </a:p>
-        </p:txBody>
-      </p:sp>
-      <p:sp>
-        <p:nvSpPr>
-          <p:cNvPr id="9" name="Text Placeholder 8">
-            <a:extLst>
-              <a:ext uri="{FF2B5EF4-FFF2-40B4-BE49-F238E27FC236}">
-                <a16:creationId xmlns:a16="http://schemas.microsoft.com/office/drawing/2014/main" id="{345C6D13-CF93-C1B2-1F70-67C4F6E71841}"/>
-              </a:ext>
-            </a:extLst>
-          </p:cNvPr>
-          <p:cNvSpPr>
-            <a:spLocks noGrp="1"/>
-          </p:cNvSpPr>
-          <p:nvPr>
-            <p:ph type="body" sz="quarter" idx="16"/>
-          </p:nvPr>
-        </p:nvSpPr>
-        <p:spPr/>
-        <p:txBody>
-          <a:bodyPr/>
-          <a:lstStyle/>
-          <a:p>
-            <a:r>
-              <a:rPr lang="en-US" dirty="0"/>
-              <a:t>2</a:t>
-            </a:r>
+            <a:endParaRPr lang="en-US" sz="1100" dirty="0"/>
           </a:p>
         </p:txBody>
       </p:sp>
@@ -35840,72 +32807,57 @@
           <a:lstStyle/>
           <a:p>
             <a:r>
-              <a:rPr lang="en-US" dirty="0" err="1"/>
+              <a:rPr lang="en-US" sz="1100" dirty="0" err="1"/>
               <a:t>Definición</a:t>
             </a:r>
             <a:r>
-              <a:rPr lang="en-US" dirty="0"/>
+              <a:rPr lang="en-US" sz="1100" dirty="0"/>
               <a:t> de: </a:t>
             </a:r>
-            <a:endParaRPr lang="es-ES" dirty="0"/>
-          </a:p>
-          <a:p>
-            <a:pPr marL="285750" indent="-285750">
-              <a:buChar char="•"/>
-            </a:pPr>
-            <a:r>
-              <a:rPr lang="en-US" err="1"/>
+            <a:endParaRPr lang="es-ES" sz="1100" dirty="0"/>
+          </a:p>
+          <a:p>
+            <a:r>
+              <a:rPr lang="en-US" sz="1100" dirty="0" err="1"/>
               <a:t>Preguntas</a:t>
             </a:r>
             <a:r>
-              <a:rPr lang="en-US" dirty="0"/>
+              <a:rPr lang="en-US" sz="1100" dirty="0"/>
               <a:t> claves de </a:t>
             </a:r>
             <a:r>
-              <a:rPr lang="en-US" err="1"/>
+              <a:rPr lang="en-US" sz="1100" dirty="0" err="1"/>
               <a:t>negocio</a:t>
             </a:r>
-            <a:endParaRPr lang="es-ES" err="1"/>
-          </a:p>
-          <a:p>
-            <a:pPr marL="285750" indent="-285750">
-              <a:buChar char="•"/>
-            </a:pPr>
-            <a:r>
-              <a:rPr lang="en-US" dirty="0" err="1"/>
+            <a:endParaRPr lang="es-ES" sz="1100" dirty="0"/>
+          </a:p>
+          <a:p>
+            <a:r>
+              <a:rPr lang="en-US" sz="1100" dirty="0" err="1"/>
               <a:t>Objetivos</a:t>
             </a:r>
-            <a:endParaRPr lang="es-ES" dirty="0" err="1"/>
-          </a:p>
-          <a:p>
-            <a:pPr marL="285750" indent="-285750">
-              <a:buChar char="•"/>
-            </a:pPr>
-            <a:r>
-              <a:rPr lang="en-US" dirty="0" err="1"/>
+            <a:endParaRPr lang="es-ES" sz="1100" dirty="0" err="1"/>
+          </a:p>
+          <a:p>
+            <a:r>
+              <a:rPr lang="en-US" sz="1100" dirty="0" err="1"/>
               <a:t>Alcance</a:t>
             </a:r>
-            <a:endParaRPr lang="es-ES" dirty="0" err="1"/>
-          </a:p>
-          <a:p>
-            <a:pPr marL="285750" indent="-285750">
-              <a:buChar char="•"/>
-            </a:pPr>
-            <a:r>
-              <a:rPr lang="en-US" dirty="0"/>
+            <a:endParaRPr lang="es-ES" sz="1100" dirty="0" err="1"/>
+          </a:p>
+          <a:p>
+            <a:r>
+              <a:rPr lang="en-US" sz="1100" dirty="0"/>
               <a:t>KPI's</a:t>
             </a:r>
           </a:p>
           <a:p>
-            <a:pPr marL="285750" indent="-285750">
-              <a:buChar char="•"/>
-            </a:pPr>
-            <a:r>
-              <a:rPr lang="en-US" dirty="0"/>
+            <a:r>
+              <a:rPr lang="en-US" sz="1100" dirty="0"/>
               <a:t>Primera </a:t>
             </a:r>
             <a:r>
-              <a:rPr lang="en-US" dirty="0" err="1"/>
+              <a:rPr lang="en-US" sz="1100" dirty="0" err="1"/>
               <a:t>presentación</a:t>
             </a:r>
           </a:p>
@@ -35934,8 +32886,9 @@
           <a:p>
             <a:r>
               <a:rPr lang="en-US" dirty="0"/>
-              <a:t>3</a:t>
-            </a:r>
+              <a:t>2</a:t>
+            </a:r>
+            <a:endParaRPr lang="en-US" dirty="0"/>
           </a:p>
         </p:txBody>
       </p:sp>
@@ -35965,102 +32918,105 @@
           <a:bodyPr/>
           <a:lstStyle/>
           <a:p>
-            <a:pPr marL="285750" indent="-285750">
-              <a:buChar char="•"/>
-            </a:pPr>
-            <a:r>
-              <a:rPr lang="en-US" dirty="0" err="1"/>
+            <a:r>
+              <a:rPr lang="en-US" sz="1100" dirty="0" err="1"/>
               <a:t>Análisis</a:t>
             </a:r>
             <a:r>
-              <a:rPr lang="en-US" dirty="0"/>
+              <a:rPr lang="en-US" sz="1100" dirty="0"/>
               <a:t> </a:t>
             </a:r>
             <a:r>
-              <a:rPr lang="en-US" dirty="0" err="1"/>
+              <a:rPr lang="en-US" sz="1100" dirty="0" err="1"/>
               <a:t>detalla</a:t>
             </a:r>
             <a:r>
-              <a:rPr lang="en-US" dirty="0"/>
+              <a:rPr lang="en-US" sz="1100" dirty="0"/>
               <a:t> do de </a:t>
             </a:r>
             <a:r>
-              <a:rPr lang="en-US" dirty="0" err="1"/>
+              <a:rPr lang="en-US" sz="1100" dirty="0" err="1"/>
               <a:t>datos</a:t>
             </a:r>
-            <a:endParaRPr lang="es-ES" dirty="0" err="1"/>
-          </a:p>
-          <a:p>
-            <a:pPr marL="285750" indent="-285750">
-              <a:buChar char="•"/>
-            </a:pPr>
-            <a:r>
-              <a:rPr lang="en-US" dirty="0"/>
-              <a:t>Implementacion de KPI's</a:t>
-            </a:r>
-            <a:endParaRPr lang="es-ES" dirty="0"/>
-          </a:p>
-          <a:p>
-            <a:pPr marL="285750" indent="-285750">
-              <a:buChar char="•"/>
-            </a:pPr>
-            <a:r>
-              <a:rPr lang="en-US" dirty="0"/>
-              <a:t>Construccion de </a:t>
-            </a:r>
-            <a:r>
-              <a:rPr lang="en-US" dirty="0" err="1"/>
+            <a:endParaRPr lang="es-ES" sz="1100" dirty="0" err="1"/>
+          </a:p>
+          <a:p>
+            <a:r>
+              <a:rPr lang="en-US" sz="1100" dirty="0" err="1" smtClean="0"/>
+              <a:t>Construccion</a:t>
+            </a:r>
+            <a:r>
+              <a:rPr lang="en-US" sz="1100" dirty="0" smtClean="0"/>
+              <a:t> </a:t>
+            </a:r>
+            <a:r>
+              <a:rPr lang="en-US" sz="1100" dirty="0"/>
+              <a:t>de </a:t>
+            </a:r>
+            <a:r>
+              <a:rPr lang="en-US" sz="1100" dirty="0" err="1"/>
               <a:t>Modelos</a:t>
             </a:r>
             <a:r>
-              <a:rPr lang="en-US" dirty="0"/>
-              <a:t> de ML</a:t>
-            </a:r>
-            <a:endParaRPr lang="es-ES"/>
-          </a:p>
-          <a:p>
-            <a:pPr marL="285750" indent="-285750">
-              <a:buChar char="•"/>
-            </a:pPr>
-            <a:r>
-              <a:rPr lang="en-US" dirty="0"/>
-              <a:t>Segunda </a:t>
-            </a:r>
-            <a:r>
-              <a:rPr lang="en-US" dirty="0" err="1"/>
+              <a:rPr lang="en-US" sz="1100" dirty="0"/>
+              <a:t> de </a:t>
+            </a:r>
+            <a:r>
+              <a:rPr lang="en-US" sz="1100" dirty="0" smtClean="0"/>
+              <a:t>ML</a:t>
+            </a:r>
+            <a:r>
+              <a:rPr lang="en-US" sz="1100" dirty="0"/>
+              <a:t/>
+            </a:r>
+            <a:br>
+              <a:rPr lang="en-US" sz="1100" dirty="0"/>
+            </a:br>
+            <a:r>
+              <a:rPr lang="en-US" sz="1100" dirty="0" err="1" smtClean="0"/>
+              <a:t>Levantar</a:t>
+            </a:r>
+            <a:r>
+              <a:rPr lang="en-US" sz="1100" dirty="0" smtClean="0"/>
+              <a:t> Apache Airflow</a:t>
+            </a:r>
+          </a:p>
+          <a:p>
+            <a:r>
+              <a:rPr lang="en-US" sz="1100" dirty="0" err="1" smtClean="0"/>
+              <a:t>Conectar</a:t>
+            </a:r>
+            <a:r>
+              <a:rPr lang="en-US" sz="1100" dirty="0" smtClean="0"/>
+              <a:t> con </a:t>
+            </a:r>
+            <a:r>
+              <a:rPr lang="en-US" sz="1100" dirty="0" err="1" smtClean="0"/>
+              <a:t>Pycaret</a:t>
+            </a:r>
+            <a:r>
+              <a:rPr lang="en-US" sz="1100" dirty="0"/>
+              <a:t/>
+            </a:r>
+            <a:br>
+              <a:rPr lang="en-US" sz="1100" dirty="0"/>
+            </a:br>
+            <a:r>
+              <a:rPr lang="en-US" sz="1100" dirty="0" err="1" smtClean="0"/>
+              <a:t>Segunda</a:t>
+            </a:r>
+            <a:r>
+              <a:rPr lang="en-US" sz="1100" dirty="0" smtClean="0"/>
+              <a:t> </a:t>
+            </a:r>
+            <a:r>
+              <a:rPr lang="en-US" sz="1100" dirty="0" err="1"/>
               <a:t>presentación</a:t>
             </a:r>
-          </a:p>
-          <a:p>
-            <a:endParaRPr lang="en-US" dirty="0"/>
-          </a:p>
-        </p:txBody>
-      </p:sp>
-      <p:sp>
-        <p:nvSpPr>
-          <p:cNvPr id="11" name="Text Placeholder 10">
-            <a:extLst>
-              <a:ext uri="{FF2B5EF4-FFF2-40B4-BE49-F238E27FC236}">
-                <a16:creationId xmlns:a16="http://schemas.microsoft.com/office/drawing/2014/main" id="{6450CD75-C694-C125-BD13-EF17DEB46B25}"/>
-              </a:ext>
-            </a:extLst>
-          </p:cNvPr>
-          <p:cNvSpPr>
-            <a:spLocks noGrp="1"/>
-          </p:cNvSpPr>
-          <p:nvPr>
-            <p:ph type="body" sz="quarter" idx="18"/>
-          </p:nvPr>
-        </p:nvSpPr>
-        <p:spPr/>
-        <p:txBody>
-          <a:bodyPr/>
-          <a:lstStyle/>
-          <a:p>
-            <a:r>
-              <a:rPr lang="en-US" dirty="0"/>
-              <a:t>4</a:t>
-            </a:r>
+            <a:endParaRPr lang="en-US" sz="1100" dirty="0"/>
+          </a:p>
+          <a:p>
+            <a:endParaRPr lang="en-US" sz="1100" dirty="0"/>
           </a:p>
         </p:txBody>
       </p:sp>
@@ -36090,59 +33046,50 @@
           <a:bodyPr/>
           <a:lstStyle/>
           <a:p>
-            <a:pPr marL="285750" indent="-285750">
-              <a:buChar char="•"/>
-            </a:pPr>
-            <a:r>
-              <a:rPr lang="en-US" dirty="0"/>
+            <a:r>
+              <a:rPr lang="en-US" sz="1100" dirty="0"/>
               <a:t>Construccion de dashboards</a:t>
             </a:r>
-            <a:endParaRPr lang="es-ES" dirty="0"/>
-          </a:p>
-          <a:p>
-            <a:pPr marL="285750" indent="-285750">
-              <a:buChar char="•"/>
-            </a:pPr>
-            <a:r>
-              <a:rPr lang="en-US" dirty="0" err="1"/>
+            <a:endParaRPr lang="es-ES" sz="1100" dirty="0"/>
+          </a:p>
+          <a:p>
+            <a:r>
+              <a:rPr lang="en-US" sz="1100" dirty="0" err="1"/>
               <a:t>Refinamiento</a:t>
             </a:r>
             <a:r>
-              <a:rPr lang="en-US" dirty="0"/>
+              <a:rPr lang="en-US" sz="1100" dirty="0"/>
               <a:t> de </a:t>
             </a:r>
             <a:r>
-              <a:rPr lang="en-US" dirty="0" err="1"/>
+              <a:rPr lang="en-US" sz="1100" dirty="0" err="1"/>
               <a:t>modelos</a:t>
             </a:r>
             <a:r>
-              <a:rPr lang="en-US" dirty="0"/>
+              <a:rPr lang="en-US" sz="1100" dirty="0"/>
               <a:t> de ML</a:t>
             </a:r>
-            <a:endParaRPr lang="es-ES" dirty="0"/>
-          </a:p>
-          <a:p>
-            <a:pPr marL="285750" indent="-285750">
-              <a:buChar char="•"/>
-            </a:pPr>
-            <a:r>
-              <a:rPr lang="en-US" dirty="0"/>
+            <a:endParaRPr lang="es-ES" sz="1100" dirty="0"/>
+          </a:p>
+          <a:p>
+            <a:r>
+              <a:rPr lang="en-US" sz="1100" dirty="0"/>
               <a:t>Construccion de </a:t>
             </a:r>
             <a:r>
-              <a:rPr lang="en-US" dirty="0" err="1"/>
+              <a:rPr lang="en-US" sz="1100" dirty="0" err="1"/>
               <a:t>estrategia</a:t>
             </a:r>
             <a:r>
-              <a:rPr lang="en-US" dirty="0"/>
+              <a:rPr lang="en-US" sz="1100" dirty="0"/>
               <a:t> </a:t>
             </a:r>
             <a:r>
-              <a:rPr lang="en-US" dirty="0" err="1"/>
+              <a:rPr lang="en-US" sz="1100" dirty="0" err="1"/>
               <a:t>definitiva</a:t>
             </a:r>
             <a:r>
-              <a:rPr lang="en-US" dirty="0"/>
+              <a:rPr lang="en-US" sz="1100" dirty="0"/>
               <a:t> </a:t>
             </a:r>
           </a:p>
@@ -36171,8 +33118,9 @@
           <a:p>
             <a:r>
               <a:rPr lang="en-US" dirty="0"/>
-              <a:t>5</a:t>
-            </a:r>
+              <a:t>3</a:t>
+            </a:r>
+            <a:endParaRPr lang="en-US" dirty="0"/>
           </a:p>
         </p:txBody>
       </p:sp>
@@ -36202,55 +33150,46 @@
           <a:bodyPr/>
           <a:lstStyle/>
           <a:p>
-            <a:pPr marL="285750" indent="-285750">
-              <a:buChar char="•"/>
-            </a:pPr>
-            <a:r>
-              <a:rPr lang="en-US" err="1"/>
+            <a:r>
+              <a:rPr lang="en-US" sz="1100" dirty="0" err="1"/>
               <a:t>Refinamiento</a:t>
             </a:r>
             <a:r>
-              <a:rPr lang="en-US" dirty="0"/>
+              <a:rPr lang="en-US" sz="1100" dirty="0"/>
               <a:t> de dashboards</a:t>
             </a:r>
-            <a:endParaRPr lang="es-ES"/>
-          </a:p>
-          <a:p>
-            <a:pPr marL="285750" indent="-285750">
-              <a:buChar char="•"/>
-            </a:pPr>
-            <a:r>
-              <a:rPr lang="en-US" err="1"/>
+            <a:endParaRPr lang="es-ES" sz="1100" dirty="0"/>
+          </a:p>
+          <a:p>
+            <a:r>
+              <a:rPr lang="en-US" sz="1100" dirty="0" err="1"/>
               <a:t>Preparacion</a:t>
             </a:r>
             <a:r>
-              <a:rPr lang="en-US" dirty="0"/>
+              <a:rPr lang="en-US" sz="1100" dirty="0"/>
               <a:t> de </a:t>
             </a:r>
             <a:r>
-              <a:rPr lang="en-US" err="1"/>
+              <a:rPr lang="en-US" sz="1100" dirty="0" err="1"/>
               <a:t>entregables</a:t>
             </a:r>
             <a:r>
-              <a:rPr lang="en-US" dirty="0"/>
+              <a:rPr lang="en-US" sz="1100" dirty="0"/>
               <a:t> finales</a:t>
             </a:r>
           </a:p>
           <a:p>
-            <a:pPr marL="285750" indent="-285750">
-              <a:buChar char="•"/>
-            </a:pPr>
-            <a:r>
-              <a:rPr lang="en-US" err="1"/>
+            <a:r>
+              <a:rPr lang="en-US" sz="1100" dirty="0" err="1"/>
               <a:t>Presentacion</a:t>
             </a:r>
             <a:r>
-              <a:rPr lang="en-US" dirty="0"/>
+              <a:rPr lang="en-US" sz="1100" dirty="0"/>
               <a:t> final</a:t>
             </a:r>
           </a:p>
           <a:p>
-            <a:endParaRPr lang="en-US" dirty="0"/>
+            <a:endParaRPr lang="en-US" sz="1100" dirty="0"/>
           </a:p>
         </p:txBody>
       </p:sp>
@@ -40216,10 +37155,10 @@
       </p:grpSpPr>
       <p:sp>
         <p:nvSpPr>
-          <p:cNvPr id="3" name="Title 2">
+          <p:cNvPr id="11" name="Title 10">
             <a:extLst>
               <a:ext uri="{FF2B5EF4-FFF2-40B4-BE49-F238E27FC236}">
-                <a16:creationId xmlns:a16="http://schemas.microsoft.com/office/drawing/2014/main" id="{1945C2F8-2E24-F46B-AC7B-3070B381497A}"/>
+                <a16:creationId xmlns:a16="http://schemas.microsoft.com/office/drawing/2014/main" id="{CFC65B13-DBA7-CB3E-F251-880122C1E57B}"/>
               </a:ext>
             </a:extLst>
           </p:cNvPr>
@@ -40237,17 +37176,48 @@
           <a:p>
             <a:r>
               <a:rPr lang="en-US" dirty="0"/>
-              <a:t>Thank you</a:t>
+              <a:t>Plan for product launch</a:t>
             </a:r>
           </a:p>
         </p:txBody>
       </p:sp>
+      <p:graphicFrame>
+        <p:nvGraphicFramePr>
+          <p:cNvPr id="7" name="Content Placeholder 3" descr="Timeline Placeholder ">
+            <a:extLst>
+              <a:ext uri="{FF2B5EF4-FFF2-40B4-BE49-F238E27FC236}">
+                <a16:creationId xmlns:a16="http://schemas.microsoft.com/office/drawing/2014/main" id="{3033222B-8F61-7CC1-AF3E-1B1B8047ABE0}"/>
+              </a:ext>
+            </a:extLst>
+          </p:cNvPr>
+          <p:cNvGraphicFramePr>
+            <a:graphicFrameLocks noGrp="1"/>
+          </p:cNvGraphicFramePr>
+          <p:nvPr>
+            <p:ph idx="1"/>
+            <p:extLst>
+              <p:ext uri="{D42A27DB-BD31-4B8C-83A1-F6EECF244321}">
+                <p14:modId xmlns:p14="http://schemas.microsoft.com/office/powerpoint/2010/main" val="28401819"/>
+              </p:ext>
+            </p:extLst>
+          </p:nvPr>
+        </p:nvGraphicFramePr>
+        <p:xfrm>
+          <a:off x="1665288" y="1825625"/>
+          <a:ext cx="8861425" cy="4351338"/>
+        </p:xfrm>
+        <a:graphic>
+          <a:graphicData uri="http://schemas.openxmlformats.org/drawingml/2006/diagram">
+            <dgm:relIds xmlns:dgm="http://schemas.openxmlformats.org/drawingml/2006/diagram" xmlns:r="http://schemas.openxmlformats.org/officeDocument/2006/relationships" r:dm="rId3" r:lo="rId4" r:qs="rId5" r:cs="rId6"/>
+          </a:graphicData>
+        </a:graphic>
+      </p:graphicFrame>
       <p:sp>
         <p:nvSpPr>
-          <p:cNvPr id="6" name="Text Placeholder 5">
+          <p:cNvPr id="9" name="Text Placeholder 8">
             <a:extLst>
               <a:ext uri="{FF2B5EF4-FFF2-40B4-BE49-F238E27FC236}">
-                <a16:creationId xmlns:a16="http://schemas.microsoft.com/office/drawing/2014/main" id="{7DA212DC-D3DD-DD6B-D644-0F7B9BA98E17}"/>
+                <a16:creationId xmlns:a16="http://schemas.microsoft.com/office/drawing/2014/main" id="{32C92178-B239-AAAD-CF10-C0CD04C1BAE9}"/>
               </a:ext>
             </a:extLst>
           </p:cNvPr>
@@ -40255,7 +37225,7 @@
             <a:spLocks noGrp="1"/>
           </p:cNvSpPr>
           <p:nvPr>
-            <p:ph type="body" idx="1"/>
+            <p:ph type="body" sz="quarter" idx="13"/>
           </p:nvPr>
         </p:nvSpPr>
         <p:spPr/>
@@ -40263,29 +37233,44 @@
           <a:bodyPr/>
           <a:lstStyle/>
           <a:p>
-            <a:r>
-              <a:rPr lang="en-US" dirty="0"/>
-              <a:t>Mirjam Nilsson​</a:t>
-            </a:r>
-          </a:p>
-          <a:p>
-            <a:r>
-              <a:rPr lang="en-US" dirty="0"/>
-              <a:t>mirjam@contoso.com</a:t>
-            </a:r>
-          </a:p>
-          <a:p>
-            <a:r>
-              <a:rPr lang="en-US" dirty="0"/>
-              <a:t>www.contoso.com</a:t>
-            </a:r>
+            <a:endParaRPr lang="en-US" dirty="0"/>
+          </a:p>
+        </p:txBody>
+      </p:sp>
+      <p:sp>
+        <p:nvSpPr>
+          <p:cNvPr id="4" name="Slide Number Placeholder 3">
+            <a:extLst>
+              <a:ext uri="{FF2B5EF4-FFF2-40B4-BE49-F238E27FC236}">
+                <a16:creationId xmlns:a16="http://schemas.microsoft.com/office/drawing/2014/main" id="{5701003A-1258-C8AB-E292-CE0E5E612BCF}"/>
+              </a:ext>
+            </a:extLst>
+          </p:cNvPr>
+          <p:cNvSpPr>
+            <a:spLocks noGrp="1"/>
+          </p:cNvSpPr>
+          <p:nvPr>
+            <p:ph type="sldNum" sz="quarter" idx="15"/>
+          </p:nvPr>
+        </p:nvSpPr>
+        <p:spPr/>
+        <p:txBody>
+          <a:bodyPr/>
+          <a:lstStyle/>
+          <a:p>
+            <a:fld id="{CC43B8D3-9A08-F84C-9DD4-44948BA52D4B}" type="slidenum">
+              <a:rPr lang="en-US" smtClean="0"/>
+              <a:pPr/>
+              <a:t>22</a:t>
+            </a:fld>
+            <a:endParaRPr lang="en-US" dirty="0"/>
           </a:p>
         </p:txBody>
       </p:sp>
     </p:spTree>
     <p:extLst>
       <p:ext uri="{BB962C8B-B14F-4D97-AF65-F5344CB8AC3E}">
-        <p14:creationId xmlns:p14="http://schemas.microsoft.com/office/powerpoint/2010/main" val="3161219934"/>
+        <p14:creationId xmlns:p14="http://schemas.microsoft.com/office/powerpoint/2010/main" val="1514052440"/>
       </p:ext>
     </p:extLst>
   </p:cSld>
@@ -40298,14 +37283,6 @@
 <file path=ppt/slides/slide23.xml><?xml version="1.0" encoding="utf-8"?>
 <p:sld xmlns:a="http://schemas.openxmlformats.org/drawingml/2006/main" xmlns:r="http://schemas.openxmlformats.org/officeDocument/2006/relationships" xmlns:p="http://schemas.openxmlformats.org/presentationml/2006/main">
   <p:cSld>
-    <p:bg>
-      <p:bgPr>
-        <a:solidFill>
-          <a:schemeClr val="bg2"/>
-        </a:solidFill>
-        <a:effectLst/>
-      </p:bgPr>
-    </p:bg>
     <p:spTree>
       <p:nvGrpSpPr>
         <p:cNvPr id="1" name=""/>
@@ -40322,10 +37299,10 @@
       </p:grpSpPr>
       <p:sp>
         <p:nvSpPr>
-          <p:cNvPr id="3" name="Title 2">
+          <p:cNvPr id="6" name="Title 5">
             <a:extLst>
               <a:ext uri="{FF2B5EF4-FFF2-40B4-BE49-F238E27FC236}">
-                <a16:creationId xmlns:a16="http://schemas.microsoft.com/office/drawing/2014/main" id="{1945C2F8-2E24-F46B-AC7B-3070B381497A}"/>
+                <a16:creationId xmlns:a16="http://schemas.microsoft.com/office/drawing/2014/main" id="{9B8D1C32-CEDB-F6E2-A01E-72AE1A1D0AD9}"/>
               </a:ext>
             </a:extLst>
           </p:cNvPr>
@@ -40343,17 +37320,72 @@
           <a:p>
             <a:r>
               <a:rPr lang="en-US" dirty="0"/>
-              <a:t>Thank you</a:t>
+              <a:t>Areas of focus</a:t>
             </a:r>
           </a:p>
         </p:txBody>
       </p:sp>
       <p:sp>
         <p:nvSpPr>
-          <p:cNvPr id="6" name="Text Placeholder 5">
+          <p:cNvPr id="20" name="Text Placeholder 19">
             <a:extLst>
               <a:ext uri="{FF2B5EF4-FFF2-40B4-BE49-F238E27FC236}">
-                <a16:creationId xmlns:a16="http://schemas.microsoft.com/office/drawing/2014/main" id="{7DA212DC-D3DD-DD6B-D644-0F7B9BA98E17}"/>
+                <a16:creationId xmlns:a16="http://schemas.microsoft.com/office/drawing/2014/main" id="{7D61BAD3-11BF-AA74-F4B3-2ABC02077200}"/>
+              </a:ext>
+            </a:extLst>
+          </p:cNvPr>
+          <p:cNvSpPr>
+            <a:spLocks noGrp="1"/>
+          </p:cNvSpPr>
+          <p:nvPr>
+            <p:ph type="body" sz="quarter" idx="13"/>
+          </p:nvPr>
+        </p:nvSpPr>
+        <p:spPr/>
+        <p:txBody>
+          <a:bodyPr/>
+          <a:lstStyle/>
+          <a:p>
+            <a:endParaRPr lang="en-US" dirty="0"/>
+          </a:p>
+        </p:txBody>
+      </p:sp>
+      <p:sp>
+        <p:nvSpPr>
+          <p:cNvPr id="11" name="Slide Number Placeholder 10">
+            <a:extLst>
+              <a:ext uri="{FF2B5EF4-FFF2-40B4-BE49-F238E27FC236}">
+                <a16:creationId xmlns:a16="http://schemas.microsoft.com/office/drawing/2014/main" id="{517F181E-B3F5-EEEB-086C-37ADB367909B}"/>
+              </a:ext>
+            </a:extLst>
+          </p:cNvPr>
+          <p:cNvSpPr>
+            <a:spLocks noGrp="1"/>
+          </p:cNvSpPr>
+          <p:nvPr>
+            <p:ph type="sldNum" sz="quarter" idx="15"/>
+          </p:nvPr>
+        </p:nvSpPr>
+        <p:spPr/>
+        <p:txBody>
+          <a:bodyPr/>
+          <a:lstStyle/>
+          <a:p>
+            <a:fld id="{CC43B8D3-9A08-F84C-9DD4-44948BA52D4B}" type="slidenum">
+              <a:rPr lang="en-US" smtClean="0"/>
+              <a:pPr/>
+              <a:t>23</a:t>
+            </a:fld>
+            <a:endParaRPr lang="en-US" dirty="0"/>
+          </a:p>
+        </p:txBody>
+      </p:sp>
+      <p:sp>
+        <p:nvSpPr>
+          <p:cNvPr id="2" name="Text Placeholder 1">
+            <a:extLst>
+              <a:ext uri="{FF2B5EF4-FFF2-40B4-BE49-F238E27FC236}">
+                <a16:creationId xmlns:a16="http://schemas.microsoft.com/office/drawing/2014/main" id="{E19E3B76-8ECB-55B1-220A-C239EEC5A854}"/>
               </a:ext>
             </a:extLst>
           </p:cNvPr>
@@ -40371,19 +37403,124 @@
           <a:p>
             <a:r>
               <a:rPr lang="en-US" dirty="0"/>
-              <a:t>Mirjam Nilsson​</a:t>
-            </a:r>
-          </a:p>
-          <a:p>
-            <a:r>
+              <a:t>B2B market </a:t>
+            </a:r>
+            <a:br>
               <a:rPr lang="en-US" dirty="0"/>
-              <a:t>mirjam@contoso.com</a:t>
-            </a:r>
-          </a:p>
-          <a:p>
+            </a:br>
             <a:r>
               <a:rPr lang="en-US" dirty="0"/>
-              <a:t>www.contoso.com</a:t>
+              <a:t>scenarios</a:t>
+            </a:r>
+          </a:p>
+        </p:txBody>
+      </p:sp>
+      <p:sp>
+        <p:nvSpPr>
+          <p:cNvPr id="3" name="Content Placeholder 2">
+            <a:extLst>
+              <a:ext uri="{FF2B5EF4-FFF2-40B4-BE49-F238E27FC236}">
+                <a16:creationId xmlns:a16="http://schemas.microsoft.com/office/drawing/2014/main" id="{F5648B9B-6F61-26FD-880B-5CFAA0499A66}"/>
+              </a:ext>
+            </a:extLst>
+          </p:cNvPr>
+          <p:cNvSpPr>
+            <a:spLocks noGrp="1"/>
+          </p:cNvSpPr>
+          <p:nvPr>
+            <p:ph sz="half" idx="2"/>
+          </p:nvPr>
+        </p:nvSpPr>
+        <p:spPr/>
+        <p:txBody>
+          <a:bodyPr>
+            <a:normAutofit lnSpcReduction="10000"/>
+          </a:bodyPr>
+          <a:lstStyle/>
+          <a:p>
+            <a:r>
+              <a:rPr lang="en-US" dirty="0"/>
+              <a:t>Develop winning strategies to keep ahead of the competition​</a:t>
+            </a:r>
+          </a:p>
+          <a:p>
+            <a:r>
+              <a:rPr lang="en-US" dirty="0"/>
+              <a:t>Capitalize on low-hanging fruit to identify a ballpark value​</a:t>
+            </a:r>
+          </a:p>
+          <a:p>
+            <a:r>
+              <a:rPr lang="en-US" dirty="0"/>
+              <a:t>Visualize customer directed convergence</a:t>
+            </a:r>
+          </a:p>
+        </p:txBody>
+      </p:sp>
+      <p:sp>
+        <p:nvSpPr>
+          <p:cNvPr id="4" name="Text Placeholder 3">
+            <a:extLst>
+              <a:ext uri="{FF2B5EF4-FFF2-40B4-BE49-F238E27FC236}">
+                <a16:creationId xmlns:a16="http://schemas.microsoft.com/office/drawing/2014/main" id="{6A05B717-5038-0070-60FC-634FA9998FA6}"/>
+              </a:ext>
+            </a:extLst>
+          </p:cNvPr>
+          <p:cNvSpPr>
+            <a:spLocks noGrp="1"/>
+          </p:cNvSpPr>
+          <p:nvPr>
+            <p:ph type="body" sz="quarter" idx="3"/>
+          </p:nvPr>
+        </p:nvSpPr>
+        <p:spPr/>
+        <p:txBody>
+          <a:bodyPr/>
+          <a:lstStyle/>
+          <a:p>
+            <a:r>
+              <a:rPr lang="en-US" dirty="0"/>
+              <a:t>Cloud-based </a:t>
+            </a:r>
+          </a:p>
+          <a:p>
+            <a:r>
+              <a:rPr lang="en-US" dirty="0"/>
+              <a:t>opportunities</a:t>
+            </a:r>
+          </a:p>
+        </p:txBody>
+      </p:sp>
+      <p:sp>
+        <p:nvSpPr>
+          <p:cNvPr id="14" name="Content Placeholder 13">
+            <a:extLst>
+              <a:ext uri="{FF2B5EF4-FFF2-40B4-BE49-F238E27FC236}">
+                <a16:creationId xmlns:a16="http://schemas.microsoft.com/office/drawing/2014/main" id="{09DD5B6E-5EB4-E24C-F029-D11B31418E41}"/>
+              </a:ext>
+            </a:extLst>
+          </p:cNvPr>
+          <p:cNvSpPr>
+            <a:spLocks noGrp="1"/>
+          </p:cNvSpPr>
+          <p:nvPr>
+            <p:ph sz="quarter" idx="4"/>
+          </p:nvPr>
+        </p:nvSpPr>
+        <p:spPr/>
+        <p:txBody>
+          <a:bodyPr/>
+          <a:lstStyle/>
+          <a:p>
+            <a:r>
+              <a:rPr lang="en-US" dirty="0"/>
+              <a:t>Iterative approaches to corporate strategy </a:t>
+            </a:r>
+          </a:p>
+          <a:p>
+            <a:r>
+              <a:rPr lang="en-US" dirty="0"/>
+              <a:t>Establish a management framework from the inside</a:t>
             </a:r>
           </a:p>
         </p:txBody>
@@ -40391,7 +37528,7 @@
     </p:spTree>
     <p:extLst>
       <p:ext uri="{BB962C8B-B14F-4D97-AF65-F5344CB8AC3E}">
-        <p14:creationId xmlns:p14="http://schemas.microsoft.com/office/powerpoint/2010/main" val="1895671599"/>
+        <p14:creationId xmlns:p14="http://schemas.microsoft.com/office/powerpoint/2010/main" val="622709411"/>
       </p:ext>
     </p:extLst>
   </p:cSld>
@@ -40404,14 +37541,6 @@
 <file path=ppt/slides/slide24.xml><?xml version="1.0" encoding="utf-8"?>
 <p:sld xmlns:a="http://schemas.openxmlformats.org/drawingml/2006/main" xmlns:r="http://schemas.openxmlformats.org/officeDocument/2006/relationships" xmlns:p="http://schemas.openxmlformats.org/presentationml/2006/main">
   <p:cSld>
-    <p:bg>
-      <p:bgPr>
-        <a:solidFill>
-          <a:schemeClr val="bg2"/>
-        </a:solidFill>
-        <a:effectLst/>
-      </p:bgPr>
-    </p:bg>
     <p:spTree>
       <p:nvGrpSpPr>
         <p:cNvPr id="1" name=""/>
@@ -40428,10 +37557,10 @@
       </p:grpSpPr>
       <p:sp>
         <p:nvSpPr>
-          <p:cNvPr id="3" name="Title 2">
+          <p:cNvPr id="6" name="Title 5">
             <a:extLst>
               <a:ext uri="{FF2B5EF4-FFF2-40B4-BE49-F238E27FC236}">
-                <a16:creationId xmlns:a16="http://schemas.microsoft.com/office/drawing/2014/main" id="{1945C2F8-2E24-F46B-AC7B-3070B381497A}"/>
+                <a16:creationId xmlns:a16="http://schemas.microsoft.com/office/drawing/2014/main" id="{9B8D1C32-CEDB-F6E2-A01E-72AE1A1D0AD9}"/>
               </a:ext>
             </a:extLst>
           </p:cNvPr>
@@ -40449,17 +37578,72 @@
           <a:p>
             <a:r>
               <a:rPr lang="en-US" dirty="0"/>
-              <a:t>Thank you</a:t>
+              <a:t>How we get there</a:t>
             </a:r>
           </a:p>
         </p:txBody>
       </p:sp>
       <p:sp>
         <p:nvSpPr>
-          <p:cNvPr id="6" name="Text Placeholder 5">
+          <p:cNvPr id="5" name="Text Placeholder 4">
             <a:extLst>
               <a:ext uri="{FF2B5EF4-FFF2-40B4-BE49-F238E27FC236}">
-                <a16:creationId xmlns:a16="http://schemas.microsoft.com/office/drawing/2014/main" id="{7DA212DC-D3DD-DD6B-D644-0F7B9BA98E17}"/>
+                <a16:creationId xmlns:a16="http://schemas.microsoft.com/office/drawing/2014/main" id="{734A42FB-888D-4842-C0C0-A6E92ABE149D}"/>
+              </a:ext>
+            </a:extLst>
+          </p:cNvPr>
+          <p:cNvSpPr>
+            <a:spLocks noGrp="1"/>
+          </p:cNvSpPr>
+          <p:nvPr>
+            <p:ph type="body" sz="quarter" idx="13"/>
+          </p:nvPr>
+        </p:nvSpPr>
+        <p:spPr/>
+        <p:txBody>
+          <a:bodyPr/>
+          <a:lstStyle/>
+          <a:p>
+            <a:endParaRPr lang="en-US"/>
+          </a:p>
+        </p:txBody>
+      </p:sp>
+      <p:sp>
+        <p:nvSpPr>
+          <p:cNvPr id="11" name="Slide Number Placeholder 10">
+            <a:extLst>
+              <a:ext uri="{FF2B5EF4-FFF2-40B4-BE49-F238E27FC236}">
+                <a16:creationId xmlns:a16="http://schemas.microsoft.com/office/drawing/2014/main" id="{517F181E-B3F5-EEEB-086C-37ADB367909B}"/>
+              </a:ext>
+            </a:extLst>
+          </p:cNvPr>
+          <p:cNvSpPr>
+            <a:spLocks noGrp="1"/>
+          </p:cNvSpPr>
+          <p:nvPr>
+            <p:ph type="sldNum" sz="quarter" idx="15"/>
+          </p:nvPr>
+        </p:nvSpPr>
+        <p:spPr/>
+        <p:txBody>
+          <a:bodyPr/>
+          <a:lstStyle/>
+          <a:p>
+            <a:fld id="{CC43B8D3-9A08-F84C-9DD4-44948BA52D4B}" type="slidenum">
+              <a:rPr lang="en-US" smtClean="0"/>
+              <a:pPr/>
+              <a:t>24</a:t>
+            </a:fld>
+            <a:endParaRPr lang="en-US" dirty="0"/>
+          </a:p>
+        </p:txBody>
+      </p:sp>
+      <p:sp>
+        <p:nvSpPr>
+          <p:cNvPr id="2" name="Text Placeholder 1">
+            <a:extLst>
+              <a:ext uri="{FF2B5EF4-FFF2-40B4-BE49-F238E27FC236}">
+                <a16:creationId xmlns:a16="http://schemas.microsoft.com/office/drawing/2014/main" id="{E19E3B76-8ECB-55B1-220A-C239EEC5A854}"/>
               </a:ext>
             </a:extLst>
           </p:cNvPr>
@@ -40476,28 +37660,390 @@
           <a:lstStyle/>
           <a:p>
             <a:r>
-              <a:rPr lang="en-US" dirty="0"/>
-              <a:t>Mirjam Nilsson​</a:t>
-            </a:r>
-          </a:p>
-          <a:p>
-            <a:r>
-              <a:rPr lang="en-US" dirty="0"/>
-              <a:t>mirjam@contoso.com</a:t>
-            </a:r>
-          </a:p>
-          <a:p>
-            <a:r>
-              <a:rPr lang="en-US" dirty="0"/>
-              <a:t>www.contoso.com</a:t>
-            </a:r>
+              <a:rPr lang="en-US" b="1" dirty="0">
+                <a:effectLst/>
+                <a:latin typeface="Arial Black" panose="020B0604020202020204" pitchFamily="34" charset="0"/>
+                <a:cs typeface="Arial Black" panose="020B0604020202020204" pitchFamily="34" charset="0"/>
+              </a:rPr>
+              <a:t>ROI</a:t>
+            </a:r>
+            <a:endParaRPr lang="en-US" b="1" dirty="0">
+              <a:latin typeface="Arial Black" panose="020B0604020202020204" pitchFamily="34" charset="0"/>
+              <a:cs typeface="Arial Black" panose="020B0604020202020204" pitchFamily="34" charset="0"/>
+            </a:endParaRPr>
+          </a:p>
+        </p:txBody>
+      </p:sp>
+      <p:sp>
+        <p:nvSpPr>
+          <p:cNvPr id="3" name="Content Placeholder 2">
+            <a:extLst>
+              <a:ext uri="{FF2B5EF4-FFF2-40B4-BE49-F238E27FC236}">
+                <a16:creationId xmlns:a16="http://schemas.microsoft.com/office/drawing/2014/main" id="{F5648B9B-6F61-26FD-880B-5CFAA0499A66}"/>
+              </a:ext>
+            </a:extLst>
+          </p:cNvPr>
+          <p:cNvSpPr>
+            <a:spLocks noGrp="1"/>
+          </p:cNvSpPr>
+          <p:nvPr>
+            <p:ph sz="half" idx="2"/>
+          </p:nvPr>
+        </p:nvSpPr>
+        <p:spPr/>
+        <p:txBody>
+          <a:bodyPr>
+            <a:normAutofit/>
+          </a:bodyPr>
+          <a:lstStyle/>
+          <a:p>
+            <a:pPr marL="285750" indent="-285750" fontAlgn="base">
+              <a:lnSpc>
+                <a:spcPct val="150000"/>
+              </a:lnSpc>
+              <a:buFont typeface="Arial" panose="020B0604020202020204" pitchFamily="34" charset="0"/>
+              <a:buChar char="•"/>
+            </a:pPr>
+            <a:r>
+              <a:rPr lang="en-US" sz="1400" b="1" dirty="0">
+                <a:latin typeface="Arial Black" panose="020B0604020202020204" pitchFamily="34" charset="0"/>
+                <a:cs typeface="Arial Black" panose="020B0604020202020204" pitchFamily="34" charset="0"/>
+              </a:rPr>
+              <a:t>Envision multimedia-based expertise and cross-media growth strategies​</a:t>
+            </a:r>
+          </a:p>
+          <a:p>
+            <a:pPr marL="285750" indent="-285750" fontAlgn="base">
+              <a:lnSpc>
+                <a:spcPct val="150000"/>
+              </a:lnSpc>
+              <a:buFont typeface="Arial" panose="020B0604020202020204" pitchFamily="34" charset="0"/>
+              <a:buChar char="•"/>
+            </a:pPr>
+            <a:r>
+              <a:rPr lang="en-US" sz="1400" b="1" dirty="0">
+                <a:latin typeface="Arial Black" panose="020B0604020202020204" pitchFamily="34" charset="0"/>
+                <a:cs typeface="Arial Black" panose="020B0604020202020204" pitchFamily="34" charset="0"/>
+              </a:rPr>
+              <a:t>Visualize quality intellectual capital​</a:t>
+            </a:r>
+          </a:p>
+          <a:p>
+            <a:pPr marL="285750" indent="-285750" fontAlgn="base">
+              <a:lnSpc>
+                <a:spcPct val="150000"/>
+              </a:lnSpc>
+              <a:buFont typeface="Arial" panose="020B0604020202020204" pitchFamily="34" charset="0"/>
+              <a:buChar char="•"/>
+            </a:pPr>
+            <a:r>
+              <a:rPr lang="en-US" sz="1400" b="1" dirty="0">
+                <a:latin typeface="Arial Black" panose="020B0604020202020204" pitchFamily="34" charset="0"/>
+                <a:cs typeface="Arial Black" panose="020B0604020202020204" pitchFamily="34" charset="0"/>
+              </a:rPr>
+              <a:t>Engage worldwide methodologies with web-enabled technologies​</a:t>
+            </a:r>
+          </a:p>
+          <a:p>
+            <a:pPr>
+              <a:lnSpc>
+                <a:spcPct val="150000"/>
+              </a:lnSpc>
+            </a:pPr>
+            <a:endParaRPr lang="en-US" sz="1400" b="1" dirty="0">
+              <a:latin typeface="Arial Black" panose="020B0604020202020204" pitchFamily="34" charset="0"/>
+              <a:cs typeface="Arial Black" panose="020B0604020202020204" pitchFamily="34" charset="0"/>
+            </a:endParaRPr>
+          </a:p>
+        </p:txBody>
+      </p:sp>
+      <p:sp>
+        <p:nvSpPr>
+          <p:cNvPr id="4" name="Text Placeholder 3">
+            <a:extLst>
+              <a:ext uri="{FF2B5EF4-FFF2-40B4-BE49-F238E27FC236}">
+                <a16:creationId xmlns:a16="http://schemas.microsoft.com/office/drawing/2014/main" id="{6A05B717-5038-0070-60FC-634FA9998FA6}"/>
+              </a:ext>
+            </a:extLst>
+          </p:cNvPr>
+          <p:cNvSpPr>
+            <a:spLocks noGrp="1"/>
+          </p:cNvSpPr>
+          <p:nvPr>
+            <p:ph type="body" sz="quarter" idx="3"/>
+          </p:nvPr>
+        </p:nvSpPr>
+        <p:spPr/>
+        <p:txBody>
+          <a:bodyPr/>
+          <a:lstStyle/>
+          <a:p>
+            <a:r>
+              <a:rPr lang="en-US" b="1" dirty="0">
+                <a:effectLst/>
+                <a:latin typeface="Arial Black" panose="020B0604020202020204" pitchFamily="34" charset="0"/>
+                <a:cs typeface="Arial Black" panose="020B0604020202020204" pitchFamily="34" charset="0"/>
+              </a:rPr>
+              <a:t>Niche markets</a:t>
+            </a:r>
+            <a:endParaRPr lang="en-US" b="1" dirty="0">
+              <a:latin typeface="Arial Black" panose="020B0604020202020204" pitchFamily="34" charset="0"/>
+              <a:cs typeface="Arial Black" panose="020B0604020202020204" pitchFamily="34" charset="0"/>
+            </a:endParaRPr>
+          </a:p>
+        </p:txBody>
+      </p:sp>
+      <p:sp>
+        <p:nvSpPr>
+          <p:cNvPr id="14" name="Content Placeholder 13">
+            <a:extLst>
+              <a:ext uri="{FF2B5EF4-FFF2-40B4-BE49-F238E27FC236}">
+                <a16:creationId xmlns:a16="http://schemas.microsoft.com/office/drawing/2014/main" id="{09DD5B6E-5EB4-E24C-F029-D11B31418E41}"/>
+              </a:ext>
+            </a:extLst>
+          </p:cNvPr>
+          <p:cNvSpPr>
+            <a:spLocks noGrp="1"/>
+          </p:cNvSpPr>
+          <p:nvPr>
+            <p:ph sz="quarter" idx="4"/>
+          </p:nvPr>
+        </p:nvSpPr>
+        <p:spPr/>
+        <p:txBody>
+          <a:bodyPr/>
+          <a:lstStyle/>
+          <a:p>
+            <a:pPr marL="285750" indent="-285750" fontAlgn="base">
+              <a:lnSpc>
+                <a:spcPct val="150000"/>
+              </a:lnSpc>
+              <a:buFont typeface="Arial" panose="020B0604020202020204" pitchFamily="34" charset="0"/>
+              <a:buChar char="•"/>
+            </a:pPr>
+            <a:r>
+              <a:rPr lang="en-US" sz="1400" b="1" dirty="0">
+                <a:latin typeface="Arial Black" panose="020B0604020202020204" pitchFamily="34" charset="0"/>
+                <a:cs typeface="Arial Black" panose="020B0604020202020204" pitchFamily="34" charset="0"/>
+              </a:rPr>
+              <a:t>Pursue scalable customer service through sustainable strategies​</a:t>
+            </a:r>
+          </a:p>
+          <a:p>
+            <a:pPr marL="285750" indent="-285750" fontAlgn="base">
+              <a:lnSpc>
+                <a:spcPct val="150000"/>
+              </a:lnSpc>
+              <a:buFont typeface="Arial" panose="020B0604020202020204" pitchFamily="34" charset="0"/>
+              <a:buChar char="•"/>
+            </a:pPr>
+            <a:r>
+              <a:rPr lang="en-US" sz="1400" b="1" dirty="0">
+                <a:latin typeface="Arial Black" panose="020B0604020202020204" pitchFamily="34" charset="0"/>
+                <a:cs typeface="Arial Black" panose="020B0604020202020204" pitchFamily="34" charset="0"/>
+              </a:rPr>
+              <a:t>Engage top-line web services with </a:t>
+            </a:r>
+            <a:br>
+              <a:rPr lang="en-US" sz="1400" b="1" dirty="0">
+                <a:latin typeface="Arial Black" panose="020B0604020202020204" pitchFamily="34" charset="0"/>
+                <a:cs typeface="Arial Black" panose="020B0604020202020204" pitchFamily="34" charset="0"/>
+              </a:rPr>
+            </a:br>
+            <a:r>
+              <a:rPr lang="en-US" sz="1400" b="1" dirty="0">
+                <a:latin typeface="Arial Black" panose="020B0604020202020204" pitchFamily="34" charset="0"/>
+                <a:cs typeface="Arial Black" panose="020B0604020202020204" pitchFamily="34" charset="0"/>
+              </a:rPr>
+              <a:t>cutting-edge </a:t>
+            </a:r>
+            <a:br>
+              <a:rPr lang="en-US" sz="1400" b="1" dirty="0">
+                <a:latin typeface="Arial Black" panose="020B0604020202020204" pitchFamily="34" charset="0"/>
+                <a:cs typeface="Arial Black" panose="020B0604020202020204" pitchFamily="34" charset="0"/>
+              </a:rPr>
+            </a:br>
+            <a:r>
+              <a:rPr lang="en-US" sz="1400" b="1" dirty="0">
+                <a:latin typeface="Arial Black" panose="020B0604020202020204" pitchFamily="34" charset="0"/>
+                <a:cs typeface="Arial Black" panose="020B0604020202020204" pitchFamily="34" charset="0"/>
+              </a:rPr>
+              <a:t>deliverables</a:t>
+            </a:r>
+          </a:p>
+          <a:p>
+            <a:pPr>
+              <a:lnSpc>
+                <a:spcPct val="150000"/>
+              </a:lnSpc>
+            </a:pPr>
+            <a:endParaRPr lang="en-US" sz="1400" b="1" dirty="0">
+              <a:latin typeface="Arial Black" panose="020B0604020202020204" pitchFamily="34" charset="0"/>
+              <a:cs typeface="Arial Black" panose="020B0604020202020204" pitchFamily="34" charset="0"/>
+            </a:endParaRPr>
+          </a:p>
+        </p:txBody>
+      </p:sp>
+      <p:sp>
+        <p:nvSpPr>
+          <p:cNvPr id="7" name="Text Placeholder 6">
+            <a:extLst>
+              <a:ext uri="{FF2B5EF4-FFF2-40B4-BE49-F238E27FC236}">
+                <a16:creationId xmlns:a16="http://schemas.microsoft.com/office/drawing/2014/main" id="{A92FEC7C-83CC-A5F9-029D-D476C55C9CCD}"/>
+              </a:ext>
+            </a:extLst>
+          </p:cNvPr>
+          <p:cNvSpPr>
+            <a:spLocks noGrp="1"/>
+          </p:cNvSpPr>
+          <p:nvPr>
+            <p:ph type="body" sz="quarter" idx="16"/>
+          </p:nvPr>
+        </p:nvSpPr>
+        <p:spPr/>
+        <p:txBody>
+          <a:bodyPr/>
+          <a:lstStyle/>
+          <a:p>
+            <a:r>
+              <a:rPr lang="en-US" b="1" dirty="0">
+                <a:effectLst/>
+                <a:latin typeface="Arial Black" panose="020B0604020202020204" pitchFamily="34" charset="0"/>
+                <a:cs typeface="Arial Black" panose="020B0604020202020204" pitchFamily="34" charset="0"/>
+              </a:rPr>
+              <a:t>Supply chains</a:t>
+            </a:r>
+            <a:endParaRPr lang="en-US" b="1" dirty="0">
+              <a:latin typeface="Arial Black" panose="020B0604020202020204" pitchFamily="34" charset="0"/>
+              <a:cs typeface="Arial Black" panose="020B0604020202020204" pitchFamily="34" charset="0"/>
+            </a:endParaRPr>
+          </a:p>
+        </p:txBody>
+      </p:sp>
+      <p:sp>
+        <p:nvSpPr>
+          <p:cNvPr id="8" name="Content Placeholder 7">
+            <a:extLst>
+              <a:ext uri="{FF2B5EF4-FFF2-40B4-BE49-F238E27FC236}">
+                <a16:creationId xmlns:a16="http://schemas.microsoft.com/office/drawing/2014/main" id="{B9E987DA-B378-65C6-474E-1146A0C2F361}"/>
+              </a:ext>
+            </a:extLst>
+          </p:cNvPr>
+          <p:cNvSpPr>
+            <a:spLocks noGrp="1"/>
+          </p:cNvSpPr>
+          <p:nvPr>
+            <p:ph sz="quarter" idx="17"/>
+          </p:nvPr>
+        </p:nvSpPr>
+        <p:spPr/>
+        <p:txBody>
+          <a:bodyPr/>
+          <a:lstStyle/>
+          <a:p>
+            <a:pPr marL="285750" indent="-285750" fontAlgn="base">
+              <a:lnSpc>
+                <a:spcPct val="150000"/>
+              </a:lnSpc>
+              <a:buFont typeface="Arial" panose="020B0604020202020204" pitchFamily="34" charset="0"/>
+              <a:buChar char="•"/>
+            </a:pPr>
+            <a:r>
+              <a:rPr lang="en-US" sz="1400" b="1" dirty="0">
+                <a:latin typeface="Arial Black" panose="020B0604020202020204" pitchFamily="34" charset="0"/>
+                <a:cs typeface="Arial Black" panose="020B0604020202020204" pitchFamily="34" charset="0"/>
+              </a:rPr>
+              <a:t>Cultivate one-to-one customer </a:t>
+            </a:r>
+            <a:br>
+              <a:rPr lang="en-US" sz="1400" b="1" dirty="0">
+                <a:latin typeface="Arial Black" panose="020B0604020202020204" pitchFamily="34" charset="0"/>
+                <a:cs typeface="Arial Black" panose="020B0604020202020204" pitchFamily="34" charset="0"/>
+              </a:rPr>
+            </a:br>
+            <a:r>
+              <a:rPr lang="en-US" sz="1400" b="1" dirty="0">
+                <a:latin typeface="Arial Black" panose="020B0604020202020204" pitchFamily="34" charset="0"/>
+                <a:cs typeface="Arial Black" panose="020B0604020202020204" pitchFamily="34" charset="0"/>
+              </a:rPr>
+              <a:t>service with robust </a:t>
+            </a:r>
+            <a:br>
+              <a:rPr lang="en-US" sz="1400" b="1" dirty="0">
+                <a:latin typeface="Arial Black" panose="020B0604020202020204" pitchFamily="34" charset="0"/>
+                <a:cs typeface="Arial Black" panose="020B0604020202020204" pitchFamily="34" charset="0"/>
+              </a:rPr>
+            </a:br>
+            <a:r>
+              <a:rPr lang="en-US" sz="1400" b="1" dirty="0">
+                <a:latin typeface="Arial Black" panose="020B0604020202020204" pitchFamily="34" charset="0"/>
+                <a:cs typeface="Arial Black" panose="020B0604020202020204" pitchFamily="34" charset="0"/>
+              </a:rPr>
+              <a:t>ideas​</a:t>
+            </a:r>
+          </a:p>
+          <a:p>
+            <a:pPr marL="285750" indent="-285750" fontAlgn="base">
+              <a:lnSpc>
+                <a:spcPct val="150000"/>
+              </a:lnSpc>
+              <a:buFont typeface="Arial" panose="020B0604020202020204" pitchFamily="34" charset="0"/>
+              <a:buChar char="•"/>
+            </a:pPr>
+            <a:r>
+              <a:rPr lang="en-US" sz="1400" b="1" dirty="0">
+                <a:latin typeface="Arial Black" panose="020B0604020202020204" pitchFamily="34" charset="0"/>
+                <a:cs typeface="Arial Black" panose="020B0604020202020204" pitchFamily="34" charset="0"/>
+              </a:rPr>
+              <a:t>Maximize timely deliverables </a:t>
+            </a:r>
+            <a:br>
+              <a:rPr lang="en-US" sz="1400" b="1" dirty="0">
+                <a:latin typeface="Arial Black" panose="020B0604020202020204" pitchFamily="34" charset="0"/>
+                <a:cs typeface="Arial Black" panose="020B0604020202020204" pitchFamily="34" charset="0"/>
+              </a:rPr>
+            </a:br>
+            <a:r>
+              <a:rPr lang="en-US" sz="1400" b="1" dirty="0">
+                <a:latin typeface="Arial Black" panose="020B0604020202020204" pitchFamily="34" charset="0"/>
+                <a:cs typeface="Arial Black" panose="020B0604020202020204" pitchFamily="34" charset="0"/>
+              </a:rPr>
+              <a:t>for real-</a:t>
+            </a:r>
+            <a:br>
+              <a:rPr lang="en-US" sz="1400" b="1" dirty="0">
+                <a:latin typeface="Arial Black" panose="020B0604020202020204" pitchFamily="34" charset="0"/>
+                <a:cs typeface="Arial Black" panose="020B0604020202020204" pitchFamily="34" charset="0"/>
+              </a:rPr>
+            </a:br>
+            <a:r>
+              <a:rPr lang="en-US" sz="1400" b="1" dirty="0">
+                <a:latin typeface="Arial Black" panose="020B0604020202020204" pitchFamily="34" charset="0"/>
+                <a:cs typeface="Arial Black" panose="020B0604020202020204" pitchFamily="34" charset="0"/>
+              </a:rPr>
+              <a:t>time schemas</a:t>
+            </a:r>
+          </a:p>
+          <a:p>
+            <a:pPr>
+              <a:lnSpc>
+                <a:spcPct val="150000"/>
+              </a:lnSpc>
+            </a:pPr>
+            <a:endParaRPr lang="en-US" sz="1400" b="1" dirty="0">
+              <a:latin typeface="Arial Black" panose="020B0604020202020204" pitchFamily="34" charset="0"/>
+              <a:cs typeface="Arial Black" panose="020B0604020202020204" pitchFamily="34" charset="0"/>
+            </a:endParaRPr>
+          </a:p>
+          <a:p>
+            <a:endParaRPr lang="en-US" dirty="0"/>
           </a:p>
         </p:txBody>
       </p:sp>
     </p:spTree>
     <p:extLst>
       <p:ext uri="{BB962C8B-B14F-4D97-AF65-F5344CB8AC3E}">
-        <p14:creationId xmlns:p14="http://schemas.microsoft.com/office/powerpoint/2010/main" val="2257982150"/>
+        <p14:creationId xmlns:p14="http://schemas.microsoft.com/office/powerpoint/2010/main" val="3637031163"/>
       </p:ext>
     </p:extLst>
   </p:cSld>
@@ -40534,10 +38080,10 @@
       </p:grpSpPr>
       <p:sp>
         <p:nvSpPr>
-          <p:cNvPr id="3" name="Title 2">
+          <p:cNvPr id="13" name="Title 12">
             <a:extLst>
               <a:ext uri="{FF2B5EF4-FFF2-40B4-BE49-F238E27FC236}">
-                <a16:creationId xmlns:a16="http://schemas.microsoft.com/office/drawing/2014/main" id="{1945C2F8-2E24-F46B-AC7B-3070B381497A}"/>
+                <a16:creationId xmlns:a16="http://schemas.microsoft.com/office/drawing/2014/main" id="{E729A509-992F-8C10-902D-182448B5A1AE}"/>
               </a:ext>
             </a:extLst>
           </p:cNvPr>
@@ -40555,17 +38101,17 @@
           <a:p>
             <a:r>
               <a:rPr lang="en-US" dirty="0"/>
-              <a:t>Thank you</a:t>
+              <a:t>Summary</a:t>
             </a:r>
           </a:p>
         </p:txBody>
       </p:sp>
       <p:sp>
         <p:nvSpPr>
-          <p:cNvPr id="6" name="Text Placeholder 5">
+          <p:cNvPr id="12" name="Content Placeholder 11">
             <a:extLst>
               <a:ext uri="{FF2B5EF4-FFF2-40B4-BE49-F238E27FC236}">
-                <a16:creationId xmlns:a16="http://schemas.microsoft.com/office/drawing/2014/main" id="{7DA212DC-D3DD-DD6B-D644-0F7B9BA98E17}"/>
+                <a16:creationId xmlns:a16="http://schemas.microsoft.com/office/drawing/2014/main" id="{84FA0F1E-A920-0194-981E-4B573643BB48}"/>
               </a:ext>
             </a:extLst>
           </p:cNvPr>
@@ -40573,7 +38119,7 @@
             <a:spLocks noGrp="1"/>
           </p:cNvSpPr>
           <p:nvPr>
-            <p:ph type="body" idx="1"/>
+            <p:ph idx="1"/>
           </p:nvPr>
         </p:nvSpPr>
         <p:spPr/>
@@ -40581,234 +38127,49 @@
           <a:bodyPr/>
           <a:lstStyle/>
           <a:p>
-            <a:r>
-              <a:rPr lang="en-US" dirty="0"/>
-              <a:t>Mirjam Nilsson​</a:t>
-            </a:r>
-          </a:p>
-          <a:p>
-            <a:r>
-              <a:rPr lang="en-US" dirty="0"/>
-              <a:t>mirjam@contoso.com</a:t>
-            </a:r>
-          </a:p>
-          <a:p>
-            <a:r>
-              <a:rPr lang="en-US" dirty="0"/>
-              <a:t>www.contoso.com</a:t>
-            </a:r>
-          </a:p>
-        </p:txBody>
-      </p:sp>
-    </p:spTree>
-    <p:extLst>
-      <p:ext uri="{BB962C8B-B14F-4D97-AF65-F5344CB8AC3E}">
-        <p14:creationId xmlns:p14="http://schemas.microsoft.com/office/powerpoint/2010/main" val="3649441487"/>
-      </p:ext>
-    </p:extLst>
-  </p:cSld>
-  <p:clrMapOvr>
-    <a:masterClrMapping/>
-  </p:clrMapOvr>
-</p:sld>
-</file>
-
-<file path=ppt/slides/slide26.xml><?xml version="1.0" encoding="utf-8"?>
-<p:sld xmlns:a="http://schemas.openxmlformats.org/drawingml/2006/main" xmlns:r="http://schemas.openxmlformats.org/officeDocument/2006/relationships" xmlns:p="http://schemas.openxmlformats.org/presentationml/2006/main">
-  <p:cSld>
-    <p:bg>
-      <p:bgPr>
-        <a:solidFill>
-          <a:schemeClr val="bg2"/>
-        </a:solidFill>
-        <a:effectLst/>
-      </p:bgPr>
-    </p:bg>
-    <p:spTree>
-      <p:nvGrpSpPr>
-        <p:cNvPr id="1" name=""/>
-        <p:cNvGrpSpPr/>
-        <p:nvPr/>
-      </p:nvGrpSpPr>
-      <p:grpSpPr>
-        <a:xfrm>
-          <a:off x="0" y="0"/>
-          <a:ext cx="0" cy="0"/>
-          <a:chOff x="0" y="0"/>
-          <a:chExt cx="0" cy="0"/>
-        </a:xfrm>
-      </p:grpSpPr>
-      <p:sp>
-        <p:nvSpPr>
-          <p:cNvPr id="3" name="Title 2">
-            <a:extLst>
-              <a:ext uri="{FF2B5EF4-FFF2-40B4-BE49-F238E27FC236}">
-                <a16:creationId xmlns:a16="http://schemas.microsoft.com/office/drawing/2014/main" id="{1945C2F8-2E24-F46B-AC7B-3070B381497A}"/>
-              </a:ext>
-            </a:extLst>
-          </p:cNvPr>
-          <p:cNvSpPr>
-            <a:spLocks noGrp="1"/>
-          </p:cNvSpPr>
-          <p:nvPr>
-            <p:ph type="title"/>
-          </p:nvPr>
-        </p:nvSpPr>
-        <p:spPr/>
-        <p:txBody>
-          <a:bodyPr/>
-          <a:lstStyle/>
-          <a:p>
-            <a:r>
-              <a:rPr lang="en-US" dirty="0"/>
-              <a:t>Thank you</a:t>
-            </a:r>
+            <a:pPr fontAlgn="base"/>
+            <a:r>
+              <a:rPr lang="en-US" b="1" dirty="0">
+                <a:latin typeface="Arial Black" panose="020B0604020202020204" pitchFamily="34" charset="0"/>
+                <a:cs typeface="Arial Black" panose="020B0604020202020204" pitchFamily="34" charset="0"/>
+              </a:rPr>
+              <a:t>At Contoso, we believe in giving 110%. By using our next-generation data architecture, we help organizations virtually manage agile workflows. We thrive because of our market knowledge and great team behind our product. As our CEO says, "Efficiencies will come from proactively transforming how we do business."​</a:t>
+            </a:r>
+          </a:p>
+          <a:p>
+            <a:pPr algn="l" rtl="0" fontAlgn="base"/>
+            <a:r>
+              <a:rPr lang="en-US" b="0" i="0" dirty="0">
+                <a:solidFill>
+                  <a:srgbClr val="000000"/>
+                </a:solidFill>
+                <a:effectLst/>
+                <a:latin typeface="Calibri" panose="020F0502020204030204" pitchFamily="34" charset="0"/>
+              </a:rPr>
+              <a:t>​</a:t>
+            </a:r>
+            <a:endParaRPr lang="en-US" b="0" i="0" dirty="0">
+              <a:solidFill>
+                <a:srgbClr val="000000"/>
+              </a:solidFill>
+              <a:effectLst/>
+              <a:latin typeface="Segoe UI" panose="020B0502040204020203" pitchFamily="34" charset="0"/>
+            </a:endParaRPr>
+          </a:p>
+          <a:p>
+            <a:endParaRPr lang="en-US" b="1" dirty="0">
+              <a:latin typeface="Arial Black" panose="020B0604020202020204" pitchFamily="34" charset="0"/>
+              <a:cs typeface="Arial Black" panose="020B0604020202020204" pitchFamily="34" charset="0"/>
+            </a:endParaRPr>
           </a:p>
         </p:txBody>
       </p:sp>
       <p:sp>
         <p:nvSpPr>
-          <p:cNvPr id="6" name="Text Placeholder 5">
+          <p:cNvPr id="19" name="Text Placeholder 18">
             <a:extLst>
               <a:ext uri="{FF2B5EF4-FFF2-40B4-BE49-F238E27FC236}">
-                <a16:creationId xmlns:a16="http://schemas.microsoft.com/office/drawing/2014/main" id="{7DA212DC-D3DD-DD6B-D644-0F7B9BA98E17}"/>
-              </a:ext>
-            </a:extLst>
-          </p:cNvPr>
-          <p:cNvSpPr>
-            <a:spLocks noGrp="1"/>
-          </p:cNvSpPr>
-          <p:nvPr>
-            <p:ph type="body" idx="1"/>
-          </p:nvPr>
-        </p:nvSpPr>
-        <p:spPr/>
-        <p:txBody>
-          <a:bodyPr/>
-          <a:lstStyle/>
-          <a:p>
-            <a:r>
-              <a:rPr lang="en-US" dirty="0"/>
-              <a:t>Mirjam Nilsson​</a:t>
-            </a:r>
-          </a:p>
-          <a:p>
-            <a:r>
-              <a:rPr lang="en-US" dirty="0"/>
-              <a:t>mirjam@contoso.com</a:t>
-            </a:r>
-          </a:p>
-          <a:p>
-            <a:r>
-              <a:rPr lang="en-US" dirty="0"/>
-              <a:t>www.contoso.com</a:t>
-            </a:r>
-          </a:p>
-        </p:txBody>
-      </p:sp>
-    </p:spTree>
-    <p:extLst>
-      <p:ext uri="{BB962C8B-B14F-4D97-AF65-F5344CB8AC3E}">
-        <p14:creationId xmlns:p14="http://schemas.microsoft.com/office/powerpoint/2010/main" val="1279147767"/>
-      </p:ext>
-    </p:extLst>
-  </p:cSld>
-  <p:clrMapOvr>
-    <a:masterClrMapping/>
-  </p:clrMapOvr>
-</p:sld>
-</file>
-
-<file path=ppt/slides/slide27.xml><?xml version="1.0" encoding="utf-8"?>
-<p:sld xmlns:a="http://schemas.openxmlformats.org/drawingml/2006/main" xmlns:r="http://schemas.openxmlformats.org/officeDocument/2006/relationships" xmlns:p="http://schemas.openxmlformats.org/presentationml/2006/main">
-  <p:cSld>
-    <p:bg>
-      <p:bgPr>
-        <a:solidFill>
-          <a:schemeClr val="bg2"/>
-        </a:solidFill>
-        <a:effectLst/>
-      </p:bgPr>
-    </p:bg>
-    <p:spTree>
-      <p:nvGrpSpPr>
-        <p:cNvPr id="1" name=""/>
-        <p:cNvGrpSpPr/>
-        <p:nvPr/>
-      </p:nvGrpSpPr>
-      <p:grpSpPr>
-        <a:xfrm>
-          <a:off x="0" y="0"/>
-          <a:ext cx="0" cy="0"/>
-          <a:chOff x="0" y="0"/>
-          <a:chExt cx="0" cy="0"/>
-        </a:xfrm>
-      </p:grpSpPr>
-      <p:sp>
-        <p:nvSpPr>
-          <p:cNvPr id="11" name="Title 10">
-            <a:extLst>
-              <a:ext uri="{FF2B5EF4-FFF2-40B4-BE49-F238E27FC236}">
-                <a16:creationId xmlns:a16="http://schemas.microsoft.com/office/drawing/2014/main" id="{CFC65B13-DBA7-CB3E-F251-880122C1E57B}"/>
-              </a:ext>
-            </a:extLst>
-          </p:cNvPr>
-          <p:cNvSpPr>
-            <a:spLocks noGrp="1"/>
-          </p:cNvSpPr>
-          <p:nvPr>
-            <p:ph type="title"/>
-          </p:nvPr>
-        </p:nvSpPr>
-        <p:spPr/>
-        <p:txBody>
-          <a:bodyPr/>
-          <a:lstStyle/>
-          <a:p>
-            <a:r>
-              <a:rPr lang="en-US" dirty="0"/>
-              <a:t>Plan for product launch</a:t>
-            </a:r>
-          </a:p>
-        </p:txBody>
-      </p:sp>
-      <p:graphicFrame>
-        <p:nvGraphicFramePr>
-          <p:cNvPr id="7" name="Content Placeholder 3" descr="Timeline Placeholder ">
-            <a:extLst>
-              <a:ext uri="{FF2B5EF4-FFF2-40B4-BE49-F238E27FC236}">
-                <a16:creationId xmlns:a16="http://schemas.microsoft.com/office/drawing/2014/main" id="{3033222B-8F61-7CC1-AF3E-1B1B8047ABE0}"/>
-              </a:ext>
-            </a:extLst>
-          </p:cNvPr>
-          <p:cNvGraphicFramePr>
-            <a:graphicFrameLocks noGrp="1"/>
-          </p:cNvGraphicFramePr>
-          <p:nvPr>
-            <p:ph idx="1"/>
-            <p:extLst>
-              <p:ext uri="{D42A27DB-BD31-4B8C-83A1-F6EECF244321}">
-                <p14:modId xmlns:p14="http://schemas.microsoft.com/office/powerpoint/2010/main" val="28401819"/>
-              </p:ext>
-            </p:extLst>
-          </p:nvPr>
-        </p:nvGraphicFramePr>
-        <p:xfrm>
-          <a:off x="1665288" y="1825625"/>
-          <a:ext cx="8861425" cy="4351338"/>
-        </p:xfrm>
-        <a:graphic>
-          <a:graphicData uri="http://schemas.openxmlformats.org/drawingml/2006/diagram">
-            <dgm:relIds xmlns:dgm="http://schemas.openxmlformats.org/drawingml/2006/diagram" xmlns:r="http://schemas.openxmlformats.org/officeDocument/2006/relationships" r:dm="rId3" r:lo="rId4" r:qs="rId5" r:cs="rId6"/>
-          </a:graphicData>
-        </a:graphic>
-      </p:graphicFrame>
-      <p:sp>
-        <p:nvSpPr>
-          <p:cNvPr id="9" name="Text Placeholder 8">
-            <a:extLst>
-              <a:ext uri="{FF2B5EF4-FFF2-40B4-BE49-F238E27FC236}">
-                <a16:creationId xmlns:a16="http://schemas.microsoft.com/office/drawing/2014/main" id="{32C92178-B239-AAAD-CF10-C0CD04C1BAE9}"/>
+                <a16:creationId xmlns:a16="http://schemas.microsoft.com/office/drawing/2014/main" id="{1A502D19-C614-886C-4945-5880F36E0998}"/>
               </a:ext>
             </a:extLst>
           </p:cNvPr>
@@ -40830,10 +38191,10 @@
       </p:sp>
       <p:sp>
         <p:nvSpPr>
-          <p:cNvPr id="4" name="Slide Number Placeholder 3">
+          <p:cNvPr id="17" name="Slide Number Placeholder 16">
             <a:extLst>
               <a:ext uri="{FF2B5EF4-FFF2-40B4-BE49-F238E27FC236}">
-                <a16:creationId xmlns:a16="http://schemas.microsoft.com/office/drawing/2014/main" id="{5701003A-1258-C8AB-E292-CE0E5E612BCF}"/>
+                <a16:creationId xmlns:a16="http://schemas.microsoft.com/office/drawing/2014/main" id="{E46CC291-411B-349C-8657-ED39C084F877}"/>
               </a:ext>
             </a:extLst>
           </p:cNvPr>
@@ -40852,7 +38213,7 @@
             <a:fld id="{CC43B8D3-9A08-F84C-9DD4-44948BA52D4B}" type="slidenum">
               <a:rPr lang="en-US" smtClean="0"/>
               <a:pPr/>
-              <a:t>27</a:t>
+              <a:t>25</a:t>
             </a:fld>
             <a:endParaRPr lang="en-US" dirty="0"/>
           </a:p>
@@ -40861,780 +38222,7 @@
     </p:spTree>
     <p:extLst>
       <p:ext uri="{BB962C8B-B14F-4D97-AF65-F5344CB8AC3E}">
-        <p14:creationId xmlns:p14="http://schemas.microsoft.com/office/powerpoint/2010/main" val="1514052440"/>
-      </p:ext>
-    </p:extLst>
-  </p:cSld>
-  <p:clrMapOvr>
-    <a:masterClrMapping/>
-  </p:clrMapOvr>
-</p:sld>
-</file>
-
-<file path=ppt/slides/slide28.xml><?xml version="1.0" encoding="utf-8"?>
-<p:sld xmlns:a="http://schemas.openxmlformats.org/drawingml/2006/main" xmlns:r="http://schemas.openxmlformats.org/officeDocument/2006/relationships" xmlns:p="http://schemas.openxmlformats.org/presentationml/2006/main">
-  <p:cSld>
-    <p:spTree>
-      <p:nvGrpSpPr>
-        <p:cNvPr id="1" name=""/>
-        <p:cNvGrpSpPr/>
-        <p:nvPr/>
-      </p:nvGrpSpPr>
-      <p:grpSpPr>
-        <a:xfrm>
-          <a:off x="0" y="0"/>
-          <a:ext cx="0" cy="0"/>
-          <a:chOff x="0" y="0"/>
-          <a:chExt cx="0" cy="0"/>
-        </a:xfrm>
-      </p:grpSpPr>
-      <p:sp>
-        <p:nvSpPr>
-          <p:cNvPr id="6" name="Title 5">
-            <a:extLst>
-              <a:ext uri="{FF2B5EF4-FFF2-40B4-BE49-F238E27FC236}">
-                <a16:creationId xmlns:a16="http://schemas.microsoft.com/office/drawing/2014/main" id="{9B8D1C32-CEDB-F6E2-A01E-72AE1A1D0AD9}"/>
-              </a:ext>
-            </a:extLst>
-          </p:cNvPr>
-          <p:cNvSpPr>
-            <a:spLocks noGrp="1"/>
-          </p:cNvSpPr>
-          <p:nvPr>
-            <p:ph type="title"/>
-          </p:nvPr>
-        </p:nvSpPr>
-        <p:spPr/>
-        <p:txBody>
-          <a:bodyPr/>
-          <a:lstStyle/>
-          <a:p>
-            <a:r>
-              <a:rPr lang="en-US" dirty="0"/>
-              <a:t>Areas of focus</a:t>
-            </a:r>
-          </a:p>
-        </p:txBody>
-      </p:sp>
-      <p:sp>
-        <p:nvSpPr>
-          <p:cNvPr id="20" name="Text Placeholder 19">
-            <a:extLst>
-              <a:ext uri="{FF2B5EF4-FFF2-40B4-BE49-F238E27FC236}">
-                <a16:creationId xmlns:a16="http://schemas.microsoft.com/office/drawing/2014/main" id="{7D61BAD3-11BF-AA74-F4B3-2ABC02077200}"/>
-              </a:ext>
-            </a:extLst>
-          </p:cNvPr>
-          <p:cNvSpPr>
-            <a:spLocks noGrp="1"/>
-          </p:cNvSpPr>
-          <p:nvPr>
-            <p:ph type="body" sz="quarter" idx="13"/>
-          </p:nvPr>
-        </p:nvSpPr>
-        <p:spPr/>
-        <p:txBody>
-          <a:bodyPr/>
-          <a:lstStyle/>
-          <a:p>
-            <a:endParaRPr lang="en-US" dirty="0"/>
-          </a:p>
-        </p:txBody>
-      </p:sp>
-      <p:sp>
-        <p:nvSpPr>
-          <p:cNvPr id="11" name="Slide Number Placeholder 10">
-            <a:extLst>
-              <a:ext uri="{FF2B5EF4-FFF2-40B4-BE49-F238E27FC236}">
-                <a16:creationId xmlns:a16="http://schemas.microsoft.com/office/drawing/2014/main" id="{517F181E-B3F5-EEEB-086C-37ADB367909B}"/>
-              </a:ext>
-            </a:extLst>
-          </p:cNvPr>
-          <p:cNvSpPr>
-            <a:spLocks noGrp="1"/>
-          </p:cNvSpPr>
-          <p:nvPr>
-            <p:ph type="sldNum" sz="quarter" idx="15"/>
-          </p:nvPr>
-        </p:nvSpPr>
-        <p:spPr/>
-        <p:txBody>
-          <a:bodyPr/>
-          <a:lstStyle/>
-          <a:p>
-            <a:fld id="{CC43B8D3-9A08-F84C-9DD4-44948BA52D4B}" type="slidenum">
-              <a:rPr lang="en-US" smtClean="0"/>
-              <a:pPr/>
-              <a:t>28</a:t>
-            </a:fld>
-            <a:endParaRPr lang="en-US" dirty="0"/>
-          </a:p>
-        </p:txBody>
-      </p:sp>
-      <p:sp>
-        <p:nvSpPr>
-          <p:cNvPr id="2" name="Text Placeholder 1">
-            <a:extLst>
-              <a:ext uri="{FF2B5EF4-FFF2-40B4-BE49-F238E27FC236}">
-                <a16:creationId xmlns:a16="http://schemas.microsoft.com/office/drawing/2014/main" id="{E19E3B76-8ECB-55B1-220A-C239EEC5A854}"/>
-              </a:ext>
-            </a:extLst>
-          </p:cNvPr>
-          <p:cNvSpPr>
-            <a:spLocks noGrp="1"/>
-          </p:cNvSpPr>
-          <p:nvPr>
-            <p:ph type="body" idx="1"/>
-          </p:nvPr>
-        </p:nvSpPr>
-        <p:spPr/>
-        <p:txBody>
-          <a:bodyPr/>
-          <a:lstStyle/>
-          <a:p>
-            <a:r>
-              <a:rPr lang="en-US" dirty="0"/>
-              <a:t>B2B market </a:t>
-            </a:r>
-            <a:br>
-              <a:rPr lang="en-US" dirty="0"/>
-            </a:br>
-            <a:r>
-              <a:rPr lang="en-US" dirty="0"/>
-              <a:t>scenarios</a:t>
-            </a:r>
-          </a:p>
-        </p:txBody>
-      </p:sp>
-      <p:sp>
-        <p:nvSpPr>
-          <p:cNvPr id="3" name="Content Placeholder 2">
-            <a:extLst>
-              <a:ext uri="{FF2B5EF4-FFF2-40B4-BE49-F238E27FC236}">
-                <a16:creationId xmlns:a16="http://schemas.microsoft.com/office/drawing/2014/main" id="{F5648B9B-6F61-26FD-880B-5CFAA0499A66}"/>
-              </a:ext>
-            </a:extLst>
-          </p:cNvPr>
-          <p:cNvSpPr>
-            <a:spLocks noGrp="1"/>
-          </p:cNvSpPr>
-          <p:nvPr>
-            <p:ph sz="half" idx="2"/>
-          </p:nvPr>
-        </p:nvSpPr>
-        <p:spPr/>
-        <p:txBody>
-          <a:bodyPr>
-            <a:normAutofit lnSpcReduction="10000"/>
-          </a:bodyPr>
-          <a:lstStyle/>
-          <a:p>
-            <a:r>
-              <a:rPr lang="en-US" dirty="0"/>
-              <a:t>Develop winning strategies to keep ahead of the competition​</a:t>
-            </a:r>
-          </a:p>
-          <a:p>
-            <a:r>
-              <a:rPr lang="en-US" dirty="0"/>
-              <a:t>Capitalize on low-hanging fruit to identify a ballpark value​</a:t>
-            </a:r>
-          </a:p>
-          <a:p>
-            <a:r>
-              <a:rPr lang="en-US" dirty="0"/>
-              <a:t>Visualize customer directed convergence</a:t>
-            </a:r>
-          </a:p>
-        </p:txBody>
-      </p:sp>
-      <p:sp>
-        <p:nvSpPr>
-          <p:cNvPr id="4" name="Text Placeholder 3">
-            <a:extLst>
-              <a:ext uri="{FF2B5EF4-FFF2-40B4-BE49-F238E27FC236}">
-                <a16:creationId xmlns:a16="http://schemas.microsoft.com/office/drawing/2014/main" id="{6A05B717-5038-0070-60FC-634FA9998FA6}"/>
-              </a:ext>
-            </a:extLst>
-          </p:cNvPr>
-          <p:cNvSpPr>
-            <a:spLocks noGrp="1"/>
-          </p:cNvSpPr>
-          <p:nvPr>
-            <p:ph type="body" sz="quarter" idx="3"/>
-          </p:nvPr>
-        </p:nvSpPr>
-        <p:spPr/>
-        <p:txBody>
-          <a:bodyPr/>
-          <a:lstStyle/>
-          <a:p>
-            <a:r>
-              <a:rPr lang="en-US" dirty="0"/>
-              <a:t>Cloud-based </a:t>
-            </a:r>
-          </a:p>
-          <a:p>
-            <a:r>
-              <a:rPr lang="en-US" dirty="0"/>
-              <a:t>opportunities</a:t>
-            </a:r>
-          </a:p>
-        </p:txBody>
-      </p:sp>
-      <p:sp>
-        <p:nvSpPr>
-          <p:cNvPr id="14" name="Content Placeholder 13">
-            <a:extLst>
-              <a:ext uri="{FF2B5EF4-FFF2-40B4-BE49-F238E27FC236}">
-                <a16:creationId xmlns:a16="http://schemas.microsoft.com/office/drawing/2014/main" id="{09DD5B6E-5EB4-E24C-F029-D11B31418E41}"/>
-              </a:ext>
-            </a:extLst>
-          </p:cNvPr>
-          <p:cNvSpPr>
-            <a:spLocks noGrp="1"/>
-          </p:cNvSpPr>
-          <p:nvPr>
-            <p:ph sz="quarter" idx="4"/>
-          </p:nvPr>
-        </p:nvSpPr>
-        <p:spPr/>
-        <p:txBody>
-          <a:bodyPr/>
-          <a:lstStyle/>
-          <a:p>
-            <a:r>
-              <a:rPr lang="en-US" dirty="0"/>
-              <a:t>Iterative approaches to corporate strategy </a:t>
-            </a:r>
-          </a:p>
-          <a:p>
-            <a:r>
-              <a:rPr lang="en-US" dirty="0"/>
-              <a:t>Establish a management framework from the inside</a:t>
-            </a:r>
-          </a:p>
-        </p:txBody>
-      </p:sp>
-    </p:spTree>
-    <p:extLst>
-      <p:ext uri="{BB962C8B-B14F-4D97-AF65-F5344CB8AC3E}">
-        <p14:creationId xmlns:p14="http://schemas.microsoft.com/office/powerpoint/2010/main" val="622709411"/>
-      </p:ext>
-    </p:extLst>
-  </p:cSld>
-  <p:clrMapOvr>
-    <a:masterClrMapping/>
-  </p:clrMapOvr>
-</p:sld>
-</file>
-
-<file path=ppt/slides/slide29.xml><?xml version="1.0" encoding="utf-8"?>
-<p:sld xmlns:a="http://schemas.openxmlformats.org/drawingml/2006/main" xmlns:r="http://schemas.openxmlformats.org/officeDocument/2006/relationships" xmlns:p="http://schemas.openxmlformats.org/presentationml/2006/main">
-  <p:cSld>
-    <p:spTree>
-      <p:nvGrpSpPr>
-        <p:cNvPr id="1" name=""/>
-        <p:cNvGrpSpPr/>
-        <p:nvPr/>
-      </p:nvGrpSpPr>
-      <p:grpSpPr>
-        <a:xfrm>
-          <a:off x="0" y="0"/>
-          <a:ext cx="0" cy="0"/>
-          <a:chOff x="0" y="0"/>
-          <a:chExt cx="0" cy="0"/>
-        </a:xfrm>
-      </p:grpSpPr>
-      <p:sp>
-        <p:nvSpPr>
-          <p:cNvPr id="6" name="Title 5">
-            <a:extLst>
-              <a:ext uri="{FF2B5EF4-FFF2-40B4-BE49-F238E27FC236}">
-                <a16:creationId xmlns:a16="http://schemas.microsoft.com/office/drawing/2014/main" id="{9B8D1C32-CEDB-F6E2-A01E-72AE1A1D0AD9}"/>
-              </a:ext>
-            </a:extLst>
-          </p:cNvPr>
-          <p:cNvSpPr>
-            <a:spLocks noGrp="1"/>
-          </p:cNvSpPr>
-          <p:nvPr>
-            <p:ph type="title"/>
-          </p:nvPr>
-        </p:nvSpPr>
-        <p:spPr/>
-        <p:txBody>
-          <a:bodyPr/>
-          <a:lstStyle/>
-          <a:p>
-            <a:r>
-              <a:rPr lang="en-US" dirty="0"/>
-              <a:t>How we get there</a:t>
-            </a:r>
-          </a:p>
-        </p:txBody>
-      </p:sp>
-      <p:sp>
-        <p:nvSpPr>
-          <p:cNvPr id="5" name="Text Placeholder 4">
-            <a:extLst>
-              <a:ext uri="{FF2B5EF4-FFF2-40B4-BE49-F238E27FC236}">
-                <a16:creationId xmlns:a16="http://schemas.microsoft.com/office/drawing/2014/main" id="{734A42FB-888D-4842-C0C0-A6E92ABE149D}"/>
-              </a:ext>
-            </a:extLst>
-          </p:cNvPr>
-          <p:cNvSpPr>
-            <a:spLocks noGrp="1"/>
-          </p:cNvSpPr>
-          <p:nvPr>
-            <p:ph type="body" sz="quarter" idx="13"/>
-          </p:nvPr>
-        </p:nvSpPr>
-        <p:spPr/>
-        <p:txBody>
-          <a:bodyPr/>
-          <a:lstStyle/>
-          <a:p>
-            <a:endParaRPr lang="en-US"/>
-          </a:p>
-        </p:txBody>
-      </p:sp>
-      <p:sp>
-        <p:nvSpPr>
-          <p:cNvPr id="11" name="Slide Number Placeholder 10">
-            <a:extLst>
-              <a:ext uri="{FF2B5EF4-FFF2-40B4-BE49-F238E27FC236}">
-                <a16:creationId xmlns:a16="http://schemas.microsoft.com/office/drawing/2014/main" id="{517F181E-B3F5-EEEB-086C-37ADB367909B}"/>
-              </a:ext>
-            </a:extLst>
-          </p:cNvPr>
-          <p:cNvSpPr>
-            <a:spLocks noGrp="1"/>
-          </p:cNvSpPr>
-          <p:nvPr>
-            <p:ph type="sldNum" sz="quarter" idx="15"/>
-          </p:nvPr>
-        </p:nvSpPr>
-        <p:spPr/>
-        <p:txBody>
-          <a:bodyPr/>
-          <a:lstStyle/>
-          <a:p>
-            <a:fld id="{CC43B8D3-9A08-F84C-9DD4-44948BA52D4B}" type="slidenum">
-              <a:rPr lang="en-US" smtClean="0"/>
-              <a:pPr/>
-              <a:t>29</a:t>
-            </a:fld>
-            <a:endParaRPr lang="en-US" dirty="0"/>
-          </a:p>
-        </p:txBody>
-      </p:sp>
-      <p:sp>
-        <p:nvSpPr>
-          <p:cNvPr id="2" name="Text Placeholder 1">
-            <a:extLst>
-              <a:ext uri="{FF2B5EF4-FFF2-40B4-BE49-F238E27FC236}">
-                <a16:creationId xmlns:a16="http://schemas.microsoft.com/office/drawing/2014/main" id="{E19E3B76-8ECB-55B1-220A-C239EEC5A854}"/>
-              </a:ext>
-            </a:extLst>
-          </p:cNvPr>
-          <p:cNvSpPr>
-            <a:spLocks noGrp="1"/>
-          </p:cNvSpPr>
-          <p:nvPr>
-            <p:ph type="body" idx="1"/>
-          </p:nvPr>
-        </p:nvSpPr>
-        <p:spPr/>
-        <p:txBody>
-          <a:bodyPr/>
-          <a:lstStyle/>
-          <a:p>
-            <a:r>
-              <a:rPr lang="en-US" b="1" dirty="0">
-                <a:effectLst/>
-                <a:latin typeface="Arial Black" panose="020B0604020202020204" pitchFamily="34" charset="0"/>
-                <a:cs typeface="Arial Black" panose="020B0604020202020204" pitchFamily="34" charset="0"/>
-              </a:rPr>
-              <a:t>ROI</a:t>
-            </a:r>
-            <a:endParaRPr lang="en-US" b="1" dirty="0">
-              <a:latin typeface="Arial Black" panose="020B0604020202020204" pitchFamily="34" charset="0"/>
-              <a:cs typeface="Arial Black" panose="020B0604020202020204" pitchFamily="34" charset="0"/>
-            </a:endParaRPr>
-          </a:p>
-        </p:txBody>
-      </p:sp>
-      <p:sp>
-        <p:nvSpPr>
-          <p:cNvPr id="3" name="Content Placeholder 2">
-            <a:extLst>
-              <a:ext uri="{FF2B5EF4-FFF2-40B4-BE49-F238E27FC236}">
-                <a16:creationId xmlns:a16="http://schemas.microsoft.com/office/drawing/2014/main" id="{F5648B9B-6F61-26FD-880B-5CFAA0499A66}"/>
-              </a:ext>
-            </a:extLst>
-          </p:cNvPr>
-          <p:cNvSpPr>
-            <a:spLocks noGrp="1"/>
-          </p:cNvSpPr>
-          <p:nvPr>
-            <p:ph sz="half" idx="2"/>
-          </p:nvPr>
-        </p:nvSpPr>
-        <p:spPr/>
-        <p:txBody>
-          <a:bodyPr>
-            <a:normAutofit/>
-          </a:bodyPr>
-          <a:lstStyle/>
-          <a:p>
-            <a:pPr marL="285750" indent="-285750" fontAlgn="base">
-              <a:lnSpc>
-                <a:spcPct val="150000"/>
-              </a:lnSpc>
-              <a:buFont typeface="Arial" panose="020B0604020202020204" pitchFamily="34" charset="0"/>
-              <a:buChar char="•"/>
-            </a:pPr>
-            <a:r>
-              <a:rPr lang="en-US" sz="1400" b="1" dirty="0">
-                <a:latin typeface="Arial Black" panose="020B0604020202020204" pitchFamily="34" charset="0"/>
-                <a:cs typeface="Arial Black" panose="020B0604020202020204" pitchFamily="34" charset="0"/>
-              </a:rPr>
-              <a:t>Envision multimedia-based expertise and cross-media growth strategies​</a:t>
-            </a:r>
-          </a:p>
-          <a:p>
-            <a:pPr marL="285750" indent="-285750" fontAlgn="base">
-              <a:lnSpc>
-                <a:spcPct val="150000"/>
-              </a:lnSpc>
-              <a:buFont typeface="Arial" panose="020B0604020202020204" pitchFamily="34" charset="0"/>
-              <a:buChar char="•"/>
-            </a:pPr>
-            <a:r>
-              <a:rPr lang="en-US" sz="1400" b="1" dirty="0">
-                <a:latin typeface="Arial Black" panose="020B0604020202020204" pitchFamily="34" charset="0"/>
-                <a:cs typeface="Arial Black" panose="020B0604020202020204" pitchFamily="34" charset="0"/>
-              </a:rPr>
-              <a:t>Visualize quality intellectual capital​</a:t>
-            </a:r>
-          </a:p>
-          <a:p>
-            <a:pPr marL="285750" indent="-285750" fontAlgn="base">
-              <a:lnSpc>
-                <a:spcPct val="150000"/>
-              </a:lnSpc>
-              <a:buFont typeface="Arial" panose="020B0604020202020204" pitchFamily="34" charset="0"/>
-              <a:buChar char="•"/>
-            </a:pPr>
-            <a:r>
-              <a:rPr lang="en-US" sz="1400" b="1" dirty="0">
-                <a:latin typeface="Arial Black" panose="020B0604020202020204" pitchFamily="34" charset="0"/>
-                <a:cs typeface="Arial Black" panose="020B0604020202020204" pitchFamily="34" charset="0"/>
-              </a:rPr>
-              <a:t>Engage worldwide methodologies with web-enabled technologies​</a:t>
-            </a:r>
-          </a:p>
-          <a:p>
-            <a:pPr>
-              <a:lnSpc>
-                <a:spcPct val="150000"/>
-              </a:lnSpc>
-            </a:pPr>
-            <a:endParaRPr lang="en-US" sz="1400" b="1" dirty="0">
-              <a:latin typeface="Arial Black" panose="020B0604020202020204" pitchFamily="34" charset="0"/>
-              <a:cs typeface="Arial Black" panose="020B0604020202020204" pitchFamily="34" charset="0"/>
-            </a:endParaRPr>
-          </a:p>
-        </p:txBody>
-      </p:sp>
-      <p:sp>
-        <p:nvSpPr>
-          <p:cNvPr id="4" name="Text Placeholder 3">
-            <a:extLst>
-              <a:ext uri="{FF2B5EF4-FFF2-40B4-BE49-F238E27FC236}">
-                <a16:creationId xmlns:a16="http://schemas.microsoft.com/office/drawing/2014/main" id="{6A05B717-5038-0070-60FC-634FA9998FA6}"/>
-              </a:ext>
-            </a:extLst>
-          </p:cNvPr>
-          <p:cNvSpPr>
-            <a:spLocks noGrp="1"/>
-          </p:cNvSpPr>
-          <p:nvPr>
-            <p:ph type="body" sz="quarter" idx="3"/>
-          </p:nvPr>
-        </p:nvSpPr>
-        <p:spPr/>
-        <p:txBody>
-          <a:bodyPr/>
-          <a:lstStyle/>
-          <a:p>
-            <a:r>
-              <a:rPr lang="en-US" b="1" dirty="0">
-                <a:effectLst/>
-                <a:latin typeface="Arial Black" panose="020B0604020202020204" pitchFamily="34" charset="0"/>
-                <a:cs typeface="Arial Black" panose="020B0604020202020204" pitchFamily="34" charset="0"/>
-              </a:rPr>
-              <a:t>Niche markets</a:t>
-            </a:r>
-            <a:endParaRPr lang="en-US" b="1" dirty="0">
-              <a:latin typeface="Arial Black" panose="020B0604020202020204" pitchFamily="34" charset="0"/>
-              <a:cs typeface="Arial Black" panose="020B0604020202020204" pitchFamily="34" charset="0"/>
-            </a:endParaRPr>
-          </a:p>
-        </p:txBody>
-      </p:sp>
-      <p:sp>
-        <p:nvSpPr>
-          <p:cNvPr id="14" name="Content Placeholder 13">
-            <a:extLst>
-              <a:ext uri="{FF2B5EF4-FFF2-40B4-BE49-F238E27FC236}">
-                <a16:creationId xmlns:a16="http://schemas.microsoft.com/office/drawing/2014/main" id="{09DD5B6E-5EB4-E24C-F029-D11B31418E41}"/>
-              </a:ext>
-            </a:extLst>
-          </p:cNvPr>
-          <p:cNvSpPr>
-            <a:spLocks noGrp="1"/>
-          </p:cNvSpPr>
-          <p:nvPr>
-            <p:ph sz="quarter" idx="4"/>
-          </p:nvPr>
-        </p:nvSpPr>
-        <p:spPr/>
-        <p:txBody>
-          <a:bodyPr/>
-          <a:lstStyle/>
-          <a:p>
-            <a:pPr marL="285750" indent="-285750" fontAlgn="base">
-              <a:lnSpc>
-                <a:spcPct val="150000"/>
-              </a:lnSpc>
-              <a:buFont typeface="Arial" panose="020B0604020202020204" pitchFamily="34" charset="0"/>
-              <a:buChar char="•"/>
-            </a:pPr>
-            <a:r>
-              <a:rPr lang="en-US" sz="1400" b="1" dirty="0">
-                <a:latin typeface="Arial Black" panose="020B0604020202020204" pitchFamily="34" charset="0"/>
-                <a:cs typeface="Arial Black" panose="020B0604020202020204" pitchFamily="34" charset="0"/>
-              </a:rPr>
-              <a:t>Pursue scalable customer service through sustainable strategies​</a:t>
-            </a:r>
-          </a:p>
-          <a:p>
-            <a:pPr marL="285750" indent="-285750" fontAlgn="base">
-              <a:lnSpc>
-                <a:spcPct val="150000"/>
-              </a:lnSpc>
-              <a:buFont typeface="Arial" panose="020B0604020202020204" pitchFamily="34" charset="0"/>
-              <a:buChar char="•"/>
-            </a:pPr>
-            <a:r>
-              <a:rPr lang="en-US" sz="1400" b="1" dirty="0">
-                <a:latin typeface="Arial Black" panose="020B0604020202020204" pitchFamily="34" charset="0"/>
-                <a:cs typeface="Arial Black" panose="020B0604020202020204" pitchFamily="34" charset="0"/>
-              </a:rPr>
-              <a:t>Engage top-line web services with </a:t>
-            </a:r>
-            <a:br>
-              <a:rPr lang="en-US" sz="1400" b="1" dirty="0">
-                <a:latin typeface="Arial Black" panose="020B0604020202020204" pitchFamily="34" charset="0"/>
-                <a:cs typeface="Arial Black" panose="020B0604020202020204" pitchFamily="34" charset="0"/>
-              </a:rPr>
-            </a:br>
-            <a:r>
-              <a:rPr lang="en-US" sz="1400" b="1" dirty="0">
-                <a:latin typeface="Arial Black" panose="020B0604020202020204" pitchFamily="34" charset="0"/>
-                <a:cs typeface="Arial Black" panose="020B0604020202020204" pitchFamily="34" charset="0"/>
-              </a:rPr>
-              <a:t>cutting-edge </a:t>
-            </a:r>
-            <a:br>
-              <a:rPr lang="en-US" sz="1400" b="1" dirty="0">
-                <a:latin typeface="Arial Black" panose="020B0604020202020204" pitchFamily="34" charset="0"/>
-                <a:cs typeface="Arial Black" panose="020B0604020202020204" pitchFamily="34" charset="0"/>
-              </a:rPr>
-            </a:br>
-            <a:r>
-              <a:rPr lang="en-US" sz="1400" b="1" dirty="0">
-                <a:latin typeface="Arial Black" panose="020B0604020202020204" pitchFamily="34" charset="0"/>
-                <a:cs typeface="Arial Black" panose="020B0604020202020204" pitchFamily="34" charset="0"/>
-              </a:rPr>
-              <a:t>deliverables</a:t>
-            </a:r>
-          </a:p>
-          <a:p>
-            <a:pPr>
-              <a:lnSpc>
-                <a:spcPct val="150000"/>
-              </a:lnSpc>
-            </a:pPr>
-            <a:endParaRPr lang="en-US" sz="1400" b="1" dirty="0">
-              <a:latin typeface="Arial Black" panose="020B0604020202020204" pitchFamily="34" charset="0"/>
-              <a:cs typeface="Arial Black" panose="020B0604020202020204" pitchFamily="34" charset="0"/>
-            </a:endParaRPr>
-          </a:p>
-        </p:txBody>
-      </p:sp>
-      <p:sp>
-        <p:nvSpPr>
-          <p:cNvPr id="7" name="Text Placeholder 6">
-            <a:extLst>
-              <a:ext uri="{FF2B5EF4-FFF2-40B4-BE49-F238E27FC236}">
-                <a16:creationId xmlns:a16="http://schemas.microsoft.com/office/drawing/2014/main" id="{A92FEC7C-83CC-A5F9-029D-D476C55C9CCD}"/>
-              </a:ext>
-            </a:extLst>
-          </p:cNvPr>
-          <p:cNvSpPr>
-            <a:spLocks noGrp="1"/>
-          </p:cNvSpPr>
-          <p:nvPr>
-            <p:ph type="body" sz="quarter" idx="16"/>
-          </p:nvPr>
-        </p:nvSpPr>
-        <p:spPr/>
-        <p:txBody>
-          <a:bodyPr/>
-          <a:lstStyle/>
-          <a:p>
-            <a:r>
-              <a:rPr lang="en-US" b="1" dirty="0">
-                <a:effectLst/>
-                <a:latin typeface="Arial Black" panose="020B0604020202020204" pitchFamily="34" charset="0"/>
-                <a:cs typeface="Arial Black" panose="020B0604020202020204" pitchFamily="34" charset="0"/>
-              </a:rPr>
-              <a:t>Supply chains</a:t>
-            </a:r>
-            <a:endParaRPr lang="en-US" b="1" dirty="0">
-              <a:latin typeface="Arial Black" panose="020B0604020202020204" pitchFamily="34" charset="0"/>
-              <a:cs typeface="Arial Black" panose="020B0604020202020204" pitchFamily="34" charset="0"/>
-            </a:endParaRPr>
-          </a:p>
-        </p:txBody>
-      </p:sp>
-      <p:sp>
-        <p:nvSpPr>
-          <p:cNvPr id="8" name="Content Placeholder 7">
-            <a:extLst>
-              <a:ext uri="{FF2B5EF4-FFF2-40B4-BE49-F238E27FC236}">
-                <a16:creationId xmlns:a16="http://schemas.microsoft.com/office/drawing/2014/main" id="{B9E987DA-B378-65C6-474E-1146A0C2F361}"/>
-              </a:ext>
-            </a:extLst>
-          </p:cNvPr>
-          <p:cNvSpPr>
-            <a:spLocks noGrp="1"/>
-          </p:cNvSpPr>
-          <p:nvPr>
-            <p:ph sz="quarter" idx="17"/>
-          </p:nvPr>
-        </p:nvSpPr>
-        <p:spPr/>
-        <p:txBody>
-          <a:bodyPr/>
-          <a:lstStyle/>
-          <a:p>
-            <a:pPr marL="285750" indent="-285750" fontAlgn="base">
-              <a:lnSpc>
-                <a:spcPct val="150000"/>
-              </a:lnSpc>
-              <a:buFont typeface="Arial" panose="020B0604020202020204" pitchFamily="34" charset="0"/>
-              <a:buChar char="•"/>
-            </a:pPr>
-            <a:r>
-              <a:rPr lang="en-US" sz="1400" b="1" dirty="0">
-                <a:latin typeface="Arial Black" panose="020B0604020202020204" pitchFamily="34" charset="0"/>
-                <a:cs typeface="Arial Black" panose="020B0604020202020204" pitchFamily="34" charset="0"/>
-              </a:rPr>
-              <a:t>Cultivate one-to-one customer </a:t>
-            </a:r>
-            <a:br>
-              <a:rPr lang="en-US" sz="1400" b="1" dirty="0">
-                <a:latin typeface="Arial Black" panose="020B0604020202020204" pitchFamily="34" charset="0"/>
-                <a:cs typeface="Arial Black" panose="020B0604020202020204" pitchFamily="34" charset="0"/>
-              </a:rPr>
-            </a:br>
-            <a:r>
-              <a:rPr lang="en-US" sz="1400" b="1" dirty="0">
-                <a:latin typeface="Arial Black" panose="020B0604020202020204" pitchFamily="34" charset="0"/>
-                <a:cs typeface="Arial Black" panose="020B0604020202020204" pitchFamily="34" charset="0"/>
-              </a:rPr>
-              <a:t>service with robust </a:t>
-            </a:r>
-            <a:br>
-              <a:rPr lang="en-US" sz="1400" b="1" dirty="0">
-                <a:latin typeface="Arial Black" panose="020B0604020202020204" pitchFamily="34" charset="0"/>
-                <a:cs typeface="Arial Black" panose="020B0604020202020204" pitchFamily="34" charset="0"/>
-              </a:rPr>
-            </a:br>
-            <a:r>
-              <a:rPr lang="en-US" sz="1400" b="1" dirty="0">
-                <a:latin typeface="Arial Black" panose="020B0604020202020204" pitchFamily="34" charset="0"/>
-                <a:cs typeface="Arial Black" panose="020B0604020202020204" pitchFamily="34" charset="0"/>
-              </a:rPr>
-              <a:t>ideas​</a:t>
-            </a:r>
-          </a:p>
-          <a:p>
-            <a:pPr marL="285750" indent="-285750" fontAlgn="base">
-              <a:lnSpc>
-                <a:spcPct val="150000"/>
-              </a:lnSpc>
-              <a:buFont typeface="Arial" panose="020B0604020202020204" pitchFamily="34" charset="0"/>
-              <a:buChar char="•"/>
-            </a:pPr>
-            <a:r>
-              <a:rPr lang="en-US" sz="1400" b="1" dirty="0">
-                <a:latin typeface="Arial Black" panose="020B0604020202020204" pitchFamily="34" charset="0"/>
-                <a:cs typeface="Arial Black" panose="020B0604020202020204" pitchFamily="34" charset="0"/>
-              </a:rPr>
-              <a:t>Maximize timely deliverables </a:t>
-            </a:r>
-            <a:br>
-              <a:rPr lang="en-US" sz="1400" b="1" dirty="0">
-                <a:latin typeface="Arial Black" panose="020B0604020202020204" pitchFamily="34" charset="0"/>
-                <a:cs typeface="Arial Black" panose="020B0604020202020204" pitchFamily="34" charset="0"/>
-              </a:rPr>
-            </a:br>
-            <a:r>
-              <a:rPr lang="en-US" sz="1400" b="1" dirty="0">
-                <a:latin typeface="Arial Black" panose="020B0604020202020204" pitchFamily="34" charset="0"/>
-                <a:cs typeface="Arial Black" panose="020B0604020202020204" pitchFamily="34" charset="0"/>
-              </a:rPr>
-              <a:t>for real-</a:t>
-            </a:r>
-            <a:br>
-              <a:rPr lang="en-US" sz="1400" b="1" dirty="0">
-                <a:latin typeface="Arial Black" panose="020B0604020202020204" pitchFamily="34" charset="0"/>
-                <a:cs typeface="Arial Black" panose="020B0604020202020204" pitchFamily="34" charset="0"/>
-              </a:rPr>
-            </a:br>
-            <a:r>
-              <a:rPr lang="en-US" sz="1400" b="1" dirty="0">
-                <a:latin typeface="Arial Black" panose="020B0604020202020204" pitchFamily="34" charset="0"/>
-                <a:cs typeface="Arial Black" panose="020B0604020202020204" pitchFamily="34" charset="0"/>
-              </a:rPr>
-              <a:t>time schemas</a:t>
-            </a:r>
-          </a:p>
-          <a:p>
-            <a:pPr>
-              <a:lnSpc>
-                <a:spcPct val="150000"/>
-              </a:lnSpc>
-            </a:pPr>
-            <a:endParaRPr lang="en-US" sz="1400" b="1" dirty="0">
-              <a:latin typeface="Arial Black" panose="020B0604020202020204" pitchFamily="34" charset="0"/>
-              <a:cs typeface="Arial Black" panose="020B0604020202020204" pitchFamily="34" charset="0"/>
-            </a:endParaRPr>
-          </a:p>
-          <a:p>
-            <a:endParaRPr lang="en-US" dirty="0"/>
-          </a:p>
-        </p:txBody>
-      </p:sp>
-    </p:spTree>
-    <p:extLst>
-      <p:ext uri="{BB962C8B-B14F-4D97-AF65-F5344CB8AC3E}">
-        <p14:creationId xmlns:p14="http://schemas.microsoft.com/office/powerpoint/2010/main" val="3637031163"/>
+        <p14:creationId xmlns:p14="http://schemas.microsoft.com/office/powerpoint/2010/main" val="893108741"/>
       </p:ext>
     </p:extLst>
   </p:cSld>
@@ -42018,185 +38606,6 @@
 </p:sld>
 </file>
 
-<file path=ppt/slides/slide30.xml><?xml version="1.0" encoding="utf-8"?>
-<p:sld xmlns:a="http://schemas.openxmlformats.org/drawingml/2006/main" xmlns:r="http://schemas.openxmlformats.org/officeDocument/2006/relationships" xmlns:p="http://schemas.openxmlformats.org/presentationml/2006/main">
-  <p:cSld>
-    <p:bg>
-      <p:bgPr>
-        <a:solidFill>
-          <a:schemeClr val="bg2"/>
-        </a:solidFill>
-        <a:effectLst/>
-      </p:bgPr>
-    </p:bg>
-    <p:spTree>
-      <p:nvGrpSpPr>
-        <p:cNvPr id="1" name=""/>
-        <p:cNvGrpSpPr/>
-        <p:nvPr/>
-      </p:nvGrpSpPr>
-      <p:grpSpPr>
-        <a:xfrm>
-          <a:off x="0" y="0"/>
-          <a:ext cx="0" cy="0"/>
-          <a:chOff x="0" y="0"/>
-          <a:chExt cx="0" cy="0"/>
-        </a:xfrm>
-      </p:grpSpPr>
-      <p:sp>
-        <p:nvSpPr>
-          <p:cNvPr id="13" name="Title 12">
-            <a:extLst>
-              <a:ext uri="{FF2B5EF4-FFF2-40B4-BE49-F238E27FC236}">
-                <a16:creationId xmlns:a16="http://schemas.microsoft.com/office/drawing/2014/main" id="{E729A509-992F-8C10-902D-182448B5A1AE}"/>
-              </a:ext>
-            </a:extLst>
-          </p:cNvPr>
-          <p:cNvSpPr>
-            <a:spLocks noGrp="1"/>
-          </p:cNvSpPr>
-          <p:nvPr>
-            <p:ph type="title"/>
-          </p:nvPr>
-        </p:nvSpPr>
-        <p:spPr/>
-        <p:txBody>
-          <a:bodyPr/>
-          <a:lstStyle/>
-          <a:p>
-            <a:r>
-              <a:rPr lang="en-US" dirty="0"/>
-              <a:t>Summary</a:t>
-            </a:r>
-          </a:p>
-        </p:txBody>
-      </p:sp>
-      <p:sp>
-        <p:nvSpPr>
-          <p:cNvPr id="12" name="Content Placeholder 11">
-            <a:extLst>
-              <a:ext uri="{FF2B5EF4-FFF2-40B4-BE49-F238E27FC236}">
-                <a16:creationId xmlns:a16="http://schemas.microsoft.com/office/drawing/2014/main" id="{84FA0F1E-A920-0194-981E-4B573643BB48}"/>
-              </a:ext>
-            </a:extLst>
-          </p:cNvPr>
-          <p:cNvSpPr>
-            <a:spLocks noGrp="1"/>
-          </p:cNvSpPr>
-          <p:nvPr>
-            <p:ph idx="1"/>
-          </p:nvPr>
-        </p:nvSpPr>
-        <p:spPr/>
-        <p:txBody>
-          <a:bodyPr/>
-          <a:lstStyle/>
-          <a:p>
-            <a:pPr fontAlgn="base"/>
-            <a:r>
-              <a:rPr lang="en-US" b="1" dirty="0">
-                <a:latin typeface="Arial Black" panose="020B0604020202020204" pitchFamily="34" charset="0"/>
-                <a:cs typeface="Arial Black" panose="020B0604020202020204" pitchFamily="34" charset="0"/>
-              </a:rPr>
-              <a:t>At Contoso, we believe in giving 110%. By using our next-generation data architecture, we help organizations virtually manage agile workflows. We thrive because of our market knowledge and great team behind our product. As our CEO says, "Efficiencies will come from proactively transforming how we do business."​</a:t>
-            </a:r>
-          </a:p>
-          <a:p>
-            <a:pPr algn="l" rtl="0" fontAlgn="base"/>
-            <a:r>
-              <a:rPr lang="en-US" b="0" i="0" dirty="0">
-                <a:solidFill>
-                  <a:srgbClr val="000000"/>
-                </a:solidFill>
-                <a:effectLst/>
-                <a:latin typeface="Calibri" panose="020F0502020204030204" pitchFamily="34" charset="0"/>
-              </a:rPr>
-              <a:t>​</a:t>
-            </a:r>
-            <a:endParaRPr lang="en-US" b="0" i="0" dirty="0">
-              <a:solidFill>
-                <a:srgbClr val="000000"/>
-              </a:solidFill>
-              <a:effectLst/>
-              <a:latin typeface="Segoe UI" panose="020B0502040204020203" pitchFamily="34" charset="0"/>
-            </a:endParaRPr>
-          </a:p>
-          <a:p>
-            <a:endParaRPr lang="en-US" b="1" dirty="0">
-              <a:latin typeface="Arial Black" panose="020B0604020202020204" pitchFamily="34" charset="0"/>
-              <a:cs typeface="Arial Black" panose="020B0604020202020204" pitchFamily="34" charset="0"/>
-            </a:endParaRPr>
-          </a:p>
-        </p:txBody>
-      </p:sp>
-      <p:sp>
-        <p:nvSpPr>
-          <p:cNvPr id="19" name="Text Placeholder 18">
-            <a:extLst>
-              <a:ext uri="{FF2B5EF4-FFF2-40B4-BE49-F238E27FC236}">
-                <a16:creationId xmlns:a16="http://schemas.microsoft.com/office/drawing/2014/main" id="{1A502D19-C614-886C-4945-5880F36E0998}"/>
-              </a:ext>
-            </a:extLst>
-          </p:cNvPr>
-          <p:cNvSpPr>
-            <a:spLocks noGrp="1"/>
-          </p:cNvSpPr>
-          <p:nvPr>
-            <p:ph type="body" sz="quarter" idx="13"/>
-          </p:nvPr>
-        </p:nvSpPr>
-        <p:spPr/>
-        <p:txBody>
-          <a:bodyPr/>
-          <a:lstStyle/>
-          <a:p>
-            <a:endParaRPr lang="en-US" dirty="0"/>
-          </a:p>
-        </p:txBody>
-      </p:sp>
-      <p:sp>
-        <p:nvSpPr>
-          <p:cNvPr id="17" name="Slide Number Placeholder 16">
-            <a:extLst>
-              <a:ext uri="{FF2B5EF4-FFF2-40B4-BE49-F238E27FC236}">
-                <a16:creationId xmlns:a16="http://schemas.microsoft.com/office/drawing/2014/main" id="{E46CC291-411B-349C-8657-ED39C084F877}"/>
-              </a:ext>
-            </a:extLst>
-          </p:cNvPr>
-          <p:cNvSpPr>
-            <a:spLocks noGrp="1"/>
-          </p:cNvSpPr>
-          <p:nvPr>
-            <p:ph type="sldNum" sz="quarter" idx="15"/>
-          </p:nvPr>
-        </p:nvSpPr>
-        <p:spPr/>
-        <p:txBody>
-          <a:bodyPr/>
-          <a:lstStyle/>
-          <a:p>
-            <a:fld id="{CC43B8D3-9A08-F84C-9DD4-44948BA52D4B}" type="slidenum">
-              <a:rPr lang="en-US" smtClean="0"/>
-              <a:pPr/>
-              <a:t>30</a:t>
-            </a:fld>
-            <a:endParaRPr lang="en-US" dirty="0"/>
-          </a:p>
-        </p:txBody>
-      </p:sp>
-    </p:spTree>
-    <p:extLst>
-      <p:ext uri="{BB962C8B-B14F-4D97-AF65-F5344CB8AC3E}">
-        <p14:creationId xmlns:p14="http://schemas.microsoft.com/office/powerpoint/2010/main" val="893108741"/>
-      </p:ext>
-    </p:extLst>
-  </p:cSld>
-  <p:clrMapOvr>
-    <a:masterClrMapping/>
-  </p:clrMapOvr>
-</p:sld>
-</file>
-
 <file path=ppt/slides/slide4.xml><?xml version="1.0" encoding="utf-8"?>
 <p:sld xmlns:a="http://schemas.openxmlformats.org/drawingml/2006/main" xmlns:r="http://schemas.openxmlformats.org/officeDocument/2006/relationships" xmlns:p="http://schemas.openxmlformats.org/presentationml/2006/main">
   <p:cSld>
@@ -42630,29 +39039,6 @@
       </p:pic>
       <p:pic>
         <p:nvPicPr>
-          <p:cNvPr id="14" name="Marcador de posición de imagen 13" descr="Papel a rayas colorido de color amarillo y naranja ">
-            <a:extLst>
-              <a:ext uri="{FF2B5EF4-FFF2-40B4-BE49-F238E27FC236}">
-                <a16:creationId xmlns:a16="http://schemas.microsoft.com/office/drawing/2014/main" id="{EED44CAE-DEB0-E9FC-9CA8-0D45D3234CC1}"/>
-              </a:ext>
-            </a:extLst>
-          </p:cNvPr>
-          <p:cNvPicPr>
-            <a:picLocks noGrp="1" noChangeAspect="1"/>
-          </p:cNvPicPr>
-          <p:nvPr>
-            <p:ph type="pic" sz="quarter" idx="24"/>
-          </p:nvPr>
-        </p:nvPicPr>
-        <p:blipFill>
-          <a:blip r:embed="rId4"/>
-          <a:srcRect l="16724" r="16724"/>
-          <a:stretch/>
-        </p:blipFill>
-        <p:spPr/>
-      </p:pic>
-      <p:pic>
-        <p:nvPicPr>
           <p:cNvPr id="7" name="Marcador de posición de imagen 6"/>
           <p:cNvPicPr>
             <a:picLocks noGrp="1" noChangeAspect="1"/>
@@ -42662,7 +39048,7 @@
           </p:nvPr>
         </p:nvPicPr>
         <p:blipFill>
-          <a:blip r:embed="rId5">
+          <a:blip r:embed="rId4">
             <a:extLst>
               <a:ext uri="{28A0092B-C50C-407E-A947-70E740481C1C}">
                 <a14:useLocalDpi xmlns:a14="http://schemas.microsoft.com/office/drawing/2010/main" val="0"/>
@@ -42670,6 +39056,31 @@
             </a:extLst>
           </a:blip>
           <a:srcRect t="2425" b="2425"/>
+          <a:stretch>
+            <a:fillRect/>
+          </a:stretch>
+        </p:blipFill>
+        <p:spPr/>
+      </p:pic>
+      <p:pic>
+        <p:nvPicPr>
+          <p:cNvPr id="10" name="Marcador de posición de imagen 9"/>
+          <p:cNvPicPr>
+            <a:picLocks noGrp="1" noChangeAspect="1"/>
+          </p:cNvPicPr>
+          <p:nvPr>
+            <p:ph type="pic" sz="quarter" idx="24"/>
+          </p:nvPr>
+        </p:nvPicPr>
+        <p:blipFill>
+          <a:blip r:embed="rId5">
+            <a:extLst>
+              <a:ext uri="{28A0092B-C50C-407E-A947-70E740481C1C}">
+                <a14:useLocalDpi xmlns:a14="http://schemas.microsoft.com/office/drawing/2010/main" val="0"/>
+              </a:ext>
+            </a:extLst>
+          </a:blip>
+          <a:srcRect/>
           <a:stretch>
             <a:fillRect/>
           </a:stretch>
@@ -45345,6 +41756,35 @@
 </file>
 
 <file path=customXml/item1.xml><?xml version="1.0" encoding="utf-8"?>
+<p:properties xmlns:p="http://schemas.microsoft.com/office/2006/metadata/properties" xmlns:xsi="http://www.w3.org/2001/XMLSchema-instance" xmlns:pc="http://schemas.microsoft.com/office/infopath/2007/PartnerControls">
+  <documentManagement>
+    <_ip_UnifiedCompliancePolicyUIAction xmlns="http://schemas.microsoft.com/sharepoint/v3" xsi:nil="true"/>
+    <Image xmlns="71af3243-3dd4-4a8d-8c0d-dd76da1f02a5">
+      <Url xsi:nil="true"/>
+      <Description xsi:nil="true"/>
+    </Image>
+    <Status xmlns="71af3243-3dd4-4a8d-8c0d-dd76da1f02a5">Not started</Status>
+    <Background xmlns="71af3243-3dd4-4a8d-8c0d-dd76da1f02a5">false</Background>
+    <_ip_UnifiedCompliancePolicyProperties xmlns="http://schemas.microsoft.com/sharepoint/v3" xsi:nil="true"/>
+    <ImageTagsTaxHTField xmlns="71af3243-3dd4-4a8d-8c0d-dd76da1f02a5">
+      <Terms xmlns="http://schemas.microsoft.com/office/infopath/2007/PartnerControls"/>
+    </ImageTagsTaxHTField>
+    <TaxCatchAll xmlns="230e9df3-be65-4c73-a93b-d1236ebd677e" xsi:nil="true"/>
+    <MediaServiceKeyPoints xmlns="71af3243-3dd4-4a8d-8c0d-dd76da1f02a5" xsi:nil="true"/>
+  </documentManagement>
+</p:properties>
+</file>
+
+<file path=customXml/item2.xml><?xml version="1.0" encoding="utf-8"?>
+<?mso-contentType ?>
+<FormTemplates xmlns="http://schemas.microsoft.com/sharepoint/v3/contenttype/forms">
+  <Display>DocumentLibraryForm</Display>
+  <Edit>DocumentLibraryForm</Edit>
+  <New>DocumentLibraryForm</New>
+</FormTemplates>
+</file>
+
+<file path=customXml/item3.xml><?xml version="1.0" encoding="utf-8"?>
 <ct:contentTypeSchema xmlns:ct="http://schemas.microsoft.com/office/2006/metadata/contentType" xmlns:ma="http://schemas.microsoft.com/office/2006/metadata/properties/metaAttributes" ct:_="" ma:_="" ma:contentTypeName="Document" ma:contentTypeID="0x01010079F111ED35F8CC479449609E8A0923A6" ma:contentTypeVersion="25" ma:contentTypeDescription="Create a new document." ma:contentTypeScope="" ma:versionID="e02306daf00165b375dc6a58966960be">
   <xsd:schema xmlns:xsd="http://www.w3.org/2001/XMLSchema" xmlns:xs="http://www.w3.org/2001/XMLSchema" xmlns:p="http://schemas.microsoft.com/office/2006/metadata/properties" xmlns:ns1="http://schemas.microsoft.com/sharepoint/v3" xmlns:ns2="71af3243-3dd4-4a8d-8c0d-dd76da1f02a5" xmlns:ns3="16c05727-aa75-4e4a-9b5f-8a80a1165891" xmlns:ns4="230e9df3-be65-4c73-a93b-d1236ebd677e" targetNamespace="http://schemas.microsoft.com/office/2006/metadata/properties" ma:root="true" ma:fieldsID="df88fb76bf5f555224557953949c1ec9" ns1:_="" ns2:_="" ns3:_="" ns4:_="">
     <xsd:import namespace="http://schemas.microsoft.com/sharepoint/v3"/>
@@ -45638,36 +42078,34 @@
 </ct:contentTypeSchema>
 </file>
 
-<file path=customXml/item2.xml><?xml version="1.0" encoding="utf-8"?>
-<?mso-contentType ?>
-<FormTemplates xmlns="http://schemas.microsoft.com/sharepoint/v3/contenttype/forms">
-  <Display>DocumentLibraryForm</Display>
-  <Edit>DocumentLibraryForm</Edit>
-  <New>DocumentLibraryForm</New>
-</FormTemplates>
+<file path=customXml/itemProps1.xml><?xml version="1.0" encoding="utf-8"?>
+<ds:datastoreItem xmlns:ds="http://schemas.openxmlformats.org/officeDocument/2006/customXml" ds:itemID="{C431C809-C6F0-48D7-BF3E-4570CDAF51AF}">
+  <ds:schemaRefs>
+    <ds:schemaRef ds:uri="http://www.w3.org/XML/1998/namespace"/>
+    <ds:schemaRef ds:uri="http://purl.org/dc/dcmitype/"/>
+    <ds:schemaRef ds:uri="http://purl.org/dc/elements/1.1/"/>
+    <ds:schemaRef ds:uri="http://schemas.microsoft.com/office/infopath/2007/PartnerControls"/>
+    <ds:schemaRef ds:uri="http://schemas.microsoft.com/office/2006/metadata/properties"/>
+    <ds:schemaRef ds:uri="http://schemas.microsoft.com/sharepoint/v3"/>
+    <ds:schemaRef ds:uri="http://schemas.microsoft.com/office/2006/documentManagement/types"/>
+    <ds:schemaRef ds:uri="71af3243-3dd4-4a8d-8c0d-dd76da1f02a5"/>
+    <ds:schemaRef ds:uri="http://schemas.openxmlformats.org/package/2006/metadata/core-properties"/>
+    <ds:schemaRef ds:uri="230e9df3-be65-4c73-a93b-d1236ebd677e"/>
+    <ds:schemaRef ds:uri="16c05727-aa75-4e4a-9b5f-8a80a1165891"/>
+    <ds:schemaRef ds:uri="http://purl.org/dc/terms/"/>
+  </ds:schemaRefs>
+</ds:datastoreItem>
 </file>
 
-<file path=customXml/item3.xml><?xml version="1.0" encoding="utf-8"?>
-<p:properties xmlns:p="http://schemas.microsoft.com/office/2006/metadata/properties" xmlns:xsi="http://www.w3.org/2001/XMLSchema-instance" xmlns:pc="http://schemas.microsoft.com/office/infopath/2007/PartnerControls">
-  <documentManagement>
-    <_ip_UnifiedCompliancePolicyUIAction xmlns="http://schemas.microsoft.com/sharepoint/v3" xsi:nil="true"/>
-    <Image xmlns="71af3243-3dd4-4a8d-8c0d-dd76da1f02a5">
-      <Url xsi:nil="true"/>
-      <Description xsi:nil="true"/>
-    </Image>
-    <Status xmlns="71af3243-3dd4-4a8d-8c0d-dd76da1f02a5">Not started</Status>
-    <Background xmlns="71af3243-3dd4-4a8d-8c0d-dd76da1f02a5">false</Background>
-    <_ip_UnifiedCompliancePolicyProperties xmlns="http://schemas.microsoft.com/sharepoint/v3" xsi:nil="true"/>
-    <ImageTagsTaxHTField xmlns="71af3243-3dd4-4a8d-8c0d-dd76da1f02a5">
-      <Terms xmlns="http://schemas.microsoft.com/office/infopath/2007/PartnerControls"/>
-    </ImageTagsTaxHTField>
-    <TaxCatchAll xmlns="230e9df3-be65-4c73-a93b-d1236ebd677e" xsi:nil="true"/>
-    <MediaServiceKeyPoints xmlns="71af3243-3dd4-4a8d-8c0d-dd76da1f02a5" xsi:nil="true"/>
-  </documentManagement>
-</p:properties>
+<file path=customXml/itemProps2.xml><?xml version="1.0" encoding="utf-8"?>
+<ds:datastoreItem xmlns:ds="http://schemas.openxmlformats.org/officeDocument/2006/customXml" ds:itemID="{7E30B917-A3AD-46B5-A6A4-F876E3BAC36E}">
+  <ds:schemaRefs>
+    <ds:schemaRef ds:uri="http://schemas.microsoft.com/sharepoint/v3/contenttype/forms"/>
+  </ds:schemaRefs>
+</ds:datastoreItem>
 </file>
 
-<file path=customXml/itemProps1.xml><?xml version="1.0" encoding="utf-8"?>
+<file path=customXml/itemProps3.xml><?xml version="1.0" encoding="utf-8"?>
 <ds:datastoreItem xmlns:ds="http://schemas.openxmlformats.org/officeDocument/2006/customXml" ds:itemID="{E8C75813-FBB5-478B-828B-AC67018E2728}">
   <ds:schemaRefs>
     <ds:schemaRef ds:uri="http://schemas.microsoft.com/office/2006/metadata/contentType"/>
@@ -45688,33 +42126,6 @@
 </ds:datastoreItem>
 </file>
 
-<file path=customXml/itemProps2.xml><?xml version="1.0" encoding="utf-8"?>
-<ds:datastoreItem xmlns:ds="http://schemas.openxmlformats.org/officeDocument/2006/customXml" ds:itemID="{7E30B917-A3AD-46B5-A6A4-F876E3BAC36E}">
-  <ds:schemaRefs>
-    <ds:schemaRef ds:uri="http://schemas.microsoft.com/sharepoint/v3/contenttype/forms"/>
-  </ds:schemaRefs>
-</ds:datastoreItem>
-</file>
-
-<file path=customXml/itemProps3.xml><?xml version="1.0" encoding="utf-8"?>
-<ds:datastoreItem xmlns:ds="http://schemas.openxmlformats.org/officeDocument/2006/customXml" ds:itemID="{C431C809-C6F0-48D7-BF3E-4570CDAF51AF}">
-  <ds:schemaRefs>
-    <ds:schemaRef ds:uri="http://www.w3.org/XML/1998/namespace"/>
-    <ds:schemaRef ds:uri="http://purl.org/dc/dcmitype/"/>
-    <ds:schemaRef ds:uri="http://purl.org/dc/elements/1.1/"/>
-    <ds:schemaRef ds:uri="http://schemas.microsoft.com/office/infopath/2007/PartnerControls"/>
-    <ds:schemaRef ds:uri="http://schemas.microsoft.com/office/2006/metadata/properties"/>
-    <ds:schemaRef ds:uri="http://schemas.microsoft.com/sharepoint/v3"/>
-    <ds:schemaRef ds:uri="http://schemas.microsoft.com/office/2006/documentManagement/types"/>
-    <ds:schemaRef ds:uri="71af3243-3dd4-4a8d-8c0d-dd76da1f02a5"/>
-    <ds:schemaRef ds:uri="http://schemas.openxmlformats.org/package/2006/metadata/core-properties"/>
-    <ds:schemaRef ds:uri="230e9df3-be65-4c73-a93b-d1236ebd677e"/>
-    <ds:schemaRef ds:uri="16c05727-aa75-4e4a-9b5f-8a80a1165891"/>
-    <ds:schemaRef ds:uri="http://purl.org/dc/terms/"/>
-  </ds:schemaRefs>
-</ds:datastoreItem>
-</file>
-
 <file path=docMetadata/LabelInfo.xml><?xml version="1.0" encoding="utf-8"?>
 <clbl:labelList xmlns:clbl="http://schemas.microsoft.com/office/2020/mipLabelMetadata"/>
 </file>